--- a/CheatSheet/template_v2.pptx
+++ b/CheatSheet/template_v2.pptx
@@ -476,6 +476,50 @@
     </a:lvl9pPr>
   </p:notesStyle>
 </p:notesMaster>
+</file>
+
+<file path=ppt/notesSlides/notesSlide1.xml><?xml version="1.0" encoding="utf-8"?>
+<p:notes xmlns:a="http://schemas.openxmlformats.org/drawingml/2006/main" xmlns:r="http://schemas.openxmlformats.org/officeDocument/2006/relationships" xmlns:p="http://schemas.openxmlformats.org/presentationml/2006/main">
+  <p:cSld>
+    <p:spTree>
+      <p:nvGrpSpPr>
+        <p:cNvPr id="1" name=""/>
+        <p:cNvGrpSpPr/>
+        <p:nvPr/>
+      </p:nvGrpSpPr>
+      <p:grpSpPr/>
+      <p:sp>
+        <p:nvSpPr>
+          <p:cNvPr id="2" name="Slide Image Placeholder 1"/>
+          <p:cNvSpPr/>
+          <p:nvPr>
+            <p:ph type="sldImg"/>
+          </p:nvPr>
+        </p:nvSpPr>
+        <p:spPr/>
+      </p:sp>
+      <p:sp>
+        <p:nvSpPr>
+          <p:cNvPr id="3" name="Text Placeholder 2"/>
+          <p:cNvSpPr/>
+          <p:nvPr>
+            <p:ph type="body" idx="1"/>
+          </p:nvPr>
+        </p:nvSpPr>
+        <p:spPr/>
+        <p:txBody>
+          <a:bodyPr/>
+          <a:p>
+            <a:endParaRPr lang="en-US"/>
+          </a:p>
+        </p:txBody>
+      </p:sp>
+    </p:spTree>
+  </p:cSld>
+  <p:clrMapOvr>
+    <a:masterClrMapping/>
+  </p:clrMapOvr>
+</p:notes>
 </file>
 
 <file path=ppt/slideLayouts/slideLayout1.xml><?xml version="1.0" encoding="utf-8"?>
@@ -3073,6 +3117,80 @@
       </p:grpSpPr>
       <p:sp>
         <p:nvSpPr>
+          <p:cNvPr id="17" name="Pentagon 16"/>
+          <p:cNvSpPr/>
+          <p:nvPr/>
+        </p:nvSpPr>
+        <p:spPr>
+          <a:xfrm>
+            <a:off x="3618865" y="1792605"/>
+            <a:ext cx="2808605" cy="431800"/>
+          </a:xfrm>
+          <a:prstGeom prst="homePlate">
+            <a:avLst/>
+          </a:prstGeom>
+          <a:solidFill>
+            <a:schemeClr val="bg1">
+              <a:lumMod val="85000"/>
+            </a:schemeClr>
+          </a:solidFill>
+          <a:ln w="12700" cap="flat">
+            <a:noFill/>
+            <a:miter lim="400000"/>
+          </a:ln>
+          <a:effectLst/>
+        </p:spPr>
+        <p:style>
+          <a:lnRef idx="0">
+            <a:srgbClr val="FFFFFF"/>
+          </a:lnRef>
+          <a:fillRef idx="0">
+            <a:srgbClr val="FFFFFF"/>
+          </a:fillRef>
+          <a:effectRef idx="0">
+            <a:srgbClr val="FFFFFF"/>
+          </a:effectRef>
+          <a:fontRef idx="none"/>
+        </p:style>
+        <p:txBody>
+          <a:bodyPr rot="0" vertOverflow="overflow" horzOverflow="overflow" vert="horz" wrap="square" lIns="54570" tIns="54570" rIns="54570" bIns="54570" numCol="1" spcCol="38100" rtlCol="0" anchor="ctr" forceAA="0" upright="0">
+            <a:spAutoFit/>
+          </a:bodyPr>
+          <a:p>
+            <a:pPr marL="0" marR="0" indent="0" algn="l" defTabSz="584200" rtl="0" fontAlgn="auto" latinLnBrk="0" hangingPunct="0">
+              <a:lnSpc>
+                <a:spcPct val="80000"/>
+              </a:lnSpc>
+              <a:spcBef>
+                <a:spcPts val="0"/>
+              </a:spcBef>
+              <a:spcAft>
+                <a:spcPts val="0"/>
+              </a:spcAft>
+              <a:buClrTx/>
+              <a:buSzTx/>
+              <a:buFontTx/>
+              <a:buNone/>
+            </a:pPr>
+            <a:endParaRPr kumimoji="0" lang="en-US" sz="1200" b="0" i="0" u="none" strike="noStrike" cap="none" spc="0" normalizeH="0" baseline="0">
+              <a:ln>
+                <a:noFill/>
+              </a:ln>
+              <a:solidFill>
+                <a:srgbClr val="000000"/>
+              </a:solidFill>
+              <a:effectLst/>
+              <a:uFillTx/>
+              <a:latin typeface="Source Sans Pro"/>
+              <a:ea typeface="Source Sans Pro"/>
+              <a:cs typeface="Source Sans Pro"/>
+              <a:sym typeface="Source Sans Pro"/>
+            </a:endParaRPr>
+          </a:p>
+        </p:txBody>
+      </p:sp>
+      <p:sp>
+        <p:nvSpPr>
           <p:cNvPr id="112" name="Pentagon 111"/>
           <p:cNvSpPr/>
           <p:nvPr/>
@@ -3153,8 +3271,8 @@
         </p:nvSpPr>
         <p:spPr>
           <a:xfrm flipV="1">
-            <a:off x="3005455" y="10338435"/>
-            <a:ext cx="10669905" cy="1905"/>
+            <a:off x="1893570" y="10338435"/>
+            <a:ext cx="11853545" cy="83185"/>
           </a:xfrm>
           <a:prstGeom prst="line">
             <a:avLst/>
@@ -3300,8 +3418,8 @@
         </p:nvSpPr>
         <p:spPr>
           <a:xfrm>
-            <a:off x="2353572" y="10340910"/>
-            <a:ext cx="11322666" cy="248842"/>
+            <a:off x="324485" y="10420985"/>
+            <a:ext cx="13559155" cy="231775"/>
           </a:xfrm>
           <a:prstGeom prst="rect">
             <a:avLst/>
@@ -3311,7 +3429,7 @@
           </a:ln>
         </p:spPr>
         <p:txBody>
-          <a:bodyPr lIns="54570" tIns="54570" rIns="54570" bIns="54570" anchor="ctr">
+          <a:bodyPr wrap="square" lIns="54570" tIns="54570" rIns="54570" bIns="54570" anchor="ctr">
             <a:spAutoFit/>
           </a:bodyPr>
           <a:lstStyle/>
@@ -3330,15 +3448,38 @@
               </a:defRPr>
             </a:pPr>
             <a:r>
-              <a:t>RStudio® is a trademark of RStudio, Inc.  •  CC BY SA Your Name •  your@email.com  •  844-448-1212 • your.website.com •  Learn more at </a:t>
+              <a:rPr lang=""/>
+              <a:t>Access to Google Earth Engine is only available to registered users. The current version of rgee has been built considering the earthengine-api 0.1.213 </a:t>
+            </a:r>
+            <a:r>
+              <a:t> Learn more at </a:t>
             </a:r>
             <a:r>
               <a:rPr b="1"/>
               <a:t>webpage or vignette</a:t>
             </a:r>
             <a:r>
-              <a:t>   •  package version  0.5.0 •  Updated: 2017-01</a:t>
-            </a:r>
+              <a:t>   •  package version  0.</a:t>
+            </a:r>
+            <a:r>
+              <a:rPr lang=""/>
+              <a:t>2</a:t>
+            </a:r>
+            <a:r>
+              <a:t>.0 •  Updated: 20</a:t>
+            </a:r>
+            <a:r>
+              <a:rPr lang=""/>
+              <a:t>20</a:t>
+            </a:r>
+            <a:r>
+              <a:t>-0</a:t>
+            </a:r>
+            <a:r>
+              <a:rPr lang=""/>
+              <a:t>3</a:t>
+            </a:r>
+            <a:endParaRPr lang=""/>
           </a:p>
         </p:txBody>
       </p:sp>
@@ -3383,103 +3524,6 @@
           </a:p>
         </p:txBody>
       </p:sp>
-      <p:grpSp>
-        <p:nvGrpSpPr>
-          <p:cNvPr id="168" name="Group"/>
-          <p:cNvGrpSpPr/>
-          <p:nvPr/>
-        </p:nvGrpSpPr>
-        <p:grpSpPr>
-          <a:xfrm>
-            <a:off x="3860953" y="4195895"/>
-            <a:ext cx="2818195" cy="228903"/>
-            <a:chOff x="0" y="0"/>
-            <a:chExt cx="2818194" cy="228901"/>
-          </a:xfrm>
-        </p:grpSpPr>
-        <p:sp>
-          <p:nvSpPr>
-            <p:cNvPr id="166" name="SUBTITLE"/>
-            <p:cNvSpPr txBox="1"/>
-            <p:nvPr/>
-          </p:nvSpPr>
-          <p:spPr>
-            <a:xfrm>
-              <a:off x="0" y="13001"/>
-              <a:ext cx="689915" cy="215901"/>
-            </a:xfrm>
-            <a:prstGeom prst="rect">
-              <a:avLst/>
-            </a:prstGeom>
-            <a:noFill/>
-            <a:ln w="12700" cap="flat">
-              <a:noFill/>
-              <a:miter lim="400000"/>
-            </a:ln>
-            <a:effectLst/>
-          </p:spPr>
-          <p:txBody>
-            <a:bodyPr wrap="none" lIns="12700" tIns="12700" rIns="12700" bIns="12700" numCol="1" anchor="ctr">
-              <a:spAutoFit/>
-            </a:bodyPr>
-            <a:lstStyle/>
-            <a:p>
-              <a:pPr lvl="1" indent="0"/>
-              <a:r>
-                <a:t>SUBTITLE</a:t>
-              </a:r>
-            </a:p>
-          </p:txBody>
-        </p:sp>
-        <p:sp>
-          <p:nvSpPr>
-            <p:cNvPr id="167" name="Line"/>
-            <p:cNvSpPr/>
-            <p:nvPr/>
-          </p:nvSpPr>
-          <p:spPr>
-            <a:xfrm>
-              <a:off x="23250" y="0"/>
-              <a:ext cx="2794945" cy="0"/>
-            </a:xfrm>
-            <a:prstGeom prst="line">
-              <a:avLst/>
-            </a:prstGeom>
-            <a:noFill/>
-            <a:ln w="12700" cap="flat">
-              <a:solidFill>
-                <a:srgbClr val="E0E0E0"/>
-              </a:solidFill>
-              <a:custDash>
-                <a:ds d="100000" sp="200000"/>
-              </a:custDash>
-              <a:round/>
-            </a:ln>
-            <a:effectLst/>
-          </p:spPr>
-          <p:txBody>
-            <a:bodyPr wrap="square" lIns="54570" tIns="54570" rIns="54570" bIns="54570" numCol="1" anchor="ctr">
-              <a:noAutofit/>
-            </a:bodyPr>
-            <a:lstStyle/>
-            <a:p>
-              <a:pPr>
-                <a:lnSpc>
-                  <a:spcPct val="80000"/>
-                </a:lnSpc>
-                <a:spcBef>
-                  <a:spcPts val="600"/>
-                </a:spcBef>
-                <a:defRPr b="0">
-                  <a:solidFill>
-                    <a:srgbClr val="000000"/>
-                  </a:solidFill>
-                </a:defRPr>
-              </a:pPr>
-            </a:p>
-          </p:txBody>
-        </p:sp>
-      </p:grpSp>
       <p:sp>
         <p:nvSpPr>
           <p:cNvPr id="169" name="Use headers, colors, and/or backgrounds to separate or group together sections."/>
@@ -3488,7 +3532,7 @@
         </p:nvSpPr>
         <p:spPr>
           <a:xfrm>
-            <a:off x="3738753" y="1710180"/>
+            <a:off x="3635248" y="2272790"/>
             <a:ext cx="2912301" cy="471092"/>
           </a:xfrm>
           <a:prstGeom prst="rect">
@@ -3548,778 +3592,6 @@
             </a:r>
             <a:r>
               <a:t>.</a:t>
-            </a:r>
-          </a:p>
-        </p:txBody>
-      </p:sp>
-      <p:sp>
-        <p:nvSpPr>
-          <p:cNvPr id="170" name="Create a visual hierarchy. Help users navigate the page with titles, subtitles, and subsubtitles"/>
-          <p:cNvSpPr txBox="1"/>
-          <p:nvPr/>
-        </p:nvSpPr>
-        <p:spPr>
-          <a:xfrm>
-            <a:off x="3738753" y="3062567"/>
-            <a:ext cx="3207385" cy="605790"/>
-          </a:xfrm>
-          <a:prstGeom prst="rect">
-            <a:avLst/>
-          </a:prstGeom>
-          <a:ln w="12700">
-            <a:miter lim="400000"/>
-          </a:ln>
-        </p:spPr>
-        <p:txBody>
-          <a:bodyPr wrap="square" lIns="54570" tIns="54570" rIns="54570" bIns="54570">
-            <a:spAutoFit/>
-          </a:bodyPr>
-          <a:lstStyle/>
-          <a:p>
-            <a:pPr>
-              <a:lnSpc>
-                <a:spcPct val="90000"/>
-              </a:lnSpc>
-              <a:spcBef>
-                <a:spcPts val="300"/>
-              </a:spcBef>
-              <a:buClr>
-                <a:schemeClr val="accent4">
-                  <a:hueOff val="384618"/>
-                  <a:satOff val="3869"/>
-                  <a:lumOff val="5802"/>
-                </a:schemeClr>
-              </a:buClr>
-              <a:defRPr b="0">
-                <a:solidFill>
-                  <a:srgbClr val="000000"/>
-                </a:solidFill>
-                <a:latin typeface="+mn-lt"/>
-                <a:ea typeface="+mn-ea"/>
-                <a:cs typeface="+mn-cs"/>
-                <a:sym typeface="Source Sans Pro Light"/>
-              </a:defRPr>
-            </a:pPr>
-            <a:r>
-              <a:rPr b="1">
-                <a:latin typeface="Source Sans Pro"/>
-                <a:ea typeface="Source Sans Pro"/>
-                <a:cs typeface="Source Sans Pro"/>
-                <a:sym typeface="Source Sans Pro"/>
-              </a:rPr>
-              <a:t>Create a visual hierarchy</a:t>
-            </a:r>
-            <a:r>
-              <a:t>. </a:t>
-            </a:r>
-            <a:r>
-              <a:rPr>
-                <a:latin typeface="Source Sans Pro"/>
-                <a:ea typeface="Source Sans Pro"/>
-                <a:cs typeface="Source Sans Pro"/>
-                <a:sym typeface="Source Sans Pro"/>
-              </a:rPr>
-              <a:t>Help users navigate the page with titles, subtitles, and subsubtitles</a:t>
-            </a:r>
-            <a:endParaRPr>
-              <a:latin typeface="Source Sans Pro"/>
-              <a:ea typeface="Source Sans Pro"/>
-              <a:cs typeface="Source Sans Pro"/>
-              <a:sym typeface="Source Sans Pro"/>
-            </a:endParaRPr>
-          </a:p>
-        </p:txBody>
-      </p:sp>
-      <p:sp>
-        <p:nvSpPr>
-          <p:cNvPr id="171" name="Fit sections to content. Try several different layouts.…"/>
-          <p:cNvSpPr txBox="1"/>
-          <p:nvPr/>
-        </p:nvSpPr>
-        <p:spPr>
-          <a:xfrm>
-            <a:off x="3738753" y="5163510"/>
-            <a:ext cx="2537609" cy="1652191"/>
-          </a:xfrm>
-          <a:prstGeom prst="rect">
-            <a:avLst/>
-          </a:prstGeom>
-          <a:ln w="12700">
-            <a:miter lim="400000"/>
-          </a:ln>
-        </p:spPr>
-        <p:txBody>
-          <a:bodyPr lIns="54570" tIns="54570" rIns="54570" bIns="54570">
-            <a:spAutoFit/>
-          </a:bodyPr>
-          <a:lstStyle/>
-          <a:p>
-            <a:pPr>
-              <a:lnSpc>
-                <a:spcPct val="90000"/>
-              </a:lnSpc>
-              <a:spcBef>
-                <a:spcPts val="300"/>
-              </a:spcBef>
-              <a:buClr>
-                <a:schemeClr val="accent4">
-                  <a:hueOff val="384618"/>
-                  <a:satOff val="3869"/>
-                  <a:lumOff val="5802"/>
-                </a:schemeClr>
-              </a:buClr>
-              <a:defRPr b="0">
-                <a:solidFill>
-                  <a:srgbClr val="000000"/>
-                </a:solidFill>
-                <a:latin typeface="+mn-lt"/>
-                <a:ea typeface="+mn-ea"/>
-                <a:cs typeface="+mn-cs"/>
-                <a:sym typeface="Source Sans Pro Light"/>
-              </a:defRPr>
-            </a:pPr>
-            <a:r>
-              <a:rPr b="1">
-                <a:latin typeface="Source Sans Pro"/>
-                <a:ea typeface="Source Sans Pro"/>
-                <a:cs typeface="Source Sans Pro"/>
-                <a:sym typeface="Source Sans Pro"/>
-              </a:rPr>
-              <a:t>Fit sections to content</a:t>
-            </a:r>
-            <a:r>
-              <a:t>. </a:t>
-            </a:r>
-            <a:r>
-              <a:rPr>
-                <a:latin typeface="Source Sans Pro"/>
-                <a:ea typeface="Source Sans Pro"/>
-                <a:cs typeface="Source Sans Pro"/>
-                <a:sym typeface="Source Sans Pro"/>
-              </a:rPr>
-              <a:t>Try several different layouts. </a:t>
-            </a:r>
-            <a:endParaRPr>
-              <a:latin typeface="Source Sans Pro"/>
-              <a:ea typeface="Source Sans Pro"/>
-              <a:cs typeface="Source Sans Pro"/>
-              <a:sym typeface="Source Sans Pro"/>
-            </a:endParaRPr>
-          </a:p>
-          <a:p>
-            <a:pPr>
-              <a:lnSpc>
-                <a:spcPct val="90000"/>
-              </a:lnSpc>
-              <a:spcBef>
-                <a:spcPts val="300"/>
-              </a:spcBef>
-              <a:buClr>
-                <a:schemeClr val="accent4">
-                  <a:hueOff val="384618"/>
-                  <a:satOff val="3869"/>
-                  <a:lumOff val="5802"/>
-                </a:schemeClr>
-              </a:buClr>
-              <a:defRPr b="0">
-                <a:solidFill>
-                  <a:srgbClr val="000000"/>
-                </a:solidFill>
-                <a:latin typeface="+mn-lt"/>
-                <a:ea typeface="+mn-ea"/>
-                <a:cs typeface="+mn-cs"/>
-                <a:sym typeface="Source Sans Pro Light"/>
-              </a:defRPr>
-            </a:pPr>
-            <a:endParaRPr>
-              <a:latin typeface="Source Sans Pro"/>
-              <a:ea typeface="Source Sans Pro"/>
-              <a:cs typeface="Source Sans Pro"/>
-              <a:sym typeface="Source Sans Pro"/>
-            </a:endParaRPr>
-          </a:p>
-          <a:p>
-            <a:pPr>
-              <a:lnSpc>
-                <a:spcPct val="90000"/>
-              </a:lnSpc>
-              <a:spcBef>
-                <a:spcPts val="300"/>
-              </a:spcBef>
-              <a:buClr>
-                <a:schemeClr val="accent4">
-                  <a:hueOff val="384618"/>
-                  <a:satOff val="3869"/>
-                  <a:lumOff val="5802"/>
-                </a:schemeClr>
-              </a:buClr>
-              <a:defRPr b="0">
-                <a:solidFill>
-                  <a:srgbClr val="000000"/>
-                </a:solidFill>
-              </a:defRPr>
-            </a:pPr>
-            <a:r>
-              <a:t>Use numbers or arrows to link sections if the order/</a:t>
-            </a:r>
-            <a:r>
-              <a:rPr b="1"/>
-              <a:t>flow</a:t>
-            </a:r>
-            <a:r>
-              <a:t> is confusing.</a:t>
-            </a:r>
-          </a:p>
-          <a:p>
-            <a:pPr>
-              <a:lnSpc>
-                <a:spcPct val="90000"/>
-              </a:lnSpc>
-              <a:spcBef>
-                <a:spcPts val="300"/>
-              </a:spcBef>
-              <a:buClr>
-                <a:schemeClr val="accent4">
-                  <a:hueOff val="384618"/>
-                  <a:satOff val="3869"/>
-                  <a:lumOff val="5802"/>
-                </a:schemeClr>
-              </a:buClr>
-              <a:defRPr b="0">
-                <a:solidFill>
-                  <a:srgbClr val="000000"/>
-                </a:solidFill>
-              </a:defRPr>
-            </a:pPr>
-          </a:p>
-          <a:p>
-            <a:pPr>
-              <a:lnSpc>
-                <a:spcPct val="90000"/>
-              </a:lnSpc>
-              <a:spcBef>
-                <a:spcPts val="300"/>
-              </a:spcBef>
-              <a:buClr>
-                <a:schemeClr val="accent4">
-                  <a:hueOff val="384618"/>
-                  <a:satOff val="3869"/>
-                  <a:lumOff val="5802"/>
-                </a:schemeClr>
-              </a:buClr>
-              <a:defRPr b="0">
-                <a:solidFill>
-                  <a:srgbClr val="000000"/>
-                </a:solidFill>
-                <a:latin typeface="+mn-lt"/>
-                <a:ea typeface="+mn-ea"/>
-                <a:cs typeface="+mn-cs"/>
-                <a:sym typeface="Source Sans Pro Light"/>
-              </a:defRPr>
-            </a:pPr>
-            <a:r>
-              <a:rPr>
-                <a:latin typeface="Source Sans Pro"/>
-                <a:ea typeface="Source Sans Pro"/>
-                <a:cs typeface="Source Sans Pro"/>
-                <a:sym typeface="Source Sans Pro"/>
-              </a:rPr>
-              <a:t>Quickly identify content with a </a:t>
-            </a:r>
-            <a:r>
-              <a:rPr b="1">
-                <a:latin typeface="Source Sans Pro"/>
-                <a:ea typeface="Source Sans Pro"/>
-                <a:cs typeface="Source Sans Pro"/>
-                <a:sym typeface="Source Sans Pro"/>
-              </a:rPr>
-              <a:t>package hexsticker</a:t>
-            </a:r>
-            <a:r>
-              <a:rPr>
-                <a:latin typeface="Source Sans Pro"/>
-                <a:ea typeface="Source Sans Pro"/>
-                <a:cs typeface="Source Sans Pro"/>
-                <a:sym typeface="Source Sans Pro"/>
-              </a:rPr>
-              <a:t> (if available)</a:t>
-            </a:r>
-            <a:endParaRPr>
-              <a:latin typeface="Source Sans Pro"/>
-              <a:ea typeface="Source Sans Pro"/>
-              <a:cs typeface="Source Sans Pro"/>
-              <a:sym typeface="Source Sans Pro"/>
-            </a:endParaRPr>
-          </a:p>
-        </p:txBody>
-      </p:sp>
-      <p:grpSp>
-        <p:nvGrpSpPr>
-          <p:cNvPr id="174" name="Group"/>
-          <p:cNvGrpSpPr/>
-          <p:nvPr/>
-        </p:nvGrpSpPr>
-        <p:grpSpPr>
-          <a:xfrm>
-            <a:off x="3795729" y="2206593"/>
-            <a:ext cx="827379" cy="215901"/>
-            <a:chOff x="0" y="0"/>
-            <a:chExt cx="827378" cy="215900"/>
-          </a:xfrm>
-        </p:grpSpPr>
-        <p:sp>
-          <p:nvSpPr>
-            <p:cNvPr id="172" name="Section 1"/>
-            <p:cNvSpPr txBox="1"/>
-            <p:nvPr/>
-          </p:nvSpPr>
-          <p:spPr>
-            <a:xfrm>
-              <a:off x="0" y="-1"/>
-              <a:ext cx="654558" cy="215901"/>
-            </a:xfrm>
-            <a:prstGeom prst="rect">
-              <a:avLst/>
-            </a:prstGeom>
-            <a:noFill/>
-            <a:ln w="12700" cap="flat">
-              <a:noFill/>
-              <a:miter lim="400000"/>
-            </a:ln>
-            <a:effectLst/>
-          </p:spPr>
-          <p:txBody>
-            <a:bodyPr wrap="none" lIns="12700" tIns="12700" rIns="12700" bIns="12700" numCol="1" anchor="ctr">
-              <a:spAutoFit/>
-            </a:bodyPr>
-            <a:lstStyle/>
-            <a:p>
-              <a:pPr lvl="1" indent="0">
-                <a:lnSpc>
-                  <a:spcPct val="80000"/>
-                </a:lnSpc>
-                <a:spcBef>
-                  <a:spcPts val="0"/>
-                </a:spcBef>
-                <a:defRPr>
-                  <a:solidFill>
-                    <a:srgbClr val="628DB5"/>
-                  </a:solidFill>
-                </a:defRPr>
-              </a:pPr>
-              <a:r>
-                <a:t>Section 1</a:t>
-              </a:r>
-            </a:p>
-          </p:txBody>
-        </p:sp>
-        <p:sp>
-          <p:nvSpPr>
-            <p:cNvPr id="173" name="Line"/>
-            <p:cNvSpPr/>
-            <p:nvPr/>
-          </p:nvSpPr>
-          <p:spPr>
-            <a:xfrm>
-              <a:off x="4418" y="27028"/>
-              <a:ext cx="822961" cy="1"/>
-            </a:xfrm>
-            <a:prstGeom prst="line">
-              <a:avLst/>
-            </a:prstGeom>
-            <a:noFill/>
-            <a:ln w="12700" cap="flat">
-              <a:solidFill>
-                <a:srgbClr val="E4E4E3"/>
-              </a:solidFill>
-              <a:prstDash val="solid"/>
-              <a:miter lim="400000"/>
-            </a:ln>
-            <a:effectLst/>
-          </p:spPr>
-          <p:txBody>
-            <a:bodyPr wrap="square" lIns="54570" tIns="54570" rIns="54570" bIns="54570" numCol="1" anchor="ctr">
-              <a:noAutofit/>
-            </a:bodyPr>
-            <a:lstStyle/>
-            <a:p>
-              <a:pPr>
-                <a:lnSpc>
-                  <a:spcPct val="80000"/>
-                </a:lnSpc>
-                <a:spcBef>
-                  <a:spcPts val="600"/>
-                </a:spcBef>
-                <a:defRPr b="0">
-                  <a:solidFill>
-                    <a:srgbClr val="000000"/>
-                  </a:solidFill>
-                </a:defRPr>
-              </a:pPr>
-            </a:p>
-          </p:txBody>
-        </p:sp>
-      </p:grpSp>
-      <p:grpSp>
-        <p:nvGrpSpPr>
-          <p:cNvPr id="177" name="Group"/>
-          <p:cNvGrpSpPr/>
-          <p:nvPr/>
-        </p:nvGrpSpPr>
-        <p:grpSpPr>
-          <a:xfrm>
-            <a:off x="4754687" y="2201871"/>
-            <a:ext cx="840852" cy="397495"/>
-            <a:chOff x="0" y="0"/>
-            <a:chExt cx="840851" cy="397494"/>
-          </a:xfrm>
-        </p:grpSpPr>
-        <p:sp>
-          <p:nvSpPr>
-            <p:cNvPr id="175" name="Rectangle"/>
-            <p:cNvSpPr/>
-            <p:nvPr/>
-          </p:nvSpPr>
-          <p:spPr>
-            <a:xfrm>
-              <a:off x="0" y="25249"/>
-              <a:ext cx="840852" cy="372246"/>
-            </a:xfrm>
-            <a:prstGeom prst="rect">
-              <a:avLst/>
-            </a:prstGeom>
-            <a:gradFill flip="none" rotWithShape="1">
-              <a:gsLst>
-                <a:gs pos="0">
-                  <a:srgbClr val="FFFFFF">
-                    <a:alpha val="32629"/>
-                  </a:srgbClr>
-                </a:gs>
-                <a:gs pos="100000">
-                  <a:srgbClr val="FABF53">
-                    <a:alpha val="32629"/>
-                  </a:srgbClr>
-                </a:gs>
-              </a:gsLst>
-              <a:lin ang="16200000" scaled="0"/>
-            </a:gradFill>
-            <a:ln w="12700" cap="flat">
-              <a:noFill/>
-              <a:miter lim="400000"/>
-            </a:ln>
-            <a:effectLst/>
-          </p:spPr>
-          <p:txBody>
-            <a:bodyPr wrap="square" lIns="54570" tIns="54570" rIns="54570" bIns="54570" numCol="1" anchor="ctr">
-              <a:noAutofit/>
-            </a:bodyPr>
-            <a:lstStyle/>
-            <a:p>
-              <a:pPr>
-                <a:lnSpc>
-                  <a:spcPct val="80000"/>
-                </a:lnSpc>
-                <a:spcBef>
-                  <a:spcPts val="0"/>
-                </a:spcBef>
-                <a:defRPr b="0">
-                  <a:solidFill>
-                    <a:srgbClr val="000000"/>
-                  </a:solidFill>
-                </a:defRPr>
-              </a:pPr>
-            </a:p>
-          </p:txBody>
-        </p:sp>
-        <p:sp>
-          <p:nvSpPr>
-            <p:cNvPr id="176" name="Section 2"/>
-            <p:cNvSpPr txBox="1"/>
-            <p:nvPr/>
-          </p:nvSpPr>
-          <p:spPr>
-            <a:xfrm>
-              <a:off x="26928" y="-1"/>
-              <a:ext cx="654559" cy="215901"/>
-            </a:xfrm>
-            <a:prstGeom prst="rect">
-              <a:avLst/>
-            </a:prstGeom>
-            <a:noFill/>
-            <a:ln w="12700" cap="flat">
-              <a:noFill/>
-              <a:miter lim="400000"/>
-            </a:ln>
-            <a:effectLst/>
-          </p:spPr>
-          <p:txBody>
-            <a:bodyPr wrap="none" lIns="12700" tIns="12700" rIns="12700" bIns="12700" numCol="1" anchor="ctr">
-              <a:spAutoFit/>
-            </a:bodyPr>
-            <a:lstStyle/>
-            <a:p>
-              <a:pPr lvl="1" indent="0">
-                <a:lnSpc>
-                  <a:spcPct val="80000"/>
-                </a:lnSpc>
-                <a:spcBef>
-                  <a:spcPts val="0"/>
-                </a:spcBef>
-                <a:defRPr>
-                  <a:solidFill>
-                    <a:srgbClr val="424242"/>
-                  </a:solidFill>
-                </a:defRPr>
-              </a:pPr>
-              <a:r>
-                <a:t>Section 2</a:t>
-              </a:r>
-            </a:p>
-          </p:txBody>
-        </p:sp>
-      </p:grpSp>
-      <p:grpSp>
-        <p:nvGrpSpPr>
-          <p:cNvPr id="180" name="Group"/>
-          <p:cNvGrpSpPr/>
-          <p:nvPr/>
-        </p:nvGrpSpPr>
-        <p:grpSpPr>
-          <a:xfrm>
-            <a:off x="5720637" y="2204196"/>
-            <a:ext cx="840342" cy="679873"/>
-            <a:chOff x="0" y="0"/>
-            <a:chExt cx="840341" cy="679872"/>
-          </a:xfrm>
-        </p:grpSpPr>
-        <p:sp>
-          <p:nvSpPr>
-            <p:cNvPr id="178" name="Rectangle"/>
-            <p:cNvSpPr/>
-            <p:nvPr/>
-          </p:nvSpPr>
-          <p:spPr>
-            <a:xfrm>
-              <a:off x="0" y="12700"/>
-              <a:ext cx="840342" cy="667173"/>
-            </a:xfrm>
-            <a:prstGeom prst="rect">
-              <a:avLst/>
-            </a:prstGeom>
-            <a:solidFill>
-              <a:srgbClr val="79B0DC">
-                <a:alpha val="23776"/>
-              </a:srgbClr>
-            </a:solidFill>
-            <a:ln w="12700" cap="flat">
-              <a:noFill/>
-              <a:miter lim="400000"/>
-            </a:ln>
-            <a:effectLst/>
-          </p:spPr>
-          <p:txBody>
-            <a:bodyPr wrap="square" lIns="54570" tIns="54570" rIns="54570" bIns="54570" numCol="1" anchor="ctr">
-              <a:noAutofit/>
-            </a:bodyPr>
-            <a:lstStyle/>
-            <a:p>
-              <a:pPr>
-                <a:lnSpc>
-                  <a:spcPct val="80000"/>
-                </a:lnSpc>
-                <a:spcBef>
-                  <a:spcPts val="0"/>
-                </a:spcBef>
-                <a:defRPr sz="1000" b="0">
-                  <a:solidFill>
-                    <a:srgbClr val="000000"/>
-                  </a:solidFill>
-                </a:defRPr>
-              </a:pPr>
-            </a:p>
-          </p:txBody>
-        </p:sp>
-        <p:sp>
-          <p:nvSpPr>
-            <p:cNvPr id="179" name="Section 3"/>
-            <p:cNvSpPr txBox="1"/>
-            <p:nvPr/>
-          </p:nvSpPr>
-          <p:spPr>
-            <a:xfrm>
-              <a:off x="8221" y="-1"/>
-              <a:ext cx="654559" cy="215901"/>
-            </a:xfrm>
-            <a:prstGeom prst="rect">
-              <a:avLst/>
-            </a:prstGeom>
-            <a:noFill/>
-            <a:ln w="12700" cap="flat">
-              <a:noFill/>
-              <a:miter lim="400000"/>
-            </a:ln>
-            <a:effectLst/>
-          </p:spPr>
-          <p:txBody>
-            <a:bodyPr wrap="none" lIns="12700" tIns="12700" rIns="12700" bIns="12700" numCol="1" anchor="ctr">
-              <a:spAutoFit/>
-            </a:bodyPr>
-            <a:lstStyle/>
-            <a:p>
-              <a:pPr lvl="1" indent="0">
-                <a:lnSpc>
-                  <a:spcPct val="80000"/>
-                </a:lnSpc>
-                <a:spcBef>
-                  <a:spcPts val="0"/>
-                </a:spcBef>
-                <a:defRPr>
-                  <a:solidFill>
-                    <a:srgbClr val="424242"/>
-                  </a:solidFill>
-                </a:defRPr>
-              </a:pPr>
-              <a:r>
-                <a:t>Section 3</a:t>
-              </a:r>
-            </a:p>
-          </p:txBody>
-        </p:sp>
-      </p:grpSp>
-      <p:grpSp>
-        <p:nvGrpSpPr>
-          <p:cNvPr id="183" name="Group"/>
-          <p:cNvGrpSpPr/>
-          <p:nvPr/>
-        </p:nvGrpSpPr>
-        <p:grpSpPr>
-          <a:xfrm>
-            <a:off x="3860953" y="3694244"/>
-            <a:ext cx="2815850" cy="431801"/>
-            <a:chOff x="0" y="0"/>
-            <a:chExt cx="2815849" cy="431800"/>
-          </a:xfrm>
-        </p:grpSpPr>
-        <p:sp>
-          <p:nvSpPr>
-            <p:cNvPr id="181" name="Title"/>
-            <p:cNvSpPr txBox="1"/>
-            <p:nvPr/>
-          </p:nvSpPr>
-          <p:spPr>
-            <a:xfrm>
-              <a:off x="0" y="-1"/>
-              <a:ext cx="632143" cy="431801"/>
-            </a:xfrm>
-            <a:prstGeom prst="rect">
-              <a:avLst/>
-            </a:prstGeom>
-            <a:noFill/>
-            <a:ln w="12700" cap="flat">
-              <a:noFill/>
-              <a:miter lim="400000"/>
-            </a:ln>
-            <a:effectLst/>
-          </p:spPr>
-          <p:txBody>
-            <a:bodyPr wrap="none" lIns="12700" tIns="12700" rIns="12700" bIns="12700" numCol="1" anchor="ctr">
-              <a:spAutoFit/>
-            </a:bodyPr>
-            <a:lstStyle/>
-            <a:p>
-              <a:pPr lvl="1" indent="0">
-                <a:lnSpc>
-                  <a:spcPct val="80000"/>
-                </a:lnSpc>
-                <a:spcBef>
-                  <a:spcPts val="0"/>
-                </a:spcBef>
-                <a:defRPr sz="2500" b="0">
-                  <a:solidFill>
-                    <a:srgbClr val="628DB5"/>
-                  </a:solidFill>
-                </a:defRPr>
-              </a:pPr>
-              <a:r>
-                <a:t>Title</a:t>
-              </a:r>
-            </a:p>
-          </p:txBody>
-        </p:sp>
-        <p:sp>
-          <p:nvSpPr>
-            <p:cNvPr id="182" name="Line"/>
-            <p:cNvSpPr/>
-            <p:nvPr/>
-          </p:nvSpPr>
-          <p:spPr>
-            <a:xfrm>
-              <a:off x="17118" y="20678"/>
-              <a:ext cx="2798732" cy="1"/>
-            </a:xfrm>
-            <a:prstGeom prst="line">
-              <a:avLst/>
-            </a:prstGeom>
-            <a:noFill/>
-            <a:ln w="12700" cap="flat">
-              <a:solidFill>
-                <a:srgbClr val="E4E4E3"/>
-              </a:solidFill>
-              <a:prstDash val="solid"/>
-              <a:miter lim="400000"/>
-            </a:ln>
-            <a:effectLst/>
-          </p:spPr>
-          <p:txBody>
-            <a:bodyPr wrap="square" lIns="54570" tIns="54570" rIns="54570" bIns="54570" numCol="1" anchor="ctr">
-              <a:noAutofit/>
-            </a:bodyPr>
-            <a:lstStyle/>
-            <a:p>
-              <a:pPr>
-                <a:lnSpc>
-                  <a:spcPct val="80000"/>
-                </a:lnSpc>
-                <a:spcBef>
-                  <a:spcPts val="600"/>
-                </a:spcBef>
-                <a:defRPr b="0">
-                  <a:solidFill>
-                    <a:srgbClr val="000000"/>
-                  </a:solidFill>
-                </a:defRPr>
-              </a:pPr>
-            </a:p>
-          </p:txBody>
-        </p:sp>
-      </p:grpSp>
-      <p:sp>
-        <p:nvSpPr>
-          <p:cNvPr id="184" name="SUBSUBTITLE"/>
-          <p:cNvSpPr txBox="1"/>
-          <p:nvPr/>
-        </p:nvSpPr>
-        <p:spPr>
-          <a:xfrm>
-            <a:off x="3860953" y="4526399"/>
-            <a:ext cx="965455" cy="215901"/>
-          </a:xfrm>
-          <a:prstGeom prst="rect">
-            <a:avLst/>
-          </a:prstGeom>
-          <a:ln w="12700">
-            <a:miter lim="400000"/>
-          </a:ln>
-        </p:spPr>
-        <p:txBody>
-          <a:bodyPr wrap="none" lIns="12700" tIns="12700" rIns="12700" bIns="12700" anchor="ctr">
-            <a:spAutoFit/>
-          </a:bodyPr>
-          <a:lstStyle/>
-          <a:p>
-            <a:pPr lvl="1" indent="0"/>
-            <a:r>
-              <a:t>SUBSUBTITLE</a:t>
             </a:r>
           </a:p>
         </p:txBody>
@@ -4362,49 +3634,6 @@
                 </a:solidFill>
               </a:defRPr>
             </a:pPr>
-          </a:p>
-        </p:txBody>
-      </p:sp>
-      <p:sp>
-        <p:nvSpPr>
-          <p:cNvPr id="187" name="Copyright"/>
-          <p:cNvSpPr txBox="1"/>
-          <p:nvPr/>
-        </p:nvSpPr>
-        <p:spPr>
-          <a:xfrm>
-            <a:off x="3667488" y="8139981"/>
-            <a:ext cx="1343026" cy="431801"/>
-          </a:xfrm>
-          <a:prstGeom prst="rect">
-            <a:avLst/>
-          </a:prstGeom>
-          <a:ln w="12700">
-            <a:miter lim="400000"/>
-          </a:ln>
-        </p:spPr>
-        <p:txBody>
-          <a:bodyPr wrap="none" lIns="12700" tIns="12700" rIns="12700" bIns="12700" anchor="ctr">
-            <a:spAutoFit/>
-          </a:bodyPr>
-          <a:lstStyle/>
-          <a:p>
-            <a:pPr lvl="1" indent="0">
-              <a:lnSpc>
-                <a:spcPct val="80000"/>
-              </a:lnSpc>
-              <a:spcBef>
-                <a:spcPts val="0"/>
-              </a:spcBef>
-              <a:defRPr sz="2500" b="0">
-                <a:solidFill>
-                  <a:srgbClr val="628DB5"/>
-                </a:solidFill>
-              </a:defRPr>
-            </a:pPr>
-            <a:r>
-              <a:t>Copyright</a:t>
-            </a:r>
           </a:p>
         </p:txBody>
       </p:sp>
@@ -5219,47 +4448,6 @@
       </p:grpSp>
       <p:sp>
         <p:nvSpPr>
-          <p:cNvPr id="188" name="Line"/>
-          <p:cNvSpPr/>
-          <p:nvPr/>
-        </p:nvSpPr>
-        <p:spPr>
-          <a:xfrm>
-            <a:off x="3635278" y="8032579"/>
-            <a:ext cx="3079671" cy="1"/>
-          </a:xfrm>
-          <a:prstGeom prst="line">
-            <a:avLst/>
-          </a:prstGeom>
-          <a:ln w="3175">
-            <a:solidFill>
-              <a:srgbClr val="767C85"/>
-            </a:solidFill>
-            <a:miter lim="400000"/>
-          </a:ln>
-        </p:spPr>
-        <p:txBody>
-          <a:bodyPr lIns="54570" tIns="54570" rIns="54570" bIns="54570" anchor="ctr"/>
-          <a:lstStyle/>
-          <a:p>
-            <a:pPr>
-              <a:lnSpc>
-                <a:spcPct val="80000"/>
-              </a:lnSpc>
-              <a:spcBef>
-                <a:spcPts val="600"/>
-              </a:spcBef>
-              <a:defRPr b="0">
-                <a:solidFill>
-                  <a:srgbClr val="000000"/>
-                </a:solidFill>
-              </a:defRPr>
-            </a:pPr>
-          </a:p>
-        </p:txBody>
-      </p:sp>
-      <p:sp>
-        <p:nvSpPr>
           <p:cNvPr id="189" name="Useful Elements"/>
           <p:cNvSpPr txBox="1"/>
           <p:nvPr/>
@@ -5267,7 +4455,7 @@
         <p:spPr>
           <a:xfrm>
             <a:off x="7438480" y="1369059"/>
-            <a:ext cx="3346450" cy="419100"/>
+            <a:ext cx="3237865" cy="419100"/>
           </a:xfrm>
           <a:prstGeom prst="rect">
             <a:avLst/>
@@ -5314,7 +4502,7 @@
                 <a:latin typeface="Uroob" panose="00000800000000000000" charset="0"/>
                 <a:cs typeface="Uroob" panose="00000800000000000000" charset="0"/>
               </a:rPr>
-              <a:t>structure function</a:t>
+              <a:t>sructure function</a:t>
             </a:r>
             <a:endParaRPr lang="en-US" sz="3200">
               <a:latin typeface="Uroob" panose="00000800000000000000" charset="0"/>
@@ -6033,101 +5221,13 @@
       </p:sp>
       <p:sp>
         <p:nvSpPr>
-          <p:cNvPr id="195" name="These are just font awesome characters"/>
-          <p:cNvSpPr txBox="1"/>
-          <p:nvPr/>
-        </p:nvSpPr>
-        <p:spPr>
-          <a:xfrm>
-            <a:off x="7346923" y="4249426"/>
-            <a:ext cx="2763056" cy="299641"/>
-          </a:xfrm>
-          <a:prstGeom prst="rect">
-            <a:avLst/>
-          </a:prstGeom>
-          <a:ln w="12700">
-            <a:miter lim="400000"/>
-          </a:ln>
-        </p:spPr>
-        <p:txBody>
-          <a:bodyPr lIns="54570" tIns="54570" rIns="54570" bIns="54570" anchor="ctr">
-            <a:spAutoFit/>
-          </a:bodyPr>
-          <a:lstStyle/>
-          <a:p>
-            <a:pPr>
-              <a:lnSpc>
-                <a:spcPct val="90000"/>
-              </a:lnSpc>
-              <a:spcBef>
-                <a:spcPts val="300"/>
-              </a:spcBef>
-              <a:buClr>
-                <a:schemeClr val="accent4">
-                  <a:hueOff val="384618"/>
-                  <a:satOff val="3869"/>
-                  <a:lumOff val="5802"/>
-                </a:schemeClr>
-              </a:buClr>
-              <a:defRPr b="0">
-                <a:solidFill>
-                  <a:srgbClr val="000000"/>
-                </a:solidFill>
-              </a:defRPr>
-            </a:pPr>
-            <a:r>
-              <a:t>These are just f</a:t>
-            </a:r>
-            <a:r>
-              <a:rPr b="1"/>
-              <a:t>ont awesome</a:t>
-            </a:r>
-            <a:r>
-              <a:t> characters</a:t>
-            </a:r>
-          </a:p>
-        </p:txBody>
-      </p:sp>
-      <p:sp>
-        <p:nvSpPr>
-          <p:cNvPr id="202" name="ICONS"/>
-          <p:cNvSpPr txBox="1"/>
-          <p:nvPr/>
-        </p:nvSpPr>
-        <p:spPr>
-          <a:xfrm>
-            <a:off x="7189707" y="4060795"/>
-            <a:ext cx="457354" cy="215901"/>
-          </a:xfrm>
-          <a:prstGeom prst="rect">
-            <a:avLst/>
-          </a:prstGeom>
-          <a:ln w="12700">
-            <a:miter lim="400000"/>
-          </a:ln>
-        </p:spPr>
-        <p:txBody>
-          <a:bodyPr wrap="none" lIns="12700" tIns="12700" rIns="12700" bIns="12700" anchor="ctr">
-            <a:spAutoFit/>
-          </a:bodyPr>
-          <a:lstStyle/>
-          <a:p>
-            <a:pPr lvl="1" indent="0"/>
-            <a:r>
-              <a:t>ICONS</a:t>
-            </a:r>
-          </a:p>
-        </p:txBody>
-      </p:sp>
-      <p:sp>
-        <p:nvSpPr>
           <p:cNvPr id="203" name="MOCK TABLES"/>
           <p:cNvSpPr txBox="1"/>
           <p:nvPr/>
         </p:nvSpPr>
         <p:spPr>
           <a:xfrm>
-            <a:off x="7189707" y="5303186"/>
+            <a:off x="7476727" y="5016166"/>
             <a:ext cx="976580" cy="215901"/>
           </a:xfrm>
           <a:prstGeom prst="rect">
@@ -6158,7 +5258,7 @@
         </p:nvSpPr>
         <p:spPr>
           <a:xfrm>
-            <a:off x="7189707" y="7605712"/>
+            <a:off x="7189707" y="8466772"/>
             <a:ext cx="1026263" cy="215901"/>
           </a:xfrm>
           <a:prstGeom prst="rect">
@@ -6214,219 +5314,13 @@
       </p:sp>
       <p:sp>
         <p:nvSpPr>
-          <p:cNvPr id="206" name="CODE"/>
-          <p:cNvSpPr txBox="1"/>
-          <p:nvPr/>
-        </p:nvSpPr>
-        <p:spPr>
-          <a:xfrm>
-            <a:off x="7189707" y="1857135"/>
-            <a:ext cx="405690" cy="215901"/>
-          </a:xfrm>
-          <a:prstGeom prst="rect">
-            <a:avLst/>
-          </a:prstGeom>
-          <a:ln w="12700">
-            <a:miter lim="400000"/>
-          </a:ln>
-        </p:spPr>
-        <p:txBody>
-          <a:bodyPr wrap="none" lIns="12700" tIns="12700" rIns="12700" bIns="12700" anchor="ctr">
-            <a:spAutoFit/>
-          </a:bodyPr>
-          <a:lstStyle/>
-          <a:p>
-            <a:pPr lvl="1" indent="0"/>
-            <a:r>
-              <a:t>CODE</a:t>
-            </a:r>
-          </a:p>
-        </p:txBody>
-      </p:sp>
-      <p:sp>
-        <p:nvSpPr>
-          <p:cNvPr id="207" name="ggplot(mpg, aes(hwy, cty)) +…"/>
-          <p:cNvSpPr txBox="1"/>
-          <p:nvPr/>
-        </p:nvSpPr>
-        <p:spPr>
-          <a:xfrm>
-            <a:off x="7394331" y="2512088"/>
-            <a:ext cx="2805496" cy="655241"/>
-          </a:xfrm>
-          <a:prstGeom prst="rect">
-            <a:avLst/>
-          </a:prstGeom>
-          <a:solidFill>
-            <a:srgbClr val="FFFFFF"/>
-          </a:solidFill>
-          <a:ln w="12700">
-            <a:solidFill>
-              <a:srgbClr val="A6AAA9"/>
-            </a:solidFill>
-            <a:miter lim="400000"/>
-          </a:ln>
-        </p:spPr>
-        <p:txBody>
-          <a:bodyPr lIns="54570" tIns="54570" rIns="54570" bIns="54570" anchor="ctr">
-            <a:spAutoFit/>
-          </a:bodyPr>
-          <a:lstStyle/>
-          <a:p>
-            <a:pPr>
-              <a:spcBef>
-                <a:spcPts val="0"/>
-              </a:spcBef>
-              <a:defRPr b="0">
-                <a:solidFill>
-                  <a:srgbClr val="000000"/>
-                </a:solidFill>
-                <a:latin typeface="Menlo"/>
-                <a:ea typeface="Menlo"/>
-                <a:cs typeface="Menlo"/>
-                <a:sym typeface="Menlo"/>
-              </a:defRPr>
-            </a:pPr>
-            <a:r>
-              <a:t>ggplot(mpg, aes(hwy, cty)) +</a:t>
-            </a:r>
-          </a:p>
-          <a:p>
-            <a:pPr>
-              <a:spcBef>
-                <a:spcPts val="0"/>
-              </a:spcBef>
-              <a:defRPr b="0">
-                <a:solidFill>
-                  <a:srgbClr val="000000"/>
-                </a:solidFill>
-                <a:latin typeface="Menlo"/>
-                <a:ea typeface="Menlo"/>
-                <a:cs typeface="Menlo"/>
-                <a:sym typeface="Menlo"/>
-              </a:defRPr>
-            </a:pPr>
-            <a:r>
-              <a:t> geom_point(aes(size = fl)) +</a:t>
-            </a:r>
-          </a:p>
-          <a:p>
-            <a:pPr>
-              <a:spcBef>
-                <a:spcPts val="0"/>
-              </a:spcBef>
-              <a:defRPr b="0">
-                <a:solidFill>
-                  <a:srgbClr val="000000"/>
-                </a:solidFill>
-                <a:latin typeface="Menlo"/>
-                <a:ea typeface="Menlo"/>
-                <a:cs typeface="Menlo"/>
-                <a:sym typeface="Menlo"/>
-              </a:defRPr>
-            </a:pPr>
-            <a:r>
-              <a:t> geom_smooth(method ="lm")</a:t>
-            </a:r>
-          </a:p>
-        </p:txBody>
-      </p:sp>
-      <p:sp>
-        <p:nvSpPr>
-          <p:cNvPr id="208" name="Where possible, use code that works when run."/>
-          <p:cNvSpPr txBox="1"/>
-          <p:nvPr/>
-        </p:nvSpPr>
-        <p:spPr>
-          <a:xfrm>
-            <a:off x="7346923" y="2034030"/>
-            <a:ext cx="2763056" cy="471091"/>
-          </a:xfrm>
-          <a:prstGeom prst="rect">
-            <a:avLst/>
-          </a:prstGeom>
-          <a:ln w="12700">
-            <a:miter lim="400000"/>
-          </a:ln>
-        </p:spPr>
-        <p:txBody>
-          <a:bodyPr lIns="54570" tIns="54570" rIns="54570" bIns="54570" anchor="ctr">
-            <a:spAutoFit/>
-          </a:bodyPr>
-          <a:lstStyle/>
-          <a:p>
-            <a:pPr>
-              <a:lnSpc>
-                <a:spcPct val="90000"/>
-              </a:lnSpc>
-              <a:spcBef>
-                <a:spcPts val="300"/>
-              </a:spcBef>
-              <a:buClr>
-                <a:schemeClr val="accent4">
-                  <a:hueOff val="384618"/>
-                  <a:satOff val="3869"/>
-                  <a:lumOff val="5802"/>
-                </a:schemeClr>
-              </a:buClr>
-              <a:defRPr b="0">
-                <a:solidFill>
-                  <a:srgbClr val="000000"/>
-                </a:solidFill>
-                <a:latin typeface="+mn-lt"/>
-                <a:ea typeface="+mn-ea"/>
-                <a:cs typeface="+mn-cs"/>
-                <a:sym typeface="Source Sans Pro Light"/>
-              </a:defRPr>
-            </a:pPr>
-            <a:r>
-              <a:rPr>
-                <a:latin typeface="Source Sans Pro"/>
-                <a:ea typeface="Source Sans Pro"/>
-                <a:cs typeface="Source Sans Pro"/>
-                <a:sym typeface="Source Sans Pro"/>
-              </a:rPr>
-              <a:t>Where possible, use </a:t>
-            </a:r>
-            <a:r>
-              <a:rPr b="1">
-                <a:latin typeface="Source Sans Pro"/>
-                <a:ea typeface="Source Sans Pro"/>
-                <a:cs typeface="Source Sans Pro"/>
-                <a:sym typeface="Source Sans Pro"/>
-              </a:rPr>
-              <a:t>code that works</a:t>
-            </a:r>
-            <a:r>
-              <a:t> </a:t>
-            </a:r>
-            <a:r>
-              <a:rPr>
-                <a:latin typeface="Source Sans Pro"/>
-                <a:ea typeface="Source Sans Pro"/>
-                <a:cs typeface="Source Sans Pro"/>
-                <a:sym typeface="Source Sans Pro"/>
-              </a:rPr>
-              <a:t>when run.</a:t>
-            </a:r>
-            <a:endParaRPr>
-              <a:latin typeface="Source Sans Pro"/>
-              <a:ea typeface="Source Sans Pro"/>
-              <a:cs typeface="Source Sans Pro"/>
-              <a:sym typeface="Source Sans Pro"/>
-            </a:endParaRPr>
-          </a:p>
-        </p:txBody>
-      </p:sp>
-      <p:sp>
-        <p:nvSpPr>
           <p:cNvPr id="209" name="can help explain"/>
           <p:cNvSpPr/>
           <p:nvPr/>
         </p:nvSpPr>
         <p:spPr>
           <a:xfrm>
-            <a:off x="8357143" y="3131961"/>
+            <a:off x="3824513" y="9076831"/>
             <a:ext cx="879873" cy="578248"/>
           </a:xfrm>
           <a:custGeom>
@@ -6544,7 +5438,7 @@
         </p:nvSpPr>
         <p:spPr>
           <a:xfrm>
-            <a:off x="7387981" y="3127595"/>
+            <a:off x="5049911" y="9398220"/>
             <a:ext cx="879873" cy="582614"/>
           </a:xfrm>
           <a:custGeom>
@@ -6656,333 +5550,13 @@
       </p:sp>
       <p:sp>
         <p:nvSpPr>
-          <p:cNvPr id="213" name="Line"/>
-          <p:cNvSpPr/>
-          <p:nvPr/>
-        </p:nvSpPr>
-        <p:spPr>
-          <a:xfrm>
-            <a:off x="7770290" y="6891518"/>
-            <a:ext cx="139606" cy="1"/>
-          </a:xfrm>
-          <a:prstGeom prst="line">
-            <a:avLst/>
-          </a:prstGeom>
-          <a:ln w="12700">
-            <a:solidFill>
-              <a:srgbClr val="53585F"/>
-            </a:solidFill>
-            <a:miter lim="400000"/>
-            <a:tailEnd type="triangle"/>
-          </a:ln>
-        </p:spPr>
-        <p:txBody>
-          <a:bodyPr lIns="0" tIns="0" rIns="0" bIns="0"/>
-          <a:lstStyle/>
-          <a:p>
-            <a:pPr>
-              <a:lnSpc>
-                <a:spcPct val="80000"/>
-              </a:lnSpc>
-              <a:spcBef>
-                <a:spcPts val="0"/>
-              </a:spcBef>
-              <a:defRPr sz="5600" b="0">
-                <a:solidFill>
-                  <a:srgbClr val="000000"/>
-                </a:solidFill>
-                <a:effectLst>
-                  <a:outerShdw blurRad="38100" dist="12700" dir="5400000" rotWithShape="0">
-                    <a:srgbClr val="000000">
-                      <a:alpha val="50000"/>
-                    </a:srgbClr>
-                  </a:outerShdw>
-                </a:effectLst>
-                <a:latin typeface="Gill Sans"/>
-                <a:ea typeface="Gill Sans"/>
-                <a:cs typeface="Gill Sans"/>
-                <a:sym typeface="Gill Sans"/>
-              </a:defRPr>
-            </a:pPr>
-          </a:p>
-        </p:txBody>
-      </p:sp>
-      <p:sp>
-        <p:nvSpPr>
-          <p:cNvPr id="217" name="Line"/>
-          <p:cNvSpPr/>
-          <p:nvPr/>
-        </p:nvSpPr>
-        <p:spPr>
-          <a:xfrm>
-            <a:off x="8386940" y="6891518"/>
-            <a:ext cx="139605" cy="1"/>
-          </a:xfrm>
-          <a:prstGeom prst="line">
-            <a:avLst/>
-          </a:prstGeom>
-          <a:ln w="12700">
-            <a:solidFill>
-              <a:srgbClr val="53585F"/>
-            </a:solidFill>
-            <a:miter lim="400000"/>
-            <a:tailEnd type="triangle"/>
-          </a:ln>
-        </p:spPr>
-        <p:txBody>
-          <a:bodyPr lIns="0" tIns="0" rIns="0" bIns="0"/>
-          <a:lstStyle/>
-          <a:p>
-            <a:pPr>
-              <a:lnSpc>
-                <a:spcPct val="80000"/>
-              </a:lnSpc>
-              <a:spcBef>
-                <a:spcPts val="0"/>
-              </a:spcBef>
-              <a:defRPr sz="5600" b="0">
-                <a:solidFill>
-                  <a:srgbClr val="000000"/>
-                </a:solidFill>
-                <a:effectLst>
-                  <a:outerShdw blurRad="38100" dist="12700" dir="5400000" rotWithShape="0">
-                    <a:srgbClr val="000000">
-                      <a:alpha val="50000"/>
-                    </a:srgbClr>
-                  </a:outerShdw>
-                </a:effectLst>
-                <a:latin typeface="Gill Sans"/>
-                <a:ea typeface="Gill Sans"/>
-                <a:cs typeface="Gill Sans"/>
-                <a:sym typeface="Gill Sans"/>
-              </a:defRPr>
-            </a:pPr>
-          </a:p>
-        </p:txBody>
-      </p:sp>
-      <p:graphicFrame>
-        <p:nvGraphicFramePr>
-          <p:cNvPr id="219" name="Table"/>
-          <p:cNvGraphicFramePr/>
-          <p:nvPr/>
-        </p:nvGraphicFramePr>
-        <p:xfrm>
-          <a:off x="7972552" y="5663442"/>
-          <a:ext cx="650939" cy="609601"/>
-        </p:xfrm>
-        <a:graphic>
-          <a:graphicData uri="http://schemas.openxmlformats.org/drawingml/2006/table">
-            <a:tbl>
-              <a:tblPr firstRow="1">
-                <a:tableStyleId>{33BA23B1-9221-436E-865A-0063620EA4FD}</a:tableStyleId>
-              </a:tblPr>
-              <a:tblGrid>
-                <a:gridCol w="114300"/>
-                <a:gridCol w="114300"/>
-                <a:gridCol w="114300"/>
-              </a:tblGrid>
-              <a:tr h="0">
-                <a:tc>
-                  <a:txBody>
-                    <a:bodyPr/>
-                    <a:lstStyle/>
-                    <a:p>
-                      <a:pPr defTabSz="914400">
-                        <a:defRPr sz="1000">
-                          <a:latin typeface="Helvetica"/>
-                          <a:ea typeface="Helvetica"/>
-                          <a:cs typeface="Helvetica"/>
-                          <a:sym typeface="Helvetica"/>
-                        </a:defRPr>
-                      </a:pPr>
-                    </a:p>
-                  </a:txBody>
-                  <a:tcPr marL="0" marR="0" marT="0" marB="0" anchor="ctr" anchorCtr="0" horzOverflow="overflow">
-                    <a:solidFill>
-                      <a:srgbClr val="FABF53"/>
-                    </a:solidFill>
-                  </a:tcPr>
-                </a:tc>
-                <a:tc>
-                  <a:txBody>
-                    <a:bodyPr/>
-                    <a:lstStyle/>
-                    <a:p>
-                      <a:pPr defTabSz="914400">
-                        <a:defRPr sz="1000">
-                          <a:latin typeface="Helvetica"/>
-                          <a:ea typeface="Helvetica"/>
-                          <a:cs typeface="Helvetica"/>
-                          <a:sym typeface="Helvetica"/>
-                        </a:defRPr>
-                      </a:pPr>
-                    </a:p>
-                  </a:txBody>
-                  <a:tcPr marL="0" marR="0" marT="0" marB="0" anchor="ctr" anchorCtr="0" horzOverflow="overflow">
-                    <a:solidFill>
-                      <a:srgbClr val="FABF53"/>
-                    </a:solidFill>
-                  </a:tcPr>
-                </a:tc>
-                <a:tc>
-                  <a:txBody>
-                    <a:bodyPr/>
-                    <a:lstStyle/>
-                    <a:p>
-                      <a:pPr defTabSz="914400">
-                        <a:defRPr sz="1000">
-                          <a:latin typeface="Helvetica"/>
-                          <a:ea typeface="Helvetica"/>
-                          <a:cs typeface="Helvetica"/>
-                          <a:sym typeface="Helvetica"/>
-                        </a:defRPr>
-                      </a:pPr>
-                    </a:p>
-                  </a:txBody>
-                  <a:tcPr marL="0" marR="0" marT="0" marB="0" anchor="ctr" anchorCtr="0" horzOverflow="overflow">
-                    <a:solidFill>
-                      <a:srgbClr val="FABF53"/>
-                    </a:solidFill>
-                  </a:tcPr>
-                </a:tc>
-              </a:tr>
-              <a:tr h="0">
-                <a:tc>
-                  <a:txBody>
-                    <a:bodyPr/>
-                    <a:lstStyle/>
-                    <a:p>
-                      <a:pPr defTabSz="914400">
-                        <a:defRPr sz="1000">
-                          <a:latin typeface="Helvetica"/>
-                          <a:ea typeface="Helvetica"/>
-                          <a:cs typeface="Helvetica"/>
-                          <a:sym typeface="Helvetica"/>
-                        </a:defRPr>
-                      </a:pPr>
-                    </a:p>
-                  </a:txBody>
-                  <a:tcPr marL="0" marR="0" marT="0" marB="0" anchor="ctr" anchorCtr="0" horzOverflow="overflow">
-                    <a:solidFill>
-                      <a:srgbClr val="FABF53">
-                        <a:alpha val="56488"/>
-                      </a:srgbClr>
-                    </a:solidFill>
-                  </a:tcPr>
-                </a:tc>
-                <a:tc>
-                  <a:txBody>
-                    <a:bodyPr/>
-                    <a:lstStyle/>
-                    <a:p>
-                      <a:pPr defTabSz="914400">
-                        <a:defRPr sz="1000">
-                          <a:latin typeface="Helvetica"/>
-                          <a:ea typeface="Helvetica"/>
-                          <a:cs typeface="Helvetica"/>
-                          <a:sym typeface="Helvetica"/>
-                        </a:defRPr>
-                      </a:pPr>
-                    </a:p>
-                  </a:txBody>
-                  <a:tcPr marL="0" marR="0" marT="0" marB="0" anchor="ctr" anchorCtr="0" horzOverflow="overflow">
-                    <a:solidFill>
-                      <a:srgbClr val="FABF53">
-                        <a:alpha val="56488"/>
-                      </a:srgbClr>
-                    </a:solidFill>
-                  </a:tcPr>
-                </a:tc>
-                <a:tc>
-                  <a:txBody>
-                    <a:bodyPr/>
-                    <a:lstStyle/>
-                    <a:p>
-                      <a:pPr defTabSz="914400">
-                        <a:defRPr sz="1000">
-                          <a:latin typeface="Helvetica"/>
-                          <a:ea typeface="Helvetica"/>
-                          <a:cs typeface="Helvetica"/>
-                          <a:sym typeface="Helvetica"/>
-                        </a:defRPr>
-                      </a:pPr>
-                    </a:p>
-                  </a:txBody>
-                  <a:tcPr marL="0" marR="0" marT="0" marB="0" anchor="ctr" anchorCtr="0" horzOverflow="overflow">
-                    <a:solidFill>
-                      <a:srgbClr val="FABF53">
-                        <a:alpha val="56488"/>
-                      </a:srgbClr>
-                    </a:solidFill>
-                  </a:tcPr>
-                </a:tc>
-              </a:tr>
-            </a:tbl>
-          </a:graphicData>
-        </a:graphic>
-      </p:graphicFrame>
-      <p:sp>
-        <p:nvSpPr>
-          <p:cNvPr id="220" name="Line"/>
-          <p:cNvSpPr/>
-          <p:nvPr/>
-        </p:nvSpPr>
-        <p:spPr>
-          <a:xfrm>
-            <a:off x="7800961" y="5780896"/>
-            <a:ext cx="139605" cy="1"/>
-          </a:xfrm>
-          <a:prstGeom prst="line">
-            <a:avLst/>
-          </a:prstGeom>
-          <a:ln w="12700">
-            <a:solidFill>
-              <a:srgbClr val="53585F"/>
-            </a:solidFill>
-            <a:miter lim="400000"/>
-            <a:tailEnd type="triangle"/>
-          </a:ln>
-        </p:spPr>
-        <p:txBody>
-          <a:bodyPr lIns="0" tIns="0" rIns="0" bIns="0"/>
-          <a:lstStyle/>
-          <a:p>
-            <a:pPr>
-              <a:lnSpc>
-                <a:spcPct val="80000"/>
-              </a:lnSpc>
-              <a:spcBef>
-                <a:spcPts val="0"/>
-              </a:spcBef>
-              <a:defRPr sz="5600" b="0">
-                <a:solidFill>
-                  <a:srgbClr val="000000"/>
-                </a:solidFill>
-                <a:effectLst>
-                  <a:outerShdw blurRad="38100" dist="12700" dir="5400000" rotWithShape="0">
-                    <a:srgbClr val="000000">
-                      <a:alpha val="50000"/>
-                    </a:srgbClr>
-                  </a:outerShdw>
-                </a:effectLst>
-                <a:latin typeface="Gill Sans"/>
-                <a:ea typeface="Gill Sans"/>
-                <a:cs typeface="Gill Sans"/>
-                <a:sym typeface="Gill Sans"/>
-              </a:defRPr>
-            </a:pPr>
-          </a:p>
-        </p:txBody>
-      </p:sp>
-      <p:sp>
-        <p:nvSpPr>
           <p:cNvPr id="221" name="code"/>
           <p:cNvSpPr/>
           <p:nvPr/>
         </p:nvSpPr>
         <p:spPr>
           <a:xfrm>
-            <a:off x="9326304" y="3127992"/>
+            <a:off x="5214044" y="8705832"/>
             <a:ext cx="879873" cy="582217"/>
           </a:xfrm>
           <a:custGeom>
@@ -7092,921 +5666,9 @@
           </a:p>
         </p:txBody>
       </p:sp>
-      <p:sp>
-        <p:nvSpPr>
-          <p:cNvPr id="222" name="Line"/>
-          <p:cNvSpPr/>
-          <p:nvPr/>
-        </p:nvSpPr>
-        <p:spPr>
-          <a:xfrm>
-            <a:off x="7148465" y="1814019"/>
-            <a:ext cx="3031485" cy="1"/>
-          </a:xfrm>
-          <a:prstGeom prst="line">
-            <a:avLst/>
-          </a:prstGeom>
-          <a:ln w="12700">
-            <a:solidFill>
-              <a:srgbClr val="4C4C4C"/>
-            </a:solidFill>
-            <a:custDash>
-              <a:ds d="100000" sp="200000"/>
-            </a:custDash>
-          </a:ln>
-        </p:spPr>
-        <p:txBody>
-          <a:bodyPr lIns="54570" tIns="54570" rIns="54570" bIns="54570" anchor="ctr"/>
-          <a:lstStyle/>
-          <a:p>
-            <a:pPr>
-              <a:lnSpc>
-                <a:spcPct val="80000"/>
-              </a:lnSpc>
-              <a:spcBef>
-                <a:spcPts val="600"/>
-              </a:spcBef>
-              <a:defRPr b="0">
-                <a:solidFill>
-                  <a:srgbClr val="000000"/>
-                </a:solidFill>
-              </a:defRPr>
-            </a:pPr>
-          </a:p>
-        </p:txBody>
-      </p:sp>
-      <p:sp>
-        <p:nvSpPr>
-          <p:cNvPr id="223" name="Line"/>
-          <p:cNvSpPr/>
-          <p:nvPr/>
-        </p:nvSpPr>
-        <p:spPr>
-          <a:xfrm>
-            <a:off x="7148465" y="4005615"/>
-            <a:ext cx="3031485" cy="1"/>
-          </a:xfrm>
-          <a:prstGeom prst="line">
-            <a:avLst/>
-          </a:prstGeom>
-          <a:ln w="12700">
-            <a:solidFill>
-              <a:srgbClr val="4C4C4C"/>
-            </a:solidFill>
-            <a:custDash>
-              <a:ds d="100000" sp="200000"/>
-            </a:custDash>
-          </a:ln>
-        </p:spPr>
-        <p:txBody>
-          <a:bodyPr lIns="54570" tIns="54570" rIns="54570" bIns="54570" anchor="ctr"/>
-          <a:lstStyle/>
-          <a:p>
-            <a:pPr>
-              <a:lnSpc>
-                <a:spcPct val="80000"/>
-              </a:lnSpc>
-              <a:spcBef>
-                <a:spcPts val="600"/>
-              </a:spcBef>
-              <a:defRPr b="0">
-                <a:solidFill>
-                  <a:srgbClr val="000000"/>
-                </a:solidFill>
-              </a:defRPr>
-            </a:pPr>
-          </a:p>
-        </p:txBody>
-      </p:sp>
-      <p:sp>
-        <p:nvSpPr>
-          <p:cNvPr id="224" name="Line"/>
-          <p:cNvSpPr/>
-          <p:nvPr/>
-        </p:nvSpPr>
-        <p:spPr>
-          <a:xfrm>
-            <a:off x="7148465" y="5234967"/>
-            <a:ext cx="3031485" cy="1"/>
-          </a:xfrm>
-          <a:prstGeom prst="line">
-            <a:avLst/>
-          </a:prstGeom>
-          <a:ln w="12700">
-            <a:solidFill>
-              <a:srgbClr val="4C4C4C"/>
-            </a:solidFill>
-            <a:custDash>
-              <a:ds d="100000" sp="200000"/>
-            </a:custDash>
-          </a:ln>
-        </p:spPr>
-        <p:txBody>
-          <a:bodyPr lIns="54570" tIns="54570" rIns="54570" bIns="54570" anchor="ctr"/>
-          <a:lstStyle/>
-          <a:p>
-            <a:pPr>
-              <a:lnSpc>
-                <a:spcPct val="80000"/>
-              </a:lnSpc>
-              <a:spcBef>
-                <a:spcPts val="600"/>
-              </a:spcBef>
-              <a:defRPr b="0">
-                <a:solidFill>
-                  <a:srgbClr val="000000"/>
-                </a:solidFill>
-              </a:defRPr>
-            </a:pPr>
-          </a:p>
-        </p:txBody>
-      </p:sp>
-      <p:sp>
-        <p:nvSpPr>
-          <p:cNvPr id="225" name="Line"/>
-          <p:cNvSpPr/>
-          <p:nvPr/>
-        </p:nvSpPr>
-        <p:spPr>
-          <a:xfrm>
-            <a:off x="7148465" y="7556165"/>
-            <a:ext cx="3031485" cy="1"/>
-          </a:xfrm>
-          <a:prstGeom prst="line">
-            <a:avLst/>
-          </a:prstGeom>
-          <a:ln w="12700">
-            <a:solidFill>
-              <a:srgbClr val="4C4C4C"/>
-            </a:solidFill>
-            <a:custDash>
-              <a:ds d="100000" sp="200000"/>
-            </a:custDash>
-          </a:ln>
-        </p:spPr>
-        <p:txBody>
-          <a:bodyPr lIns="54570" tIns="54570" rIns="54570" bIns="54570" anchor="ctr"/>
-          <a:lstStyle/>
-          <a:p>
-            <a:pPr>
-              <a:lnSpc>
-                <a:spcPct val="80000"/>
-              </a:lnSpc>
-              <a:spcBef>
-                <a:spcPts val="600"/>
-              </a:spcBef>
-              <a:defRPr b="0">
-                <a:solidFill>
-                  <a:srgbClr val="000000"/>
-                </a:solidFill>
-              </a:defRPr>
-            </a:pPr>
-          </a:p>
-        </p:txBody>
-      </p:sp>
-      <p:sp>
-        <p:nvSpPr>
-          <p:cNvPr id="226" name="Line"/>
-          <p:cNvSpPr/>
-          <p:nvPr/>
-        </p:nvSpPr>
-        <p:spPr>
-          <a:xfrm>
-            <a:off x="7148465" y="8705702"/>
-            <a:ext cx="3031485" cy="1"/>
-          </a:xfrm>
-          <a:prstGeom prst="line">
-            <a:avLst/>
-          </a:prstGeom>
-          <a:ln w="12700">
-            <a:solidFill>
-              <a:srgbClr val="4C4C4C"/>
-            </a:solidFill>
-            <a:custDash>
-              <a:ds d="100000" sp="200000"/>
-            </a:custDash>
-          </a:ln>
-        </p:spPr>
-        <p:txBody>
-          <a:bodyPr lIns="54570" tIns="54570" rIns="54570" bIns="54570" anchor="ctr"/>
-          <a:lstStyle/>
-          <a:p>
-            <a:pPr>
-              <a:lnSpc>
-                <a:spcPct val="80000"/>
-              </a:lnSpc>
-              <a:spcBef>
-                <a:spcPts val="600"/>
-              </a:spcBef>
-              <a:defRPr b="0">
-                <a:solidFill>
-                  <a:srgbClr val="000000"/>
-                </a:solidFill>
-              </a:defRPr>
-            </a:pPr>
-          </a:p>
-        </p:txBody>
-      </p:sp>
-      <p:sp>
-        <p:nvSpPr>
-          <p:cNvPr id="227" name="This template uses several fonts: Helvetica Neue, Menlo, Source Sans pro, which you can acquire for free here,  www.fontsquirrel.com/fonts/source-sans-pro, and Font Awesome, which you can acquire here, fortawesome.github.io/Font-Awesome/get-started/"/>
-          <p:cNvSpPr txBox="1"/>
-          <p:nvPr/>
-        </p:nvSpPr>
-        <p:spPr>
-          <a:xfrm>
-            <a:off x="10642182" y="2148297"/>
-            <a:ext cx="2818196" cy="1336465"/>
-          </a:xfrm>
-          <a:prstGeom prst="rect">
-            <a:avLst/>
-          </a:prstGeom>
-          <a:ln w="12700">
-            <a:miter lim="400000"/>
-          </a:ln>
-        </p:spPr>
-        <p:txBody>
-          <a:bodyPr lIns="54570" tIns="54570" rIns="54570" bIns="54570" anchor="ctr">
-            <a:spAutoFit/>
-          </a:bodyPr>
-          <a:lstStyle/>
-          <a:p>
-            <a:pPr>
-              <a:lnSpc>
-                <a:spcPct val="90000"/>
-              </a:lnSpc>
-              <a:spcBef>
-                <a:spcPts val="300"/>
-              </a:spcBef>
-              <a:buClr>
-                <a:schemeClr val="accent4">
-                  <a:hueOff val="384618"/>
-                  <a:satOff val="3869"/>
-                  <a:lumOff val="5802"/>
-                </a:schemeClr>
-              </a:buClr>
-              <a:defRPr b="0">
-                <a:solidFill>
-                  <a:srgbClr val="000000"/>
-                </a:solidFill>
-                <a:latin typeface="+mn-lt"/>
-                <a:ea typeface="+mn-ea"/>
-                <a:cs typeface="+mn-cs"/>
-                <a:sym typeface="Source Sans Pro Light"/>
-              </a:defRPr>
-            </a:pPr>
-            <a:r>
-              <a:rPr>
-                <a:latin typeface="Source Sans Pro"/>
-                <a:ea typeface="Source Sans Pro"/>
-                <a:cs typeface="Source Sans Pro"/>
-                <a:sym typeface="Source Sans Pro"/>
-              </a:rPr>
-              <a:t>This template uses several fonts: </a:t>
-            </a:r>
-            <a:r>
-              <a:rPr b="1">
-                <a:latin typeface="Helvetica Neue"/>
-                <a:ea typeface="Helvetica Neue"/>
-                <a:cs typeface="Helvetica Neue"/>
-                <a:sym typeface="Helvetica Neue"/>
-              </a:rPr>
-              <a:t>Helvetica Neue</a:t>
-            </a:r>
-            <a:r>
-              <a:rPr b="1">
-                <a:latin typeface="Source Sans Pro"/>
-                <a:ea typeface="Source Sans Pro"/>
-                <a:cs typeface="Source Sans Pro"/>
-                <a:sym typeface="Source Sans Pro"/>
-              </a:rPr>
-              <a:t>, </a:t>
-            </a:r>
-            <a:r>
-              <a:rPr b="1">
-                <a:latin typeface="Menlo"/>
-                <a:ea typeface="Menlo"/>
-                <a:cs typeface="Menlo"/>
-                <a:sym typeface="Menlo"/>
-              </a:rPr>
-              <a:t>Menlo</a:t>
-            </a:r>
-            <a:r>
-              <a:t>, </a:t>
-            </a:r>
-            <a:r>
-              <a:rPr b="1">
-                <a:latin typeface="Source Sans Pro"/>
-                <a:ea typeface="Source Sans Pro"/>
-                <a:cs typeface="Source Sans Pro"/>
-                <a:sym typeface="Source Sans Pro"/>
-              </a:rPr>
-              <a:t>Source Sans pro</a:t>
-            </a:r>
-            <a:r>
-              <a:t>, </a:t>
-            </a:r>
-            <a:r>
-              <a:rPr>
-                <a:latin typeface="Source Sans Pro"/>
-                <a:ea typeface="Source Sans Pro"/>
-                <a:cs typeface="Source Sans Pro"/>
-                <a:sym typeface="Source Sans Pro"/>
-              </a:rPr>
-              <a:t>which you can acquire for free here,  </a:t>
-            </a:r>
-            <a:r>
-              <a:rPr u="sng">
-                <a:latin typeface="Source Sans Pro"/>
-                <a:ea typeface="Source Sans Pro"/>
-                <a:cs typeface="Source Sans Pro"/>
-                <a:sym typeface="Source Sans Pro"/>
-              </a:rPr>
-              <a:t>www.fontsquirrel.com/fonts/source-sans-pro</a:t>
-            </a:r>
-            <a:r>
-              <a:rPr>
-                <a:latin typeface="Source Sans Pro"/>
-                <a:ea typeface="Source Sans Pro"/>
-                <a:cs typeface="Source Sans Pro"/>
-                <a:sym typeface="Source Sans Pro"/>
-              </a:rPr>
-              <a:t>, and</a:t>
-            </a:r>
-            <a:r>
-              <a:t> </a:t>
-            </a:r>
-            <a:r>
-              <a:rPr b="1">
-                <a:latin typeface="Source Sans Pro"/>
-                <a:ea typeface="Source Sans Pro"/>
-                <a:cs typeface="Source Sans Pro"/>
-                <a:sym typeface="Source Sans Pro"/>
-              </a:rPr>
-              <a:t>Font Awesome</a:t>
-            </a:r>
-            <a:r>
-              <a:t>, </a:t>
-            </a:r>
-            <a:r>
-              <a:rPr>
-                <a:latin typeface="Source Sans Pro"/>
-                <a:ea typeface="Source Sans Pro"/>
-                <a:cs typeface="Source Sans Pro"/>
-                <a:sym typeface="Source Sans Pro"/>
-              </a:rPr>
-              <a:t>which you can acquire here, </a:t>
-            </a:r>
-            <a:r>
-              <a:rPr u="sng">
-                <a:latin typeface="Source Sans Pro"/>
-                <a:ea typeface="Source Sans Pro"/>
-                <a:cs typeface="Source Sans Pro"/>
-                <a:sym typeface="Source Sans Pro"/>
-              </a:rPr>
-              <a:t>fortawesome.github.io/Font-Awesome/get-started/</a:t>
-            </a:r>
-            <a:endParaRPr u="sng">
-              <a:latin typeface="Source Sans Pro"/>
-              <a:ea typeface="Source Sans Pro"/>
-              <a:cs typeface="Source Sans Pro"/>
-              <a:sym typeface="Source Sans Pro"/>
-            </a:endParaRPr>
-          </a:p>
-        </p:txBody>
-      </p:sp>
-      <p:sp>
-        <p:nvSpPr>
-          <p:cNvPr id="228" name="To use a font awesome icon, copy and paste one from here fortawesome.github.io/Font-Awesome/cheatsheet/. Then set the text font to font awesome."/>
-          <p:cNvSpPr txBox="1"/>
-          <p:nvPr/>
-        </p:nvSpPr>
-        <p:spPr>
-          <a:xfrm>
-            <a:off x="10642182" y="3748683"/>
-            <a:ext cx="2912301" cy="813992"/>
-          </a:xfrm>
-          <a:prstGeom prst="rect">
-            <a:avLst/>
-          </a:prstGeom>
-          <a:ln w="12700">
-            <a:miter lim="400000"/>
-          </a:ln>
-        </p:spPr>
-        <p:txBody>
-          <a:bodyPr lIns="54570" tIns="54570" rIns="54570" bIns="54570" anchor="ctr">
-            <a:spAutoFit/>
-          </a:bodyPr>
-          <a:lstStyle/>
-          <a:p>
-            <a:pPr>
-              <a:lnSpc>
-                <a:spcPct val="90000"/>
-              </a:lnSpc>
-              <a:spcBef>
-                <a:spcPts val="300"/>
-              </a:spcBef>
-              <a:buClr>
-                <a:schemeClr val="accent4">
-                  <a:hueOff val="384618"/>
-                  <a:satOff val="3869"/>
-                  <a:lumOff val="5802"/>
-                </a:schemeClr>
-              </a:buClr>
-              <a:defRPr b="0">
-                <a:solidFill>
-                  <a:srgbClr val="000000"/>
-                </a:solidFill>
-              </a:defRPr>
-            </a:pPr>
-            <a:r>
-              <a:t>To use a </a:t>
-            </a:r>
-            <a:r>
-              <a:rPr b="1"/>
-              <a:t>font awesome</a:t>
-            </a:r>
-            <a:r>
-              <a:t> icon, copy and paste one from here </a:t>
-            </a:r>
-            <a:r>
-              <a:rPr u="sng"/>
-              <a:t>fortawesome.github.io/Font-Awesome/cheatsheet/</a:t>
-            </a:r>
-            <a:r>
-              <a:t>. Then set the text font to font awesome.</a:t>
-            </a:r>
-          </a:p>
-        </p:txBody>
-      </p:sp>
-      <p:sp>
-        <p:nvSpPr>
-          <p:cNvPr id="229" name="Select multiple elements by holding down shift and then selecting each. Click on a selected element before letting go of shift to unselect it.…"/>
-          <p:cNvSpPr txBox="1"/>
-          <p:nvPr/>
-        </p:nvSpPr>
-        <p:spPr>
-          <a:xfrm>
-            <a:off x="10642182" y="7500524"/>
-            <a:ext cx="2912301" cy="2376091"/>
-          </a:xfrm>
-          <a:prstGeom prst="rect">
-            <a:avLst/>
-          </a:prstGeom>
-          <a:ln w="12700">
-            <a:miter lim="400000"/>
-          </a:ln>
-        </p:spPr>
-        <p:txBody>
-          <a:bodyPr lIns="54570" tIns="54570" rIns="54570" bIns="54570" anchor="b">
-            <a:spAutoFit/>
-          </a:bodyPr>
-          <a:lstStyle/>
-          <a:p>
-            <a:pPr marL="114300" indent="-114300">
-              <a:lnSpc>
-                <a:spcPct val="90000"/>
-              </a:lnSpc>
-              <a:spcBef>
-                <a:spcPts val="500"/>
-              </a:spcBef>
-              <a:buSzPct val="100000"/>
-              <a:buChar char="•"/>
-              <a:defRPr b="0">
-                <a:solidFill>
-                  <a:srgbClr val="000000"/>
-                </a:solidFill>
-                <a:latin typeface="+mn-lt"/>
-                <a:ea typeface="+mn-ea"/>
-                <a:cs typeface="+mn-cs"/>
-                <a:sym typeface="Source Sans Pro Light"/>
-              </a:defRPr>
-            </a:pPr>
-            <a:r>
-              <a:rPr b="1">
-                <a:latin typeface="Source Sans Pro"/>
-                <a:ea typeface="Source Sans Pro"/>
-                <a:cs typeface="Source Sans Pro"/>
-                <a:sym typeface="Source Sans Pro"/>
-              </a:rPr>
-              <a:t>Select multiple elements</a:t>
-            </a:r>
-            <a:r>
-              <a:rPr>
-                <a:latin typeface="Source Sans Pro"/>
-                <a:ea typeface="Source Sans Pro"/>
-                <a:cs typeface="Source Sans Pro"/>
-                <a:sym typeface="Source Sans Pro"/>
-              </a:rPr>
-              <a:t> by holding down shift and then selecting each. Click on a selected element before letting go of shift to unselect it.</a:t>
-            </a:r>
-            <a:endParaRPr>
-              <a:latin typeface="Source Sans Pro"/>
-              <a:ea typeface="Source Sans Pro"/>
-              <a:cs typeface="Source Sans Pro"/>
-              <a:sym typeface="Source Sans Pro"/>
-            </a:endParaRPr>
-          </a:p>
-          <a:p>
-            <a:pPr marL="114300" indent="-114300">
-              <a:lnSpc>
-                <a:spcPct val="90000"/>
-              </a:lnSpc>
-              <a:spcBef>
-                <a:spcPts val="500"/>
-              </a:spcBef>
-              <a:buSzPct val="100000"/>
-              <a:buChar char="•"/>
-              <a:defRPr b="0">
-                <a:solidFill>
-                  <a:srgbClr val="000000"/>
-                </a:solidFill>
-                <a:latin typeface="+mn-lt"/>
-                <a:ea typeface="+mn-ea"/>
-                <a:cs typeface="+mn-cs"/>
-                <a:sym typeface="Source Sans Pro Light"/>
-              </a:defRPr>
-            </a:pPr>
-            <a:r>
-              <a:rPr>
-                <a:latin typeface="Source Sans Pro"/>
-                <a:ea typeface="Source Sans Pro"/>
-                <a:cs typeface="Source Sans Pro"/>
-                <a:sym typeface="Source Sans Pro"/>
-              </a:rPr>
-              <a:t>To </a:t>
-            </a:r>
-            <a:r>
-              <a:rPr b="1">
-                <a:latin typeface="Source Sans Pro"/>
-                <a:ea typeface="Source Sans Pro"/>
-                <a:cs typeface="Source Sans Pro"/>
-                <a:sym typeface="Source Sans Pro"/>
-              </a:rPr>
-              <a:t>group elements together.</a:t>
-            </a:r>
-            <a:r>
-              <a:t> S</a:t>
-            </a:r>
-            <a:r>
-              <a:rPr>
-                <a:latin typeface="Source Sans Pro"/>
-                <a:ea typeface="Source Sans Pro"/>
-                <a:cs typeface="Source Sans Pro"/>
-                <a:sym typeface="Source Sans Pro"/>
-              </a:rPr>
-              <a:t>elect them all , then click Arrange &gt; Group</a:t>
-            </a:r>
-            <a:endParaRPr>
-              <a:latin typeface="Source Sans Pro"/>
-              <a:ea typeface="Source Sans Pro"/>
-              <a:cs typeface="Source Sans Pro"/>
-              <a:sym typeface="Source Sans Pro"/>
-            </a:endParaRPr>
-          </a:p>
-          <a:p>
-            <a:pPr marL="114300" indent="-114300">
-              <a:lnSpc>
-                <a:spcPct val="90000"/>
-              </a:lnSpc>
-              <a:spcBef>
-                <a:spcPts val="500"/>
-              </a:spcBef>
-              <a:buSzPct val="100000"/>
-              <a:buChar char="•"/>
-              <a:defRPr b="0">
-                <a:solidFill>
-                  <a:srgbClr val="000000"/>
-                </a:solidFill>
-                <a:latin typeface="+mn-lt"/>
-                <a:ea typeface="+mn-ea"/>
-                <a:cs typeface="+mn-cs"/>
-                <a:sym typeface="Source Sans Pro Light"/>
-              </a:defRPr>
-            </a:pPr>
-            <a:r>
-              <a:rPr>
-                <a:latin typeface="Source Sans Pro"/>
-                <a:ea typeface="Source Sans Pro"/>
-                <a:cs typeface="Source Sans Pro"/>
-                <a:sym typeface="Source Sans Pro"/>
-              </a:rPr>
-              <a:t>To </a:t>
-            </a:r>
-            <a:r>
-              <a:rPr b="1">
-                <a:latin typeface="Source Sans Pro"/>
-                <a:ea typeface="Source Sans Pro"/>
-                <a:cs typeface="Source Sans Pro"/>
-                <a:sym typeface="Source Sans Pro"/>
-              </a:rPr>
-              <a:t>evenly space multiple objects</a:t>
-            </a:r>
-            <a:r>
-              <a:t>, </a:t>
-            </a:r>
-            <a:r>
-              <a:rPr>
-                <a:latin typeface="Source Sans Pro"/>
-                <a:ea typeface="Source Sans Pro"/>
-                <a:cs typeface="Source Sans Pro"/>
-                <a:sym typeface="Source Sans Pro"/>
-              </a:rPr>
-              <a:t>select them all then Right Click &gt; Align objects or Right Click &gt; Distribute objects</a:t>
-            </a:r>
-            <a:endParaRPr>
-              <a:latin typeface="Source Sans Pro"/>
-              <a:ea typeface="Source Sans Pro"/>
-              <a:cs typeface="Source Sans Pro"/>
-              <a:sym typeface="Source Sans Pro"/>
-            </a:endParaRPr>
-          </a:p>
-          <a:p>
-            <a:pPr marL="114300" indent="-114300">
-              <a:lnSpc>
-                <a:spcPct val="90000"/>
-              </a:lnSpc>
-              <a:spcBef>
-                <a:spcPts val="300"/>
-              </a:spcBef>
-              <a:buSzPct val="100000"/>
-              <a:buChar char="•"/>
-              <a:defRPr b="0">
-                <a:solidFill>
-                  <a:srgbClr val="000000"/>
-                </a:solidFill>
-                <a:latin typeface="+mn-lt"/>
-                <a:ea typeface="+mn-ea"/>
-                <a:cs typeface="+mn-cs"/>
-                <a:sym typeface="Source Sans Pro Light"/>
-              </a:defRPr>
-            </a:pPr>
-            <a:r>
-              <a:rPr>
-                <a:latin typeface="Source Sans Pro"/>
-                <a:ea typeface="Source Sans Pro"/>
-                <a:cs typeface="Source Sans Pro"/>
-                <a:sym typeface="Source Sans Pro"/>
-              </a:rPr>
-              <a:t>Click on a table, then visit Format &gt;Table &gt; Row and Column Size to make</a:t>
-            </a:r>
-            <a:r>
-              <a:t> </a:t>
-            </a:r>
-            <a:r>
-              <a:rPr b="1">
-                <a:latin typeface="Source Sans Pro"/>
-                <a:ea typeface="Source Sans Pro"/>
-                <a:cs typeface="Source Sans Pro"/>
-                <a:sym typeface="Source Sans Pro"/>
-              </a:rPr>
-              <a:t>even width rows/columns</a:t>
-            </a:r>
-            <a:r>
-              <a:t>.</a:t>
-            </a:r>
-          </a:p>
-        </p:txBody>
-      </p:sp>
-      <p:sp>
-        <p:nvSpPr>
-          <p:cNvPr id="230" name="I make my cheatsheets in Apple Keynote, and not latex or R Markdown, because presentation software makes it much easier to tweak the visual appearance of a document"/>
-          <p:cNvSpPr txBox="1"/>
-          <p:nvPr/>
-        </p:nvSpPr>
-        <p:spPr>
-          <a:xfrm>
-            <a:off x="10642182" y="5651058"/>
-            <a:ext cx="2912301" cy="985441"/>
-          </a:xfrm>
-          <a:prstGeom prst="rect">
-            <a:avLst/>
-          </a:prstGeom>
-          <a:ln w="12700">
-            <a:miter lim="400000"/>
-          </a:ln>
-        </p:spPr>
-        <p:txBody>
-          <a:bodyPr lIns="54570" tIns="54570" rIns="54570" bIns="54570" anchor="ctr">
-            <a:spAutoFit/>
-          </a:bodyPr>
-          <a:lstStyle/>
-          <a:p>
-            <a:pPr>
-              <a:lnSpc>
-                <a:spcPct val="90000"/>
-              </a:lnSpc>
-              <a:spcBef>
-                <a:spcPts val="300"/>
-              </a:spcBef>
-              <a:buClr>
-                <a:schemeClr val="accent4">
-                  <a:hueOff val="384618"/>
-                  <a:satOff val="3869"/>
-                  <a:lumOff val="5802"/>
-                </a:schemeClr>
-              </a:buClr>
-              <a:defRPr b="0">
-                <a:solidFill>
-                  <a:srgbClr val="000000"/>
-                </a:solidFill>
-              </a:defRPr>
-            </a:pPr>
-            <a:r>
-              <a:t>I make my cheatsheets in </a:t>
-            </a:r>
-            <a:r>
-              <a:rPr b="1"/>
-              <a:t>Apple Keynote</a:t>
-            </a:r>
-            <a:r>
-              <a:t>, and not latex or R Markdown, because presentation software makes it much easier to tweak the visual appearance of a document</a:t>
-            </a:r>
-          </a:p>
-        </p:txBody>
-      </p:sp>
-      <p:sp>
-        <p:nvSpPr>
-          <p:cNvPr id="231" name="FONTS"/>
-          <p:cNvSpPr txBox="1"/>
-          <p:nvPr/>
-        </p:nvSpPr>
-        <p:spPr>
-          <a:xfrm>
-            <a:off x="10642182" y="1857135"/>
-            <a:ext cx="487681" cy="215901"/>
-          </a:xfrm>
-          <a:prstGeom prst="rect">
-            <a:avLst/>
-          </a:prstGeom>
-          <a:ln w="12700">
-            <a:miter lim="400000"/>
-          </a:ln>
-        </p:spPr>
-        <p:txBody>
-          <a:bodyPr wrap="none" lIns="12700" tIns="12700" rIns="12700" bIns="12700" anchor="ctr">
-            <a:spAutoFit/>
-          </a:bodyPr>
-          <a:lstStyle/>
-          <a:p>
-            <a:pPr lvl="1" indent="0"/>
-            <a:r>
-              <a:t>FONTS</a:t>
-            </a:r>
-          </a:p>
-        </p:txBody>
-      </p:sp>
-      <p:sp>
-        <p:nvSpPr>
-          <p:cNvPr id="232" name="KEYNOTE"/>
-          <p:cNvSpPr txBox="1"/>
-          <p:nvPr/>
-        </p:nvSpPr>
-        <p:spPr>
-          <a:xfrm>
-            <a:off x="10642182" y="5383897"/>
-            <a:ext cx="664770" cy="215901"/>
-          </a:xfrm>
-          <a:prstGeom prst="rect">
-            <a:avLst/>
-          </a:prstGeom>
-          <a:ln w="12700">
-            <a:miter lim="400000"/>
-          </a:ln>
-        </p:spPr>
-        <p:txBody>
-          <a:bodyPr wrap="none" lIns="12700" tIns="12700" rIns="12700" bIns="12700" anchor="ctr">
-            <a:spAutoFit/>
-          </a:bodyPr>
-          <a:lstStyle/>
-          <a:p>
-            <a:pPr lvl="1" indent="0"/>
-            <a:r>
-              <a:t>KEYNOTE</a:t>
-            </a:r>
-          </a:p>
-        </p:txBody>
-      </p:sp>
-      <p:sp>
-        <p:nvSpPr>
-          <p:cNvPr id="233" name="KEYNOTE TIPS"/>
-          <p:cNvSpPr txBox="1"/>
-          <p:nvPr/>
-        </p:nvSpPr>
-        <p:spPr>
-          <a:xfrm>
-            <a:off x="10642182" y="7093032"/>
-            <a:ext cx="999898" cy="215901"/>
-          </a:xfrm>
-          <a:prstGeom prst="rect">
-            <a:avLst/>
-          </a:prstGeom>
-          <a:ln w="12700">
-            <a:miter lim="400000"/>
-          </a:ln>
-        </p:spPr>
-        <p:txBody>
-          <a:bodyPr wrap="none" lIns="12700" tIns="12700" rIns="12700" bIns="12700" anchor="ctr">
-            <a:spAutoFit/>
-          </a:bodyPr>
-          <a:lstStyle/>
-          <a:p>
-            <a:pPr lvl="1" indent="0"/>
-            <a:r>
-              <a:t>KEYNOTE TIPS</a:t>
-            </a:r>
-          </a:p>
-        </p:txBody>
-      </p:sp>
-      <p:sp>
-        <p:nvSpPr>
-          <p:cNvPr id="234" name="Line"/>
-          <p:cNvSpPr/>
-          <p:nvPr/>
-        </p:nvSpPr>
-        <p:spPr>
-          <a:xfrm>
-            <a:off x="10564983" y="5249878"/>
-            <a:ext cx="3031484" cy="1"/>
-          </a:xfrm>
-          <a:prstGeom prst="line">
-            <a:avLst/>
-          </a:prstGeom>
-          <a:ln w="12700">
-            <a:solidFill>
-              <a:srgbClr val="4C4C4C"/>
-            </a:solidFill>
-            <a:custDash>
-              <a:ds d="100000" sp="200000"/>
-            </a:custDash>
-          </a:ln>
-        </p:spPr>
-        <p:txBody>
-          <a:bodyPr lIns="54570" tIns="54570" rIns="54570" bIns="54570" anchor="ctr"/>
-          <a:lstStyle/>
-          <a:p>
-            <a:pPr>
-              <a:lnSpc>
-                <a:spcPct val="80000"/>
-              </a:lnSpc>
-              <a:spcBef>
-                <a:spcPts val="600"/>
-              </a:spcBef>
-              <a:defRPr b="0">
-                <a:solidFill>
-                  <a:srgbClr val="000000"/>
-                </a:solidFill>
-              </a:defRPr>
-            </a:pPr>
-          </a:p>
-        </p:txBody>
-      </p:sp>
-      <p:sp>
-        <p:nvSpPr>
-          <p:cNvPr id="235" name="Line"/>
-          <p:cNvSpPr/>
-          <p:nvPr/>
-        </p:nvSpPr>
-        <p:spPr>
-          <a:xfrm>
-            <a:off x="10535538" y="1814019"/>
-            <a:ext cx="3031485" cy="1"/>
-          </a:xfrm>
-          <a:prstGeom prst="line">
-            <a:avLst/>
-          </a:prstGeom>
-          <a:ln w="12700">
-            <a:solidFill>
-              <a:srgbClr val="4C4C4C"/>
-            </a:solidFill>
-            <a:custDash>
-              <a:ds d="100000" sp="200000"/>
-            </a:custDash>
-          </a:ln>
-        </p:spPr>
-        <p:txBody>
-          <a:bodyPr lIns="54570" tIns="54570" rIns="54570" bIns="54570" anchor="ctr"/>
-          <a:lstStyle/>
-          <a:p>
-            <a:pPr>
-              <a:lnSpc>
-                <a:spcPct val="80000"/>
-              </a:lnSpc>
-              <a:spcBef>
-                <a:spcPts val="600"/>
-              </a:spcBef>
-              <a:defRPr b="0">
-                <a:solidFill>
-                  <a:srgbClr val="000000"/>
-                </a:solidFill>
-              </a:defRPr>
-            </a:pPr>
-          </a:p>
-        </p:txBody>
-      </p:sp>
       <p:pic>
         <p:nvPicPr>
-          <p:cNvPr id="258" name="rstudio.png" descr="rstudio.png"/>
+          <p:cNvPr id="262" name="Image" descr="Image"/>
           <p:cNvPicPr>
             <a:picLocks noChangeAspect="1"/>
           </p:cNvPicPr>
@@ -8020,123 +5682,7 @@
         </p:blipFill>
         <p:spPr>
           <a:xfrm>
-            <a:off x="3824357" y="6912030"/>
-            <a:ext cx="660856" cy="765910"/>
-          </a:xfrm>
-          <a:prstGeom prst="rect">
-            <a:avLst/>
-          </a:prstGeom>
-          <a:ln w="12700">
-            <a:miter lim="400000"/>
-            <a:headEnd/>
-            <a:tailEnd/>
-          </a:ln>
-        </p:spPr>
-      </p:pic>
-      <p:pic>
-        <p:nvPicPr>
-          <p:cNvPr id="259" name="devtools.png" descr="devtools.png"/>
-          <p:cNvPicPr>
-            <a:picLocks noChangeAspect="1"/>
-          </p:cNvPicPr>
-          <p:nvPr/>
-        </p:nvPicPr>
-        <p:blipFill>
-          <a:blip r:embed="rId3"/>
-          <a:stretch>
-            <a:fillRect/>
-          </a:stretch>
-        </p:blipFill>
-        <p:spPr>
-          <a:xfrm>
-            <a:off x="4520018" y="6913984"/>
-            <a:ext cx="657483" cy="762001"/>
-          </a:xfrm>
-          <a:prstGeom prst="rect">
-            <a:avLst/>
-          </a:prstGeom>
-          <a:ln w="12700">
-            <a:miter lim="400000"/>
-            <a:headEnd/>
-            <a:tailEnd/>
-          </a:ln>
-        </p:spPr>
-      </p:pic>
-      <p:pic>
-        <p:nvPicPr>
-          <p:cNvPr id="260" name="forcats.png" descr="forcats.png"/>
-          <p:cNvPicPr>
-            <a:picLocks noChangeAspect="1"/>
-          </p:cNvPicPr>
-          <p:nvPr/>
-        </p:nvPicPr>
-        <p:blipFill>
-          <a:blip r:embed="rId4"/>
-          <a:stretch>
-            <a:fillRect/>
-          </a:stretch>
-        </p:blipFill>
-        <p:spPr>
-          <a:xfrm>
-            <a:off x="5213992" y="6913984"/>
-            <a:ext cx="657483" cy="762001"/>
-          </a:xfrm>
-          <a:prstGeom prst="rect">
-            <a:avLst/>
-          </a:prstGeom>
-          <a:ln w="12700">
-            <a:miter lim="400000"/>
-            <a:headEnd/>
-            <a:tailEnd/>
-          </a:ln>
-        </p:spPr>
-      </p:pic>
-      <p:pic>
-        <p:nvPicPr>
-          <p:cNvPr id="261" name="tibble.png" descr="tibble.png"/>
-          <p:cNvPicPr>
-            <a:picLocks noChangeAspect="1"/>
-          </p:cNvPicPr>
-          <p:nvPr/>
-        </p:nvPicPr>
-        <p:blipFill>
-          <a:blip r:embed="rId5"/>
-          <a:stretch>
-            <a:fillRect/>
-          </a:stretch>
-        </p:blipFill>
-        <p:spPr>
-          <a:xfrm>
-            <a:off x="5907967" y="6913984"/>
-            <a:ext cx="657483" cy="762001"/>
-          </a:xfrm>
-          <a:prstGeom prst="rect">
-            <a:avLst/>
-          </a:prstGeom>
-          <a:ln w="12700">
-            <a:miter lim="400000"/>
-            <a:headEnd/>
-            <a:tailEnd/>
-          </a:ln>
-        </p:spPr>
-      </p:pic>
-      <p:pic>
-        <p:nvPicPr>
-          <p:cNvPr id="262" name="Image" descr="Image"/>
-          <p:cNvPicPr>
-            <a:picLocks noChangeAspect="1"/>
-          </p:cNvPicPr>
-          <p:nvPr/>
-        </p:nvPicPr>
-        <p:blipFill>
-          <a:blip r:embed="rId6"/>
-          <a:stretch>
-            <a:fillRect/>
-          </a:stretch>
-        </p:blipFill>
-        <p:spPr>
-          <a:xfrm>
-            <a:off x="7393841" y="7960462"/>
+            <a:off x="35461" y="5968467"/>
             <a:ext cx="448425" cy="448544"/>
           </a:xfrm>
           <a:prstGeom prst="rect">
@@ -8157,7 +5703,7 @@
         </p:nvGrpSpPr>
         <p:grpSpPr>
           <a:xfrm>
-            <a:off x="9616599" y="7962483"/>
+            <a:off x="2346484" y="5920323"/>
             <a:ext cx="444501" cy="444501"/>
             <a:chOff x="0" y="0"/>
             <a:chExt cx="444500" cy="444500"/>
@@ -8953,7 +6499,7 @@
         </p:nvGrpSpPr>
         <p:grpSpPr>
           <a:xfrm>
-            <a:off x="9059438" y="7960461"/>
+            <a:off x="1739158" y="5887821"/>
             <a:ext cx="448425" cy="448545"/>
             <a:chOff x="0" y="0"/>
             <a:chExt cx="448424" cy="448544"/>
@@ -8968,7 +6514,7 @@
             <p:nvPr/>
           </p:nvPicPr>
           <p:blipFill>
-            <a:blip r:embed="rId6"/>
+            <a:blip r:embed="rId2"/>
             <a:stretch>
               <a:fillRect/>
             </a:stretch>
@@ -9179,7 +6725,7 @@
         </p:nvGrpSpPr>
         <p:grpSpPr>
           <a:xfrm>
-            <a:off x="7949040" y="7960462"/>
+            <a:off x="553830" y="5962117"/>
             <a:ext cx="448425" cy="448544"/>
             <a:chOff x="0" y="0"/>
             <a:chExt cx="448424" cy="448543"/>
@@ -9194,7 +6740,7 @@
             <p:nvPr/>
           </p:nvPicPr>
           <p:blipFill>
-            <a:blip r:embed="rId6"/>
+            <a:blip r:embed="rId2"/>
             <a:stretch>
               <a:fillRect/>
             </a:stretch>
@@ -9358,7 +6904,7 @@
         </p:nvGrpSpPr>
         <p:grpSpPr>
           <a:xfrm>
-            <a:off x="8504239" y="7960462"/>
+            <a:off x="1134429" y="5883377"/>
             <a:ext cx="448425" cy="448544"/>
             <a:chOff x="0" y="0"/>
             <a:chExt cx="448424" cy="448543"/>
@@ -9373,7 +6919,7 @@
             <p:nvPr/>
           </p:nvPicPr>
           <p:blipFill>
-            <a:blip r:embed="rId6"/>
+            <a:blip r:embed="rId2"/>
             <a:stretch>
               <a:fillRect/>
             </a:stretch>
@@ -9547,39 +7093,15 @@
           <p:nvPr/>
         </p:nvPicPr>
         <p:blipFill>
-          <a:blip r:embed="rId7"/>
+          <a:blip r:embed="rId3"/>
           <a:stretch>
             <a:fillRect/>
           </a:stretch>
         </p:blipFill>
         <p:spPr>
           <a:xfrm>
-            <a:off x="12392025" y="145415"/>
+            <a:off x="12392025" y="73660"/>
             <a:ext cx="1443990" cy="1597025"/>
-          </a:xfrm>
-          <a:prstGeom prst="rect">
-            <a:avLst/>
-          </a:prstGeom>
-        </p:spPr>
-      </p:pic>
-      <p:pic>
-        <p:nvPicPr>
-          <p:cNvPr id="3" name="Picture 2"/>
-          <p:cNvPicPr>
-            <a:picLocks noChangeAspect="1"/>
-          </p:cNvPicPr>
-          <p:nvPr/>
-        </p:nvPicPr>
-        <p:blipFill>
-          <a:blip r:embed="rId8"/>
-          <a:stretch>
-            <a:fillRect/>
-          </a:stretch>
-        </p:blipFill>
-        <p:spPr>
-          <a:xfrm>
-            <a:off x="7197725" y="5650865"/>
-            <a:ext cx="2863215" cy="1667510"/>
           </a:xfrm>
           <a:prstGeom prst="rect">
             <a:avLst/>
@@ -9708,15 +7230,15 @@
           <p:nvPr/>
         </p:nvPicPr>
         <p:blipFill>
-          <a:blip r:embed="rId9"/>
+          <a:blip r:embed="rId4"/>
           <a:stretch>
             <a:fillRect/>
           </a:stretch>
         </p:blipFill>
         <p:spPr>
           <a:xfrm>
-            <a:off x="107315" y="9782810"/>
-            <a:ext cx="1223645" cy="938530"/>
+            <a:off x="41275" y="10124440"/>
+            <a:ext cx="861060" cy="660400"/>
           </a:xfrm>
           <a:prstGeom prst="rect">
             <a:avLst/>
@@ -9930,7 +7452,7 @@
               <a:buNone/>
             </a:pPr>
             <a:r>
-              <a:rPr kumimoji="0" lang="" altLang="en-US" sz="2000" b="0" i="0" u="none" strike="noStrike" cap="none" spc="0" normalizeH="0" baseline="0">
+              <a:rPr kumimoji="0" lang="en-US" altLang="en-US" sz="2000" b="0" i="0" u="none" strike="noStrike" cap="none" spc="0" normalizeH="0" baseline="0">
                 <a:ln>
                   <a:noFill/>
                 </a:ln>
@@ -9949,7 +7471,7 @@
               <a:t>Functions no spatial</a:t>
             </a:r>
             <a:r>
-              <a:rPr kumimoji="0" lang="" altLang="en-US" sz="1400" b="1" i="0" u="none" strike="noStrike" cap="none" spc="0" normalizeH="0" baseline="0">
+              <a:rPr kumimoji="0" lang="en-US" altLang="en-US" sz="1400" b="1" i="0" u="none" strike="noStrike" cap="none" spc="0" normalizeH="0" baseline="0">
                 <a:ln>
                   <a:noFill/>
                 </a:ln>
@@ -9967,7 +7489,7 @@
               </a:rPr>
               <a:t> </a:t>
             </a:r>
-            <a:endParaRPr kumimoji="0" lang="" altLang="en-US" sz="1400" b="1" i="0" u="none" strike="noStrike" cap="none" spc="0" normalizeH="0" baseline="0">
+            <a:endParaRPr kumimoji="0" lang="en-US" altLang="en-US" sz="1400" b="1" i="0" u="none" strike="noStrike" cap="none" spc="0" normalizeH="0" baseline="0">
               <a:ln>
                 <a:noFill/>
               </a:ln>
@@ -10570,7 +8092,7 @@
         </p:nvSpPr>
         <p:spPr>
           <a:xfrm>
-            <a:off x="41275" y="2200910"/>
+            <a:off x="41275" y="2272665"/>
             <a:ext cx="1449705" cy="353695"/>
           </a:xfrm>
           <a:prstGeom prst="rect">
@@ -10637,27 +8159,10 @@
                 <a:cs typeface="Fira Code" panose="020B0609050000020004" charset="0"/>
                 <a:sym typeface="Source Sans Pro"/>
               </a:rPr>
-              <a:t>String</a:t>
-            </a:r>
-            <a:r>
-              <a:rPr kumimoji="0" lang="" altLang="en-US" sz="1400" b="1" i="0" u="none" strike="noStrike" cap="none" spc="0" normalizeH="0" baseline="0">
-                <a:ln>
-                  <a:noFill/>
-                </a:ln>
-                <a:solidFill>
-                  <a:srgbClr val="00B050"/>
-                </a:solidFill>
-                <a:effectLst/>
-                <a:uFillTx/>
-                <a:latin typeface="Fira Code" panose="020B0609050000020004" charset="0"/>
-                <a:ea typeface="Source Sans Pro"/>
-                <a:cs typeface="Fira Code" panose="020B0609050000020004" charset="0"/>
-                <a:sym typeface="Source Sans Pro"/>
-              </a:rPr>
-              <a:t>s</a:t>
-            </a:r>
-            <a:r>
-              <a:rPr kumimoji="0" lang="" altLang="en-US" sz="1600" b="1" i="0" u="none" strike="noStrike" cap="none" spc="0" normalizeH="0" baseline="0">
+              <a:t>Strings</a:t>
+            </a:r>
+            <a:r>
+              <a:rPr kumimoji="0" lang="en-US" altLang="en-US" sz="1600" b="1" i="0" u="none" strike="noStrike" cap="none" spc="0" normalizeH="0" baseline="0">
                 <a:ln>
                   <a:noFill/>
                 </a:ln>
@@ -10673,7 +8178,7 @@
               </a:rPr>
               <a:t> </a:t>
             </a:r>
-            <a:endParaRPr kumimoji="0" lang="" altLang="en-US" sz="1300" i="0" u="none" strike="noStrike" cap="none" spc="0" normalizeH="0" baseline="0">
+            <a:endParaRPr kumimoji="0" lang="en-US" altLang="en-US" sz="1300" i="0" u="none" strike="noStrike" cap="none" spc="0" normalizeH="0" baseline="0">
               <a:ln>
                 <a:noFill/>
               </a:ln>
@@ -10700,7 +8205,7 @@
         </p:nvSpPr>
         <p:spPr>
           <a:xfrm>
-            <a:off x="35560" y="2806065"/>
+            <a:off x="35560" y="2590800"/>
             <a:ext cx="1007110" cy="353695"/>
           </a:xfrm>
           <a:prstGeom prst="rect">
@@ -10754,7 +8259,7 @@
               <a:buNone/>
             </a:pPr>
             <a:r>
-              <a:rPr kumimoji="0" lang="" altLang="en-US" sz="1400" b="1" i="0" u="none" strike="noStrike" cap="none" spc="0" normalizeH="0" baseline="0">
+              <a:rPr kumimoji="0" lang="en-US" altLang="en-US" sz="1400" b="1" i="0" u="none" strike="noStrike" cap="none" spc="0" normalizeH="0" baseline="0">
                 <a:ln>
                   <a:noFill/>
                 </a:ln>
@@ -10771,7 +8276,7 @@
               <a:t>Numbers</a:t>
             </a:r>
             <a:r>
-              <a:rPr kumimoji="0" lang="" altLang="en-US" sz="1600" b="1" i="0" u="none" strike="noStrike" cap="none" spc="0" normalizeH="0" baseline="0">
+              <a:rPr kumimoji="0" lang="en-US" altLang="en-US" sz="1600" b="1" i="0" u="none" strike="noStrike" cap="none" spc="0" normalizeH="0" baseline="0">
                 <a:ln>
                   <a:noFill/>
                 </a:ln>
@@ -10814,7 +8319,7 @@
         </p:nvSpPr>
         <p:spPr>
           <a:xfrm>
-            <a:off x="11430" y="4049395"/>
+            <a:off x="41275" y="3296920"/>
             <a:ext cx="1546225" cy="323215"/>
           </a:xfrm>
           <a:prstGeom prst="rect">
@@ -10868,7 +8373,7 @@
               <a:buNone/>
             </a:pPr>
             <a:r>
-              <a:rPr kumimoji="0" lang="" altLang="en-US" sz="1400" b="1" i="0" u="none" strike="noStrike" cap="none" spc="0" normalizeH="0" baseline="0">
+              <a:rPr kumimoji="0" lang="en-US" altLang="en-US" sz="1400" b="1" i="0" u="none" strike="noStrike" cap="none" spc="0" normalizeH="0" baseline="0">
                 <a:ln>
                   <a:noFill/>
                 </a:ln>
@@ -10911,7 +8416,7 @@
         </p:nvSpPr>
         <p:spPr>
           <a:xfrm>
-            <a:off x="11430" y="3355340"/>
+            <a:off x="35560" y="2912110"/>
             <a:ext cx="747395" cy="384810"/>
           </a:xfrm>
           <a:prstGeom prst="rect">
@@ -10965,7 +8470,7 @@
               <a:buNone/>
             </a:pPr>
             <a:r>
-              <a:rPr kumimoji="0" lang="" altLang="en-US" sz="1400" b="1" i="0" u="none" strike="noStrike" cap="none" spc="0" normalizeH="0" baseline="0">
+              <a:rPr kumimoji="0" lang="en-US" altLang="en-US" sz="1400" b="1" i="0" u="none" strike="noStrike" cap="none" spc="0" normalizeH="0" baseline="0">
                 <a:ln>
                   <a:noFill/>
                 </a:ln>
@@ -11027,7 +8532,7 @@
         </p:nvSpPr>
         <p:spPr>
           <a:xfrm>
-            <a:off x="41275" y="4777740"/>
+            <a:off x="41275" y="3596640"/>
             <a:ext cx="748030" cy="323215"/>
           </a:xfrm>
           <a:prstGeom prst="rect">
@@ -11095,24 +8600,7 @@
                 <a:cs typeface="Fira Code" panose="020B0609050000020004" charset="0"/>
                 <a:sym typeface="Source Sans Pro"/>
               </a:rPr>
-              <a:t>D</a:t>
-            </a:r>
-            <a:r>
-              <a:rPr kumimoji="0" lang="" altLang="en-US" sz="1400" b="1" i="0" u="none" strike="noStrike" cap="none" spc="0" normalizeH="0" baseline="0">
-                <a:ln>
-                  <a:noFill/>
-                </a:ln>
-                <a:solidFill>
-                  <a:srgbClr val="00B050"/>
-                </a:solidFill>
-                <a:effectLst/>
-                <a:uFillTx/>
-                <a:latin typeface="Fira Code" panose="020B0609050000020004" charset="0"/>
-                <a:ea typeface="Source Sans Pro"/>
-                <a:cs typeface="Fira Code" panose="020B0609050000020004" charset="0"/>
-                <a:sym typeface="Source Sans Pro"/>
-              </a:rPr>
-              <a:t>ates</a:t>
+              <a:t>Dates</a:t>
             </a:r>
             <a:endParaRPr kumimoji="0" lang="en-US" altLang="en-US" sz="1300" i="0" u="none" strike="noStrike" cap="none" spc="0" normalizeH="0" baseline="0">
               <a:ln>
@@ -11141,8 +8629,105 @@
         </p:nvSpPr>
         <p:spPr>
           <a:xfrm>
-            <a:off x="41275" y="2442210"/>
-            <a:ext cx="2393950" cy="292100"/>
+            <a:off x="1631315" y="2334260"/>
+            <a:ext cx="1449705" cy="292100"/>
+          </a:xfrm>
+          <a:prstGeom prst="rect">
+            <a:avLst/>
+          </a:prstGeom>
+          <a:noFill/>
+          <a:ln w="12700" cap="flat">
+            <a:noFill/>
+            <a:miter lim="400000"/>
+          </a:ln>
+        </p:spPr>
+        <p:style>
+          <a:lnRef idx="0">
+            <a:srgbClr val="FFFFFF"/>
+          </a:lnRef>
+          <a:fillRef idx="0">
+            <a:srgbClr val="FFFFFF"/>
+          </a:fillRef>
+          <a:effectRef idx="0">
+            <a:srgbClr val="FFFFFF"/>
+          </a:effectRef>
+          <a:fontRef idx="none"/>
+        </p:style>
+        <p:txBody>
+          <a:bodyPr rot="0" vertOverflow="overflow" horzOverflow="overflow" vert="horz" wrap="square" lIns="54570" tIns="54570" rIns="54570" bIns="54570" numCol="1" spcCol="38100" rtlCol="0" anchor="t" forceAA="0" upright="0">
+            <a:spAutoFit/>
+          </a:bodyPr>
+          <a:p>
+            <a:pPr marL="0" marR="0" indent="0" algn="l" defTabSz="584200" rtl="0" fontAlgn="auto" latinLnBrk="0" hangingPunct="0">
+              <a:lnSpc>
+                <a:spcPct val="100000"/>
+              </a:lnSpc>
+              <a:spcBef>
+                <a:spcPts val="200"/>
+              </a:spcBef>
+              <a:spcAft>
+                <a:spcPts val="0"/>
+              </a:spcAft>
+              <a:buClrTx/>
+              <a:buSzTx/>
+              <a:buFontTx/>
+              <a:buNone/>
+            </a:pPr>
+            <a:r>
+              <a:rPr lang="en-US" altLang="en-US">
+                <a:solidFill>
+                  <a:schemeClr val="tx1">
+                    <a:lumMod val="50000"/>
+                  </a:schemeClr>
+                </a:solidFill>
+                <a:latin typeface="Fira Code" panose="020B0609050000020004" charset="0"/>
+                <a:cs typeface="Fira Code" panose="020B0609050000020004" charset="0"/>
+                <a:sym typeface="Source Sans Pro"/>
+              </a:rPr>
+              <a:t>ee$String()</a:t>
+            </a:r>
+            <a:r>
+              <a:rPr lang="" altLang="en-US">
+                <a:solidFill>
+                  <a:schemeClr val="tx1">
+                    <a:lumMod val="50000"/>
+                  </a:schemeClr>
+                </a:solidFill>
+                <a:latin typeface="Fira Code" panose="020B0609050000020004" charset="0"/>
+                <a:cs typeface="Fira Code" panose="020B0609050000020004" charset="0"/>
+                <a:sym typeface="Source Sans Pro"/>
+              </a:rPr>
+              <a:t>*</a:t>
+            </a:r>
+            <a:endParaRPr kumimoji="0" lang="" altLang="en-US" sz="1200" b="1" i="0" u="none" strike="noStrike" cap="none" spc="0" normalizeH="0" baseline="0">
+              <a:ln>
+                <a:noFill/>
+              </a:ln>
+              <a:solidFill>
+                <a:schemeClr val="tx1">
+                  <a:lumMod val="50000"/>
+                </a:schemeClr>
+              </a:solidFill>
+              <a:effectLst/>
+              <a:uFillTx/>
+              <a:latin typeface="Fira Code" panose="020B0609050000020004" charset="0"/>
+              <a:ea typeface="Source Sans Pro"/>
+              <a:cs typeface="Fira Code" panose="020B0609050000020004" charset="0"/>
+              <a:sym typeface="Source Sans Pro"/>
+            </a:endParaRPr>
+          </a:p>
+        </p:txBody>
+      </p:sp>
+      <p:sp>
+        <p:nvSpPr>
+          <p:cNvPr id="96" name="Text Box 95"/>
+          <p:cNvSpPr txBox="1"/>
+          <p:nvPr/>
+        </p:nvSpPr>
+        <p:spPr>
+          <a:xfrm>
+            <a:off x="1614170" y="2620010"/>
+            <a:ext cx="1205230" cy="292100"/>
           </a:xfrm>
           <a:prstGeom prst="rect">
             <a:avLst/>
@@ -11196,21 +8781,10 @@
                 <a:cs typeface="Fira Code" panose="020B0609050000020004" charset="0"/>
                 <a:sym typeface="Source Sans Pro"/>
               </a:rPr>
-              <a:t>ee$String(</a:t>
-            </a:r>
-            <a:r>
-              <a:rPr lang="en-US" altLang="en-US" b="0">
-                <a:solidFill>
-                  <a:srgbClr val="0070C0"/>
-                </a:solidFill>
-                <a:latin typeface="Fira Code" panose="020B0609050000020004" charset="0"/>
-                <a:cs typeface="Fira Code" panose="020B0609050000020004" charset="0"/>
-                <a:sym typeface="Source Sans Pro"/>
-              </a:rPr>
-              <a:t>'Hello world!'</a:t>
-            </a:r>
-            <a:r>
-              <a:rPr lang="en-US" altLang="en-US">
+              <a:t>ee$Number()</a:t>
+            </a:r>
+            <a:r>
+              <a:rPr lang="" altLang="en-US">
                 <a:solidFill>
                   <a:schemeClr val="tx1">
                     <a:lumMod val="50000"/>
@@ -11220,20 +8794,22 @@
                 <a:cs typeface="Fira Code" panose="020B0609050000020004" charset="0"/>
                 <a:sym typeface="Source Sans Pro"/>
               </a:rPr>
-              <a:t>)</a:t>
-            </a:r>
-            <a:endParaRPr kumimoji="0" lang="en-US" sz="1200" b="1" i="0" u="none" strike="noStrike" cap="none" spc="0" normalizeH="0" baseline="0">
+              <a:t>*</a:t>
+            </a:r>
+            <a:endParaRPr kumimoji="0" lang="" altLang="en-US" sz="1200" b="1" i="0" u="none" strike="noStrike" cap="none" spc="0" normalizeH="0" baseline="0">
               <a:ln>
                 <a:noFill/>
               </a:ln>
               <a:solidFill>
-                <a:srgbClr val="4C4C4C"/>
+                <a:schemeClr val="tx1">
+                  <a:lumMod val="50000"/>
+                </a:schemeClr>
               </a:solidFill>
               <a:effectLst/>
               <a:uFillTx/>
-              <a:latin typeface="Source Sans Pro"/>
+              <a:latin typeface="Fira Code" panose="020B0609050000020004" charset="0"/>
               <a:ea typeface="Source Sans Pro"/>
-              <a:cs typeface="Source Sans Pro"/>
+              <a:cs typeface="Fira Code" panose="020B0609050000020004" charset="0"/>
               <a:sym typeface="Source Sans Pro"/>
             </a:endParaRPr>
           </a:p>
@@ -11241,14 +8817,14 @@
       </p:sp>
       <p:sp>
         <p:nvSpPr>
-          <p:cNvPr id="96" name="Text Box 95"/>
+          <p:cNvPr id="97" name="Text Box 96"/>
           <p:cNvSpPr txBox="1"/>
           <p:nvPr/>
         </p:nvSpPr>
         <p:spPr>
           <a:xfrm>
-            <a:off x="35560" y="3050540"/>
-            <a:ext cx="1296670" cy="292100"/>
+            <a:off x="1619885" y="2983865"/>
+            <a:ext cx="1022350" cy="292100"/>
           </a:xfrm>
           <a:prstGeom prst="rect">
             <a:avLst/>
@@ -11302,10 +8878,10 @@
                 <a:cs typeface="Fira Code" panose="020B0609050000020004" charset="0"/>
                 <a:sym typeface="Source Sans Pro"/>
               </a:rPr>
-              <a:t>ee$Number(</a:t>
-            </a:r>
-            <a:r>
-              <a:rPr lang="en-US" altLang="en-US" b="0">
+              <a:t>ee$List(</a:t>
+            </a:r>
+            <a:r>
+              <a:rPr lang="" altLang="en-US">
                 <a:solidFill>
                   <a:schemeClr val="tx1">
                     <a:lumMod val="50000"/>
@@ -11315,33 +8891,22 @@
                 <a:cs typeface="Fira Code" panose="020B0609050000020004" charset="0"/>
                 <a:sym typeface="Source Sans Pro"/>
               </a:rPr>
-              <a:t>pi</a:t>
-            </a:r>
-            <a:r>
-              <a:rPr lang="en-US" altLang="en-US">
-                <a:solidFill>
-                  <a:schemeClr val="tx1">
-                    <a:lumMod val="50000"/>
-                  </a:schemeClr>
-                </a:solidFill>
-                <a:latin typeface="Fira Code" panose="020B0609050000020004" charset="0"/>
-                <a:cs typeface="Fira Code" panose="020B0609050000020004" charset="0"/>
-                <a:sym typeface="Source Sans Pro"/>
-              </a:rPr>
-              <a:t>)</a:t>
-            </a:r>
-            <a:endParaRPr kumimoji="0" lang="en-US" sz="1200" b="1" i="0" u="none" strike="noStrike" cap="none" spc="0" normalizeH="0" baseline="0">
+              <a:t>)*</a:t>
+            </a:r>
+            <a:endParaRPr kumimoji="0" lang="" altLang="en-US" sz="1200" b="1" i="0" u="none" strike="noStrike" cap="none" spc="0" normalizeH="0" baseline="0">
               <a:ln>
                 <a:noFill/>
               </a:ln>
               <a:solidFill>
-                <a:srgbClr val="4C4C4C"/>
+                <a:schemeClr val="tx1">
+                  <a:lumMod val="50000"/>
+                </a:schemeClr>
               </a:solidFill>
               <a:effectLst/>
               <a:uFillTx/>
-              <a:latin typeface="Source Sans Pro"/>
+              <a:latin typeface="Fira Code" panose="020B0609050000020004" charset="0"/>
               <a:ea typeface="Source Sans Pro"/>
-              <a:cs typeface="Source Sans Pro"/>
+              <a:cs typeface="Fira Code" panose="020B0609050000020004" charset="0"/>
               <a:sym typeface="Source Sans Pro"/>
             </a:endParaRPr>
           </a:p>
@@ -11349,14 +8914,14 @@
       </p:sp>
       <p:sp>
         <p:nvSpPr>
-          <p:cNvPr id="97" name="Text Box 96"/>
+          <p:cNvPr id="99" name="Text Box 98"/>
           <p:cNvSpPr txBox="1"/>
           <p:nvPr/>
         </p:nvSpPr>
         <p:spPr>
           <a:xfrm>
-            <a:off x="41275" y="3685540"/>
-            <a:ext cx="3491230" cy="292100"/>
+            <a:off x="1601470" y="3291205"/>
+            <a:ext cx="1570990" cy="292100"/>
           </a:xfrm>
           <a:prstGeom prst="rect">
             <a:avLst/>
@@ -11400,91 +8965,57 @@
               <a:buNone/>
             </a:pPr>
             <a:r>
-              <a:rPr lang="en-US" altLang="en-US">
+              <a:rPr kumimoji="0" lang="en-US" sz="1200" b="1" i="0" u="none" strike="noStrike" cap="none" spc="0" normalizeH="0" baseline="0">
+                <a:ln>
+                  <a:noFill/>
+                </a:ln>
                 <a:solidFill>
                   <a:schemeClr val="tx1">
                     <a:lumMod val="50000"/>
                   </a:schemeClr>
                 </a:solidFill>
+                <a:effectLst/>
+                <a:uFillTx/>
                 <a:latin typeface="Fira Code" panose="020B0609050000020004" charset="0"/>
+                <a:ea typeface="Source Sans Pro"/>
                 <a:cs typeface="Fira Code" panose="020B0609050000020004" charset="0"/>
                 <a:sym typeface="Source Sans Pro"/>
               </a:rPr>
-              <a:t>ee$List(</a:t>
-            </a:r>
-            <a:r>
-              <a:rPr lang="" altLang="en-US">
+              <a:t>ee$Dictionary(</a:t>
+            </a:r>
+            <a:r>
+              <a:rPr kumimoji="0" lang="" altLang="en-US" sz="1200" b="1" i="0" u="none" strike="noStrike" cap="none" spc="0" normalizeH="0" baseline="0">
+                <a:ln>
+                  <a:noFill/>
+                </a:ln>
                 <a:solidFill>
                   <a:schemeClr val="tx1">
                     <a:lumMod val="50000"/>
                   </a:schemeClr>
                 </a:solidFill>
+                <a:effectLst/>
+                <a:uFillTx/>
                 <a:latin typeface="Fira Code" panose="020B0609050000020004" charset="0"/>
+                <a:ea typeface="Source Sans Pro"/>
                 <a:cs typeface="Fira Code" panose="020B0609050000020004" charset="0"/>
                 <a:sym typeface="Source Sans Pro"/>
               </a:rPr>
-              <a:t>list(</a:t>
-            </a:r>
-            <a:r>
-              <a:rPr lang="" altLang="en-US" b="0">
-                <a:solidFill>
-                  <a:srgbClr val="0070C0"/>
-                </a:solidFill>
-                <a:latin typeface="Fira Code" panose="020B0609050000020004" charset="0"/>
-                <a:cs typeface="Fira Code" panose="020B0609050000020004" charset="0"/>
-                <a:sym typeface="Source Sans Pro"/>
-              </a:rPr>
-              <a:t>pi,'Hello world!',</a:t>
-            </a:r>
-            <a:r>
-              <a:rPr lang="" altLang="en-US" b="0">
-                <a:solidFill>
-                  <a:srgbClr val="FF0000"/>
-                </a:solidFill>
-                <a:latin typeface="Fira Code" panose="020B0609050000020004" charset="0"/>
-                <a:cs typeface="Fira Code" panose="020B0609050000020004" charset="0"/>
-                <a:sym typeface="Source Sans Pro"/>
-              </a:rPr>
-              <a:t>TRUE</a:t>
-            </a:r>
-            <a:r>
-              <a:rPr lang="" altLang="en-US">
-                <a:solidFill>
-                  <a:schemeClr val="tx1">
-                    <a:lumMod val="50000"/>
-                  </a:schemeClr>
-                </a:solidFill>
-                <a:latin typeface="Fira Code" panose="020B0609050000020004" charset="0"/>
-                <a:cs typeface="Fira Code" panose="020B0609050000020004" charset="0"/>
-                <a:sym typeface="Source Sans Pro"/>
-              </a:rPr>
-              <a:t>)</a:t>
-            </a:r>
-            <a:r>
-              <a:rPr lang="en-US" altLang="en-US">
-                <a:solidFill>
-                  <a:schemeClr val="tx1">
-                    <a:lumMod val="50000"/>
-                  </a:schemeClr>
-                </a:solidFill>
-                <a:latin typeface="Fira Code" panose="020B0609050000020004" charset="0"/>
-                <a:cs typeface="Fira Code" panose="020B0609050000020004" charset="0"/>
-                <a:sym typeface="Source Sans Pro"/>
-              </a:rPr>
-              <a:t>)</a:t>
-            </a:r>
-            <a:endParaRPr kumimoji="0" lang="en-US" sz="1200" b="1" i="0" u="none" strike="noStrike" cap="none" spc="0" normalizeH="0" baseline="0">
+              <a:t>)*</a:t>
+            </a:r>
+            <a:endParaRPr kumimoji="0" lang="" altLang="en-US" sz="1200" b="1" i="0" u="none" strike="noStrike" cap="none" spc="0" normalizeH="0" baseline="0">
               <a:ln>
                 <a:noFill/>
               </a:ln>
               <a:solidFill>
-                <a:srgbClr val="4C4C4C"/>
+                <a:schemeClr val="tx1">
+                  <a:lumMod val="50000"/>
+                </a:schemeClr>
               </a:solidFill>
               <a:effectLst/>
               <a:uFillTx/>
-              <a:latin typeface="Source Sans Pro"/>
+              <a:latin typeface="Fira Code" panose="020B0609050000020004" charset="0"/>
               <a:ea typeface="Source Sans Pro"/>
-              <a:cs typeface="Source Sans Pro"/>
+              <a:cs typeface="Fira Code" panose="020B0609050000020004" charset="0"/>
               <a:sym typeface="Source Sans Pro"/>
             </a:endParaRPr>
           </a:p>
@@ -11492,14 +9023,14 @@
       </p:sp>
       <p:sp>
         <p:nvSpPr>
-          <p:cNvPr id="99" name="Text Box 98"/>
+          <p:cNvPr id="100" name="Text Box 99"/>
           <p:cNvSpPr txBox="1"/>
           <p:nvPr/>
         </p:nvSpPr>
         <p:spPr>
           <a:xfrm>
-            <a:off x="35560" y="4279900"/>
-            <a:ext cx="3308350" cy="713105"/>
+            <a:off x="1631315" y="3620135"/>
+            <a:ext cx="1022350" cy="292100"/>
           </a:xfrm>
           <a:prstGeom prst="rect">
             <a:avLst/>
@@ -11543,157 +9074,32 @@
               <a:buNone/>
             </a:pPr>
             <a:r>
-              <a:rPr kumimoji="0" lang="en-US" sz="1200" b="1" i="0" u="none" strike="noStrike" cap="none" spc="0" normalizeH="0" baseline="0">
-                <a:ln>
-                  <a:noFill/>
-                </a:ln>
+              <a:rPr lang="en-US" altLang="en-US">
                 <a:solidFill>
                   <a:schemeClr val="tx1">
                     <a:lumMod val="50000"/>
                   </a:schemeClr>
                 </a:solidFill>
-                <a:effectLst/>
-                <a:uFillTx/>
                 <a:latin typeface="Fira Code" panose="020B0609050000020004" charset="0"/>
-                <a:ea typeface="Source Sans Pro"/>
                 <a:cs typeface="Fira Code" panose="020B0609050000020004" charset="0"/>
                 <a:sym typeface="Source Sans Pro"/>
               </a:rPr>
-              <a:t>ee$Dictionary(list(</a:t>
-            </a:r>
-            <a:r>
-              <a:rPr kumimoji="0" lang="en-US" sz="1200" b="0" i="0" u="none" strike="noStrike" cap="none" spc="0" normalizeH="0" baseline="0">
-                <a:ln>
-                  <a:noFill/>
-                </a:ln>
-                <a:solidFill>
-                  <a:srgbClr val="0070C0"/>
-                </a:solidFill>
-                <a:effectLst/>
-                <a:uFillTx/>
-                <a:latin typeface="Fira Code" panose="020B0609050000020004" charset="0"/>
-                <a:ea typeface="Source Sans Pro"/>
-                <a:cs typeface="Fira Code" panose="020B0609050000020004" charset="0"/>
-                <a:sym typeface="Source Sans Pro"/>
-              </a:rPr>
-              <a:t>name = 'antony',</a:t>
-            </a:r>
-            <a:endParaRPr kumimoji="0" lang="en-US" sz="1200" b="0" i="0" u="none" strike="noStrike" cap="none" spc="0" normalizeH="0" baseline="0">
-              <a:ln>
-                <a:noFill/>
-              </a:ln>
-              <a:solidFill>
-                <a:srgbClr val="0070C0"/>
-              </a:solidFill>
-              <a:effectLst/>
-              <a:uFillTx/>
-              <a:latin typeface="Fira Code" panose="020B0609050000020004" charset="0"/>
-              <a:ea typeface="Source Sans Pro"/>
-              <a:cs typeface="Fira Code" panose="020B0609050000020004" charset="0"/>
-              <a:sym typeface="Source Sans Pro"/>
-            </a:endParaRPr>
-          </a:p>
-          <a:p>
-            <a:pPr marL="0" marR="0" indent="0" algn="l" defTabSz="584200" rtl="0" fontAlgn="auto" latinLnBrk="0" hangingPunct="0">
-              <a:lnSpc>
-                <a:spcPct val="100000"/>
-              </a:lnSpc>
-              <a:spcBef>
-                <a:spcPts val="200"/>
-              </a:spcBef>
-              <a:spcAft>
-                <a:spcPts val="0"/>
-              </a:spcAft>
-              <a:buClrTx/>
-              <a:buSzTx/>
-              <a:buFontTx/>
-              <a:buNone/>
-            </a:pPr>
-            <a:r>
-              <a:rPr kumimoji="0" lang="en-US" sz="1200" b="0" i="0" u="none" strike="noStrike" cap="none" spc="0" normalizeH="0" baseline="0">
-                <a:ln>
-                  <a:noFill/>
-                </a:ln>
-                <a:solidFill>
-                  <a:srgbClr val="0070C0"/>
-                </a:solidFill>
-                <a:effectLst/>
-                <a:uFillTx/>
-                <a:latin typeface="Fira Code" panose="020B0609050000020004" charset="0"/>
-                <a:ea typeface="Source Sans Pro"/>
-                <a:cs typeface="Fira Code" panose="020B0609050000020004" charset="0"/>
-                <a:sym typeface="Source Sans Pro"/>
-              </a:rPr>
-              <a:t>                   age = 15,</a:t>
-            </a:r>
-            <a:endParaRPr kumimoji="0" lang="en-US" sz="1200" b="0" i="0" u="none" strike="noStrike" cap="none" spc="0" normalizeH="0" baseline="0">
-              <a:ln>
-                <a:noFill/>
-              </a:ln>
-              <a:solidFill>
-                <a:srgbClr val="0070C0"/>
-              </a:solidFill>
-              <a:effectLst/>
-              <a:uFillTx/>
-              <a:latin typeface="Fira Code" panose="020B0609050000020004" charset="0"/>
-              <a:ea typeface="Source Sans Pro"/>
-              <a:cs typeface="Fira Code" panose="020B0609050000020004" charset="0"/>
-              <a:sym typeface="Source Sans Pro"/>
-            </a:endParaRPr>
-          </a:p>
-          <a:p>
-            <a:pPr marL="0" marR="0" indent="0" algn="l" defTabSz="584200" rtl="0" fontAlgn="auto" latinLnBrk="0" hangingPunct="0">
-              <a:lnSpc>
-                <a:spcPct val="100000"/>
-              </a:lnSpc>
-              <a:spcBef>
-                <a:spcPts val="200"/>
-              </a:spcBef>
-              <a:spcAft>
-                <a:spcPts val="0"/>
-              </a:spcAft>
-              <a:buClrTx/>
-              <a:buSzTx/>
-              <a:buFontTx/>
-              <a:buNone/>
-            </a:pPr>
-            <a:r>
-              <a:rPr kumimoji="0" lang="en-US" sz="1200" b="0" i="0" u="none" strike="noStrike" cap="none" spc="0" normalizeH="0" baseline="0">
-                <a:ln>
-                  <a:noFill/>
-                </a:ln>
-                <a:solidFill>
-                  <a:srgbClr val="0070C0"/>
-                </a:solidFill>
-                <a:effectLst/>
-                <a:uFillTx/>
-                <a:latin typeface="Fira Code" panose="020B0609050000020004" charset="0"/>
-                <a:ea typeface="Source Sans Pro"/>
-                <a:cs typeface="Fira Code" panose="020B0609050000020004" charset="0"/>
-                <a:sym typeface="Source Sans Pro"/>
-              </a:rPr>
-              <a:t>                   sex = 'M'</a:t>
-            </a:r>
-            <a:r>
-              <a:rPr kumimoji="0" lang="en-US" sz="1200" b="1" i="0" u="none" strike="noStrike" cap="none" spc="0" normalizeH="0" baseline="0">
-                <a:ln>
-                  <a:noFill/>
-                </a:ln>
+              <a:t>ee$Date()</a:t>
+            </a:r>
+            <a:r>
+              <a:rPr lang="" altLang="en-US">
                 <a:solidFill>
                   <a:schemeClr val="tx1">
                     <a:lumMod val="50000"/>
                   </a:schemeClr>
                 </a:solidFill>
-                <a:effectLst/>
-                <a:uFillTx/>
                 <a:latin typeface="Fira Code" panose="020B0609050000020004" charset="0"/>
-                <a:ea typeface="Source Sans Pro"/>
                 <a:cs typeface="Fira Code" panose="020B0609050000020004" charset="0"/>
                 <a:sym typeface="Source Sans Pro"/>
               </a:rPr>
-              <a:t>))</a:t>
-            </a:r>
-            <a:endParaRPr kumimoji="0" lang="en-US" sz="1200" b="1" i="0" u="none" strike="noStrike" cap="none" spc="0" normalizeH="0" baseline="0">
+              <a:t>*</a:t>
+            </a:r>
+            <a:endParaRPr kumimoji="0" lang="" altLang="en-US" sz="1200" b="1" i="0" u="none" strike="noStrike" cap="none" spc="0" normalizeH="0" baseline="0">
               <a:ln>
                 <a:noFill/>
               </a:ln>
@@ -11707,138 +9113,6 @@
               <a:latin typeface="Fira Code" panose="020B0609050000020004" charset="0"/>
               <a:ea typeface="Source Sans Pro"/>
               <a:cs typeface="Fira Code" panose="020B0609050000020004" charset="0"/>
-              <a:sym typeface="Source Sans Pro"/>
-            </a:endParaRPr>
-          </a:p>
-        </p:txBody>
-      </p:sp>
-      <p:sp>
-        <p:nvSpPr>
-          <p:cNvPr id="100" name="Text Box 99"/>
-          <p:cNvSpPr txBox="1"/>
-          <p:nvPr/>
-        </p:nvSpPr>
-        <p:spPr>
-          <a:xfrm>
-            <a:off x="41275" y="5032375"/>
-            <a:ext cx="2028190" cy="292100"/>
-          </a:xfrm>
-          <a:prstGeom prst="rect">
-            <a:avLst/>
-          </a:prstGeom>
-          <a:noFill/>
-          <a:ln w="12700" cap="flat">
-            <a:noFill/>
-            <a:miter lim="400000"/>
-          </a:ln>
-        </p:spPr>
-        <p:style>
-          <a:lnRef idx="0">
-            <a:srgbClr val="FFFFFF"/>
-          </a:lnRef>
-          <a:fillRef idx="0">
-            <a:srgbClr val="FFFFFF"/>
-          </a:fillRef>
-          <a:effectRef idx="0">
-            <a:srgbClr val="FFFFFF"/>
-          </a:effectRef>
-          <a:fontRef idx="none"/>
-        </p:style>
-        <p:txBody>
-          <a:bodyPr rot="0" vertOverflow="overflow" horzOverflow="overflow" vert="horz" wrap="none" lIns="54570" tIns="54570" rIns="54570" bIns="54570" numCol="1" spcCol="38100" rtlCol="0" anchor="t" forceAA="0" upright="0">
-            <a:spAutoFit/>
-          </a:bodyPr>
-          <a:p>
-            <a:pPr marL="0" marR="0" indent="0" algn="l" defTabSz="584200" rtl="0" fontAlgn="auto" latinLnBrk="0" hangingPunct="0">
-              <a:lnSpc>
-                <a:spcPct val="100000"/>
-              </a:lnSpc>
-              <a:spcBef>
-                <a:spcPts val="200"/>
-              </a:spcBef>
-              <a:spcAft>
-                <a:spcPts val="0"/>
-              </a:spcAft>
-              <a:buClrTx/>
-              <a:buSzTx/>
-              <a:buFontTx/>
-              <a:buNone/>
-            </a:pPr>
-            <a:r>
-              <a:rPr lang="en-US" altLang="en-US">
-                <a:solidFill>
-                  <a:schemeClr val="tx1">
-                    <a:lumMod val="50000"/>
-                  </a:schemeClr>
-                </a:solidFill>
-                <a:latin typeface="Fira Code" panose="020B0609050000020004" charset="0"/>
-                <a:cs typeface="Fira Code" panose="020B0609050000020004" charset="0"/>
-                <a:sym typeface="Source Sans Pro"/>
-              </a:rPr>
-              <a:t>ee$</a:t>
-            </a:r>
-            <a:r>
-              <a:rPr lang="" altLang="en-US">
-                <a:solidFill>
-                  <a:schemeClr val="tx1">
-                    <a:lumMod val="50000"/>
-                  </a:schemeClr>
-                </a:solidFill>
-                <a:latin typeface="Fira Code" panose="020B0609050000020004" charset="0"/>
-                <a:cs typeface="Fira Code" panose="020B0609050000020004" charset="0"/>
-                <a:sym typeface="Source Sans Pro"/>
-              </a:rPr>
-              <a:t>Date</a:t>
-            </a:r>
-            <a:r>
-              <a:rPr lang="en-US" altLang="en-US">
-                <a:solidFill>
-                  <a:schemeClr val="tx1">
-                    <a:lumMod val="50000"/>
-                  </a:schemeClr>
-                </a:solidFill>
-                <a:latin typeface="Fira Code" panose="020B0609050000020004" charset="0"/>
-                <a:cs typeface="Fira Code" panose="020B0609050000020004" charset="0"/>
-                <a:sym typeface="Source Sans Pro"/>
-              </a:rPr>
-              <a:t>(</a:t>
-            </a:r>
-            <a:r>
-              <a:rPr lang="en-US" altLang="en-US" b="0">
-                <a:solidFill>
-                  <a:srgbClr val="0070C0"/>
-                </a:solidFill>
-                <a:latin typeface="Fira Code" panose="020B0609050000020004" charset="0"/>
-                <a:cs typeface="Fira Code" panose="020B0609050000020004" charset="0"/>
-                <a:sym typeface="Source Sans Pro"/>
-              </a:rPr>
-              <a:t>'2020-02-02'</a:t>
-            </a:r>
-            <a:r>
-              <a:rPr lang="en-US" altLang="en-US">
-                <a:solidFill>
-                  <a:schemeClr val="tx1">
-                    <a:lumMod val="50000"/>
-                  </a:schemeClr>
-                </a:solidFill>
-                <a:latin typeface="Fira Code" panose="020B0609050000020004" charset="0"/>
-                <a:cs typeface="Fira Code" panose="020B0609050000020004" charset="0"/>
-                <a:sym typeface="Source Sans Pro"/>
-              </a:rPr>
-              <a:t>)</a:t>
-            </a:r>
-            <a:endParaRPr kumimoji="0" lang="en-US" sz="1200" b="1" i="0" u="none" strike="noStrike" cap="none" spc="0" normalizeH="0" baseline="0">
-              <a:ln>
-                <a:noFill/>
-              </a:ln>
-              <a:solidFill>
-                <a:srgbClr val="4C4C4C"/>
-              </a:solidFill>
-              <a:effectLst/>
-              <a:uFillTx/>
-              <a:latin typeface="Source Sans Pro"/>
-              <a:ea typeface="Source Sans Pro"/>
-              <a:cs typeface="Source Sans Pro"/>
               <a:sym typeface="Source Sans Pro"/>
             </a:endParaRPr>
           </a:p>
@@ -11980,25 +9254,6 @@
               <a:buNone/>
             </a:pPr>
             <a:r>
-              <a:rPr kumimoji="0" lang="" altLang="en-US" sz="2000" b="0" i="0" u="none" strike="noStrike" cap="none" spc="0" normalizeH="0" baseline="0">
-                <a:ln>
-                  <a:noFill/>
-                </a:ln>
-                <a:solidFill>
-                  <a:schemeClr val="tx1">
-                    <a:lumMod val="50000"/>
-                  </a:schemeClr>
-                </a:solidFill>
-                <a:effectLst/>
-                <a:uFillTx/>
-                <a:latin typeface="Uroob" panose="00000800000000000000" charset="0"/>
-                <a:ea typeface="Source Sans Pro"/>
-                <a:cs typeface="Uroob" panose="00000800000000000000" charset="0"/>
-                <a:sym typeface="Source Sans Pro"/>
-              </a:rPr>
-              <a:t>Basic</a:t>
-            </a:r>
-            <a:r>
               <a:rPr kumimoji="0" lang="en-US" altLang="en-US" sz="2000" b="0" i="0" u="none" strike="noStrike" cap="none" spc="0" normalizeH="0" baseline="0">
                 <a:ln>
                   <a:noFill/>
@@ -12015,26 +9270,7 @@
                 <a:cs typeface="Uroob" panose="00000800000000000000" charset="0"/>
                 <a:sym typeface="Source Sans Pro"/>
               </a:rPr>
-              <a:t> </a:t>
-            </a:r>
-            <a:r>
-              <a:rPr kumimoji="0" lang="" altLang="en-US" sz="2000" b="0" i="0" u="none" strike="noStrike" cap="none" spc="0" normalizeH="0" baseline="0">
-                <a:ln>
-                  <a:noFill/>
-                </a:ln>
-                <a:solidFill>
-                  <a:schemeClr val="tx1">
-                    <a:lumMod val="50000"/>
-                  </a:schemeClr>
-                </a:solidFill>
-                <a:effectLst/>
-                <a:uFillTx/>
-                <a:latin typeface="Uroob" panose="00000800000000000000" charset="0"/>
-                <a:ea typeface="Source Sans Pro"/>
-                <a:cs typeface="Uroob" panose="00000800000000000000" charset="0"/>
-                <a:sym typeface="Source Sans Pro"/>
-              </a:rPr>
-              <a:t>visualization parameters</a:t>
+              <a:t>Basic visualization parameters</a:t>
             </a:r>
             <a:r>
               <a:rPr kumimoji="0" lang="en-US" altLang="en-US" sz="1400" b="0" i="0" u="none" strike="noStrike" cap="none" spc="0" normalizeH="0" baseline="0">
@@ -12082,8 +9318,8 @@
         </p:nvSpPr>
         <p:spPr>
           <a:xfrm>
-            <a:off x="4445" y="5854700"/>
-            <a:ext cx="2983865" cy="1769745"/>
+            <a:off x="76200" y="6530975"/>
+            <a:ext cx="3012440" cy="1528445"/>
           </a:xfrm>
           <a:prstGeom prst="rect">
             <a:avLst/>
@@ -12127,7 +9363,7 @@
               <a:buNone/>
             </a:pPr>
             <a:r>
-              <a:rPr kumimoji="0" lang="" altLang="en-US" sz="1400" b="1" i="0" u="none" strike="noStrike" cap="none" spc="0" normalizeH="0" baseline="0">
+              <a:rPr kumimoji="0" lang="en-US" altLang="en-US" sz="1400" b="1" i="0" u="none" strike="noStrike" cap="none" spc="0" normalizeH="0" baseline="0">
                 <a:ln>
                   <a:noFill/>
                 </a:ln>
@@ -12143,9 +9379,9 @@
                 <a:cs typeface="Fira Code" panose="020B0609050000020004" charset="0"/>
                 <a:sym typeface="Source Sans Pro"/>
               </a:rPr>
-              <a:t>ee_map (eeobject   = ,</a:t>
-            </a:r>
-            <a:endParaRPr kumimoji="0" lang="" altLang="en-US" sz="1400" b="1" i="0" u="none" strike="noStrike" cap="none" spc="0" normalizeH="0" baseline="0">
+              <a:t>ee_map (eeobject    = ,</a:t>
+            </a:r>
+            <a:endParaRPr kumimoji="0" lang="en-US" altLang="en-US" sz="1400" b="1" i="0" u="none" strike="noStrike" cap="none" spc="0" normalizeH="0" baseline="0">
               <a:ln>
                 <a:noFill/>
               </a:ln>
@@ -12179,7 +9415,7 @@
               <a:buNone/>
             </a:pPr>
             <a:r>
-              <a:rPr kumimoji="0" lang="" altLang="en-US" sz="1400" b="1" i="0" u="none" strike="noStrike" cap="none" spc="0" normalizeH="0" baseline="0">
+              <a:rPr kumimoji="0" lang="en-US" altLang="en-US" sz="1400" b="1" i="0" u="none" strike="noStrike" cap="none" spc="0" normalizeH="0" baseline="0">
                 <a:ln>
                   <a:noFill/>
                 </a:ln>
@@ -12197,7 +9433,7 @@
               </a:rPr>
               <a:t>        vizparams   = ,</a:t>
             </a:r>
-            <a:endParaRPr kumimoji="0" lang="" altLang="en-US" sz="1400" b="1" i="0" u="none" strike="noStrike" cap="none" spc="0" normalizeH="0" baseline="0">
+            <a:endParaRPr kumimoji="0" lang="en-US" altLang="en-US" sz="1400" b="1" i="0" u="none" strike="noStrike" cap="none" spc="0" normalizeH="0" baseline="0">
               <a:ln>
                 <a:noFill/>
               </a:ln>
@@ -12231,7 +9467,7 @@
               <a:buNone/>
             </a:pPr>
             <a:r>
-              <a:rPr kumimoji="0" lang="" altLang="en-US" sz="1400" b="1" i="0" u="none" strike="noStrike" cap="none" spc="0" normalizeH="0" baseline="0">
+              <a:rPr kumimoji="0" lang="en-US" altLang="en-US" sz="1400" b="1" i="0" u="none" strike="noStrike" cap="none" spc="0" normalizeH="0" baseline="0">
                 <a:ln>
                   <a:noFill/>
                 </a:ln>
@@ -12249,7 +9485,7 @@
               </a:rPr>
               <a:t>        zoom_start  = ,</a:t>
             </a:r>
-            <a:endParaRPr kumimoji="0" lang="" altLang="en-US" sz="1400" b="1" i="0" u="none" strike="noStrike" cap="none" spc="0" normalizeH="0" baseline="0">
+            <a:endParaRPr kumimoji="0" lang="en-US" altLang="en-US" sz="1400" b="1" i="0" u="none" strike="noStrike" cap="none" spc="0" normalizeH="0" baseline="0">
               <a:ln>
                 <a:noFill/>
               </a:ln>
@@ -12283,7 +9519,7 @@
               <a:buNone/>
             </a:pPr>
             <a:r>
-              <a:rPr kumimoji="0" lang="" altLang="en-US" sz="1400" b="1" i="0" u="none" strike="noStrike" cap="none" spc="0" normalizeH="0" baseline="0">
+              <a:rPr kumimoji="0" lang="en-US" altLang="en-US" sz="1400" b="1" i="0" u="none" strike="noStrike" cap="none" spc="0" normalizeH="0" baseline="0">
                 <a:ln>
                   <a:noFill/>
                 </a:ln>
@@ -12301,7 +9537,7 @@
               </a:rPr>
               <a:t>        objname     = ,</a:t>
             </a:r>
-            <a:endParaRPr kumimoji="0" lang="" altLang="en-US" sz="1400" b="1" i="0" u="none" strike="noStrike" cap="none" spc="0" normalizeH="0" baseline="0">
+            <a:endParaRPr kumimoji="0" lang="en-US" altLang="en-US" sz="1400" b="1" i="0" u="none" strike="noStrike" cap="none" spc="0" normalizeH="0" baseline="0">
               <a:ln>
                 <a:noFill/>
               </a:ln>
@@ -12335,7 +9571,7 @@
               <a:buNone/>
             </a:pPr>
             <a:r>
-              <a:rPr kumimoji="0" lang="" altLang="en-US" sz="1400" b="1" i="0" u="none" strike="noStrike" cap="none" spc="0" normalizeH="0" baseline="0">
+              <a:rPr kumimoji="0" lang="en-US" altLang="en-US" sz="1400" b="1" i="0" u="none" strike="noStrike" cap="none" spc="0" normalizeH="0" baseline="0">
                 <a:ln>
                   <a:noFill/>
                 </a:ln>
@@ -12353,7 +9589,7 @@
               </a:rPr>
               <a:t>        quiet       = ,</a:t>
             </a:r>
-            <a:endParaRPr kumimoji="0" lang="" altLang="en-US" sz="1400" b="1" i="0" u="none" strike="noStrike" cap="none" spc="0" normalizeH="0" baseline="0">
+            <a:endParaRPr kumimoji="0" lang="en-US" altLang="en-US" sz="1400" b="1" i="0" u="none" strike="noStrike" cap="none" spc="0" normalizeH="0" baseline="0">
               <a:ln>
                 <a:noFill/>
               </a:ln>
@@ -12387,7 +9623,7 @@
               <a:buNone/>
             </a:pPr>
             <a:r>
-              <a:rPr kumimoji="0" lang="" altLang="en-US" sz="1400" b="1" i="0" u="none" strike="noStrike" cap="none" spc="0" normalizeH="0" baseline="0">
+              <a:rPr kumimoji="0" lang="en-US" altLang="en-US" sz="1400" b="1" i="0" u="none" strike="noStrike" cap="none" spc="0" normalizeH="0" baseline="0">
                 <a:ln>
                   <a:noFill/>
                 </a:ln>
@@ -12403,9 +9639,9 @@
                 <a:cs typeface="Fira Code" panose="020B0609050000020004" charset="0"/>
                 <a:sym typeface="Source Sans Pro"/>
               </a:rPr>
-              <a:t>        maximage    = ,</a:t>
-            </a:r>
-            <a:endParaRPr kumimoji="0" lang="" altLang="en-US" sz="1400" b="1" i="0" u="none" strike="noStrike" cap="none" spc="0" normalizeH="0" baseline="0">
+              <a:t>        maximage    = ,)</a:t>
+            </a:r>
+            <a:endParaRPr kumimoji="0" lang="en-US" altLang="en-US" sz="1400" b="1" i="0" u="none" strike="noStrike" cap="none" spc="0" normalizeH="0" baseline="0">
               <a:ln>
                 <a:noFill/>
               </a:ln>
@@ -12422,58 +9658,6 @@
               <a:sym typeface="Source Sans Pro"/>
             </a:endParaRPr>
           </a:p>
-          <a:p>
-            <a:pPr marL="0" marR="0" indent="0" algn="l" defTabSz="584200" rtl="0" fontAlgn="auto" latinLnBrk="0" hangingPunct="0">
-              <a:lnSpc>
-                <a:spcPct val="100000"/>
-              </a:lnSpc>
-              <a:spcBef>
-                <a:spcPts val="200"/>
-              </a:spcBef>
-              <a:spcAft>
-                <a:spcPts val="0"/>
-              </a:spcAft>
-              <a:buClrTx/>
-              <a:buSzTx/>
-              <a:buFontTx/>
-              <a:buNone/>
-            </a:pPr>
-            <a:r>
-              <a:rPr kumimoji="0" lang="" altLang="en-US" sz="1400" b="1" i="0" u="none" strike="noStrike" cap="none" spc="0" normalizeH="0" baseline="0">
-                <a:ln>
-                  <a:noFill/>
-                </a:ln>
-                <a:solidFill>
-                  <a:schemeClr val="tx1">
-                    <a:lumMod val="50000"/>
-                  </a:schemeClr>
-                </a:solidFill>
-                <a:effectLst/>
-                <a:uFillTx/>
-                <a:latin typeface="Fira Code" panose="020B0609050000020004" charset="0"/>
-                <a:ea typeface="Source Sans Pro"/>
-                <a:cs typeface="Fira Code" panose="020B0609050000020004" charset="0"/>
-                <a:sym typeface="Source Sans Pro"/>
-              </a:rPr>
-              <a:t>)</a:t>
-            </a:r>
-            <a:endParaRPr kumimoji="0" lang="" altLang="en-US" sz="1400" b="1" i="0" u="none" strike="noStrike" cap="none" spc="0" normalizeH="0" baseline="0">
-              <a:ln>
-                <a:noFill/>
-              </a:ln>
-              <a:solidFill>
-                <a:schemeClr val="tx1">
-                  <a:lumMod val="50000"/>
-                </a:schemeClr>
-              </a:solidFill>
-              <a:effectLst/>
-              <a:uFillTx/>
-              <a:latin typeface="Fira Code" panose="020B0609050000020004" charset="0"/>
-              <a:ea typeface="Source Sans Pro"/>
-              <a:cs typeface="Fira Code" panose="020B0609050000020004" charset="0"/>
-              <a:sym typeface="Source Sans Pro"/>
-            </a:endParaRPr>
-          </a:p>
         </p:txBody>
       </p:sp>
       <p:sp>
@@ -12484,7 +9668,7 @@
         </p:nvSpPr>
         <p:spPr>
           <a:xfrm>
-            <a:off x="5080" y="7677150"/>
+            <a:off x="5080" y="8179435"/>
             <a:ext cx="3455670" cy="1877695"/>
           </a:xfrm>
           <a:prstGeom prst="rect">
@@ -12909,7 +10093,7 @@
               <a:buNone/>
             </a:pPr>
             <a:r>
-              <a:rPr kumimoji="0" lang="" altLang="en-US" sz="1000" b="1" i="0" u="none" strike="noStrike" cap="none" spc="0" normalizeH="0" baseline="0">
+              <a:rPr kumimoji="0" lang="en-US" altLang="en-US" sz="1000" b="1" i="0" u="none" strike="noStrike" cap="none" spc="0" normalizeH="0" baseline="0">
                 <a:ln>
                   <a:noFill/>
                 </a:ln>
@@ -12980,7 +10164,7 @@
               <a:buNone/>
             </a:pPr>
             <a:r>
-              <a:rPr kumimoji="0" lang="" altLang="en-US" sz="1000" b="1" i="0" u="none" strike="noStrike" cap="none" spc="0" normalizeH="0" baseline="0">
+              <a:rPr kumimoji="0" lang="en-US" altLang="en-US" sz="1000" b="1" i="0" u="none" strike="noStrike" cap="none" spc="0" normalizeH="0" baseline="0">
                 <a:ln>
                   <a:noFill/>
                 </a:ln>
@@ -13135,6 +10319,1814 @@
               <a:latin typeface="Fira Code" panose="020B0609050000020004" charset="0"/>
               <a:ea typeface="Source Sans Pro"/>
               <a:cs typeface="Fira Code" panose="020B0609050000020004" charset="0"/>
+              <a:sym typeface="Source Sans Pro"/>
+            </a:endParaRPr>
+          </a:p>
+        </p:txBody>
+      </p:sp>
+      <p:sp>
+        <p:nvSpPr>
+          <p:cNvPr id="4" name="Text Box 3"/>
+          <p:cNvSpPr txBox="1"/>
+          <p:nvPr/>
+        </p:nvSpPr>
+        <p:spPr>
+          <a:xfrm>
+            <a:off x="41275" y="4424998"/>
+            <a:ext cx="2311400" cy="307975"/>
+          </a:xfrm>
+          <a:prstGeom prst="rect">
+            <a:avLst/>
+          </a:prstGeom>
+          <a:noFill/>
+          <a:ln w="12700" cap="flat">
+            <a:noFill/>
+            <a:miter lim="400000"/>
+          </a:ln>
+          <a:extLst>
+            <a:ext uri="{909E8E84-426E-40DD-AFC4-6F175D3DCCD1}">
+              <a14:hiddenFill xmlns:a14="http://schemas.microsoft.com/office/drawing/2010/main">
+                <a:solidFill>
+                  <a:srgbClr val="2E82FC"/>
+                </a:solidFill>
+              </a14:hiddenFill>
+            </a:ext>
+          </a:extLst>
+        </p:spPr>
+        <p:style>
+          <a:lnRef idx="0">
+            <a:srgbClr val="FFFFFF"/>
+          </a:lnRef>
+          <a:fillRef idx="0">
+            <a:srgbClr val="FFFFFF"/>
+          </a:fillRef>
+          <a:effectRef idx="0">
+            <a:srgbClr val="FFFFFF"/>
+          </a:effectRef>
+          <a:fontRef idx="none"/>
+        </p:style>
+        <p:txBody>
+          <a:bodyPr rot="0" vertOverflow="overflow" horzOverflow="overflow" vert="horz" wrap="square" lIns="54570" tIns="54570" rIns="54570" bIns="54570" numCol="1" spcCol="38100" rtlCol="0" anchor="ctr" forceAA="0" upright="0">
+            <a:spAutoFit/>
+          </a:bodyPr>
+          <a:p>
+            <a:pPr marR="0" algn="l" defTabSz="584200" rtl="0" fontAlgn="auto" latinLnBrk="0" hangingPunct="0">
+              <a:lnSpc>
+                <a:spcPct val="100000"/>
+              </a:lnSpc>
+              <a:spcBef>
+                <a:spcPts val="200"/>
+              </a:spcBef>
+              <a:spcAft>
+                <a:spcPts val="0"/>
+              </a:spcAft>
+              <a:buClrTx/>
+              <a:buSzTx/>
+              <a:buFont typeface="Arial" panose="020B0604020202020204" pitchFamily="34" charset="0"/>
+            </a:pPr>
+            <a:r>
+              <a:rPr kumimoji="0" lang="" altLang="en-US" sz="1300" i="0" u="none" strike="noStrike" cap="none" spc="0" normalizeH="0" baseline="0">
+                <a:ln>
+                  <a:noFill/>
+                </a:ln>
+                <a:solidFill>
+                  <a:schemeClr val="tx1">
+                    <a:lumMod val="50000"/>
+                  </a:schemeClr>
+                </a:solidFill>
+                <a:effectLst/>
+                <a:uFillTx/>
+                <a:latin typeface="Fira Code" panose="020B0609050000020004" charset="0"/>
+                <a:ea typeface="Source Sans Pro"/>
+                <a:cs typeface="Fira Code" panose="020B0609050000020004" charset="0"/>
+                <a:sym typeface="Source Sans Pro"/>
+              </a:rPr>
+              <a:t>* :: $getInfo()</a:t>
+            </a:r>
+            <a:endParaRPr kumimoji="0" lang="" altLang="en-US" sz="1300" i="0" u="none" strike="noStrike" cap="none" spc="0" normalizeH="0" baseline="0">
+              <a:ln>
+                <a:noFill/>
+              </a:ln>
+              <a:solidFill>
+                <a:schemeClr val="tx1">
+                  <a:lumMod val="50000"/>
+                </a:schemeClr>
+              </a:solidFill>
+              <a:effectLst/>
+              <a:uFillTx/>
+              <a:latin typeface="Fira Code" panose="020B0609050000020004" charset="0"/>
+              <a:ea typeface="Source Sans Pro"/>
+              <a:cs typeface="Fira Code" panose="020B0609050000020004" charset="0"/>
+              <a:sym typeface="Source Sans Pro"/>
+            </a:endParaRPr>
+          </a:p>
+        </p:txBody>
+      </p:sp>
+      <p:sp>
+        <p:nvSpPr>
+          <p:cNvPr id="7" name="Text Box 6"/>
+          <p:cNvSpPr txBox="1"/>
+          <p:nvPr/>
+        </p:nvSpPr>
+        <p:spPr>
+          <a:xfrm>
+            <a:off x="24765" y="4162108"/>
+            <a:ext cx="1958340" cy="307975"/>
+          </a:xfrm>
+          <a:prstGeom prst="rect">
+            <a:avLst/>
+          </a:prstGeom>
+          <a:noFill/>
+          <a:ln w="12700" cap="flat">
+            <a:noFill/>
+            <a:miter lim="400000"/>
+          </a:ln>
+          <a:extLst>
+            <a:ext uri="{909E8E84-426E-40DD-AFC4-6F175D3DCCD1}">
+              <a14:hiddenFill xmlns:a14="http://schemas.microsoft.com/office/drawing/2010/main">
+                <a:solidFill>
+                  <a:srgbClr val="2E82FC"/>
+                </a:solidFill>
+              </a14:hiddenFill>
+            </a:ext>
+          </a:extLst>
+        </p:spPr>
+        <p:style>
+          <a:lnRef idx="0">
+            <a:srgbClr val="FFFFFF"/>
+          </a:lnRef>
+          <a:fillRef idx="0">
+            <a:srgbClr val="FFFFFF"/>
+          </a:fillRef>
+          <a:effectRef idx="0">
+            <a:srgbClr val="FFFFFF"/>
+          </a:effectRef>
+          <a:fontRef idx="none"/>
+        </p:style>
+        <p:txBody>
+          <a:bodyPr rot="0" vertOverflow="overflow" horzOverflow="overflow" vert="horz" wrap="square" lIns="54570" tIns="54570" rIns="54570" bIns="54570" numCol="1" spcCol="38100" rtlCol="0" anchor="ctr" forceAA="0" upright="0">
+            <a:spAutoFit/>
+          </a:bodyPr>
+          <a:p>
+            <a:pPr marL="0" marR="0" indent="0" algn="l" defTabSz="584200" rtl="0" fontAlgn="auto" latinLnBrk="0" hangingPunct="0">
+              <a:lnSpc>
+                <a:spcPct val="100000"/>
+              </a:lnSpc>
+              <a:spcBef>
+                <a:spcPts val="200"/>
+              </a:spcBef>
+              <a:spcAft>
+                <a:spcPts val="0"/>
+              </a:spcAft>
+              <a:buClrTx/>
+              <a:buSzTx/>
+              <a:buFontTx/>
+              <a:buNone/>
+            </a:pPr>
+            <a:r>
+              <a:rPr kumimoji="0" lang="" altLang="en-US" sz="1300" i="0" u="none" strike="noStrike" cap="none" spc="0" normalizeH="0" baseline="0">
+                <a:ln>
+                  <a:noFill/>
+                </a:ln>
+                <a:solidFill>
+                  <a:schemeClr val="tx1">
+                    <a:lumMod val="50000"/>
+                  </a:schemeClr>
+                </a:solidFill>
+                <a:effectLst/>
+                <a:uFillTx/>
+                <a:latin typeface="Fira Code" panose="020B0609050000020004" charset="0"/>
+                <a:ea typeface="Source Sans Pro"/>
+                <a:cs typeface="Fira Code" panose="020B0609050000020004" charset="0"/>
+                <a:sym typeface="Source Sans Pro"/>
+              </a:rPr>
+              <a:t>Explicit function</a:t>
+            </a:r>
+            <a:endParaRPr kumimoji="0" lang="" altLang="en-US" sz="1300" i="0" u="none" strike="noStrike" cap="none" spc="0" normalizeH="0" baseline="0">
+              <a:ln>
+                <a:noFill/>
+              </a:ln>
+              <a:solidFill>
+                <a:schemeClr val="tx1">
+                  <a:lumMod val="50000"/>
+                </a:schemeClr>
+              </a:solidFill>
+              <a:effectLst/>
+              <a:uFillTx/>
+              <a:latin typeface="Fira Code" panose="020B0609050000020004" charset="0"/>
+              <a:ea typeface="Source Sans Pro"/>
+              <a:cs typeface="Fira Code" panose="020B0609050000020004" charset="0"/>
+              <a:sym typeface="Source Sans Pro"/>
+            </a:endParaRPr>
+          </a:p>
+        </p:txBody>
+      </p:sp>
+      <p:sp>
+        <p:nvSpPr>
+          <p:cNvPr id="8" name="Text Box 7"/>
+          <p:cNvSpPr txBox="1"/>
+          <p:nvPr/>
+        </p:nvSpPr>
+        <p:spPr>
+          <a:xfrm>
+            <a:off x="3698875" y="2865120"/>
+            <a:ext cx="2540000" cy="713105"/>
+          </a:xfrm>
+          <a:prstGeom prst="rect">
+            <a:avLst/>
+          </a:prstGeom>
+          <a:noFill/>
+          <a:ln w="12700" cap="flat">
+            <a:noFill/>
+            <a:miter lim="400000"/>
+          </a:ln>
+        </p:spPr>
+        <p:style>
+          <a:lnRef idx="0">
+            <a:srgbClr val="FFFFFF"/>
+          </a:lnRef>
+          <a:fillRef idx="0">
+            <a:srgbClr val="FFFFFF"/>
+          </a:fillRef>
+          <a:effectRef idx="0">
+            <a:srgbClr val="FFFFFF"/>
+          </a:effectRef>
+          <a:fontRef idx="none"/>
+        </p:style>
+        <p:txBody>
+          <a:bodyPr rot="0" vertOverflow="overflow" horzOverflow="overflow" vert="horz" wrap="square" lIns="54570" tIns="54570" rIns="54570" bIns="54570" numCol="1" spcCol="38100" rtlCol="0" anchor="t" forceAA="0" upright="0">
+            <a:spAutoFit/>
+          </a:bodyPr>
+          <a:p>
+            <a:pPr marL="0" marR="0" indent="0" algn="l" defTabSz="584200" rtl="0" fontAlgn="auto" latinLnBrk="0" hangingPunct="0">
+              <a:lnSpc>
+                <a:spcPct val="100000"/>
+              </a:lnSpc>
+              <a:spcBef>
+                <a:spcPts val="200"/>
+              </a:spcBef>
+              <a:spcAft>
+                <a:spcPts val="0"/>
+              </a:spcAft>
+              <a:buClrTx/>
+              <a:buSzTx/>
+              <a:buFontTx/>
+              <a:buNone/>
+            </a:pPr>
+            <a:r>
+              <a:rPr kumimoji="0" lang="en-US" sz="1200" b="1" i="0" u="none" strike="noStrike" cap="none" spc="0" normalizeH="0" baseline="0">
+                <a:ln>
+                  <a:noFill/>
+                </a:ln>
+                <a:solidFill>
+                  <a:srgbClr val="4C4C4C"/>
+                </a:solidFill>
+                <a:effectLst/>
+                <a:uFillTx/>
+                <a:latin typeface="Source Sans Pro"/>
+                <a:ea typeface="Source Sans Pro"/>
+                <a:cs typeface="Source Sans Pro"/>
+                <a:sym typeface="Source Sans Pro"/>
+              </a:rPr>
+              <a:t>ee$feature()</a:t>
+            </a:r>
+            <a:endParaRPr kumimoji="0" lang="en-US" sz="1200" b="1" i="0" u="none" strike="noStrike" cap="none" spc="0" normalizeH="0" baseline="0">
+              <a:ln>
+                <a:noFill/>
+              </a:ln>
+              <a:solidFill>
+                <a:srgbClr val="4C4C4C"/>
+              </a:solidFill>
+              <a:effectLst/>
+              <a:uFillTx/>
+              <a:latin typeface="Source Sans Pro"/>
+              <a:ea typeface="Source Sans Pro"/>
+              <a:cs typeface="Source Sans Pro"/>
+              <a:sym typeface="Source Sans Pro"/>
+            </a:endParaRPr>
+          </a:p>
+          <a:p>
+            <a:pPr marL="0" marR="0" indent="0" algn="l" defTabSz="584200" rtl="0" fontAlgn="auto" latinLnBrk="0" hangingPunct="0">
+              <a:lnSpc>
+                <a:spcPct val="100000"/>
+              </a:lnSpc>
+              <a:spcBef>
+                <a:spcPts val="200"/>
+              </a:spcBef>
+              <a:spcAft>
+                <a:spcPts val="0"/>
+              </a:spcAft>
+              <a:buClrTx/>
+              <a:buSzTx/>
+              <a:buFontTx/>
+              <a:buNone/>
+            </a:pPr>
+            <a:r>
+              <a:rPr kumimoji="0" lang="en-US" sz="1200" b="1" i="0" u="none" strike="noStrike" cap="none" spc="0" normalizeH="0" baseline="0">
+                <a:ln>
+                  <a:noFill/>
+                </a:ln>
+                <a:solidFill>
+                  <a:srgbClr val="4C4C4C"/>
+                </a:solidFill>
+                <a:effectLst/>
+                <a:uFillTx/>
+                <a:latin typeface="Source Sans Pro"/>
+                <a:ea typeface="Source Sans Pro"/>
+                <a:cs typeface="Source Sans Pro"/>
+                <a:sym typeface="Source Sans Pro"/>
+              </a:rPr>
+              <a:t>ee$Feature()</a:t>
+            </a:r>
+            <a:endParaRPr kumimoji="0" lang="en-US" sz="1200" b="1" i="0" u="none" strike="noStrike" cap="none" spc="0" normalizeH="0" baseline="0">
+              <a:ln>
+                <a:noFill/>
+              </a:ln>
+              <a:solidFill>
+                <a:srgbClr val="4C4C4C"/>
+              </a:solidFill>
+              <a:effectLst/>
+              <a:uFillTx/>
+              <a:latin typeface="Source Sans Pro"/>
+              <a:ea typeface="Source Sans Pro"/>
+              <a:cs typeface="Source Sans Pro"/>
+              <a:sym typeface="Source Sans Pro"/>
+            </a:endParaRPr>
+          </a:p>
+          <a:p>
+            <a:pPr marL="0" marR="0" indent="0" algn="l" defTabSz="584200" rtl="0" fontAlgn="auto" latinLnBrk="0" hangingPunct="0">
+              <a:lnSpc>
+                <a:spcPct val="100000"/>
+              </a:lnSpc>
+              <a:spcBef>
+                <a:spcPts val="200"/>
+              </a:spcBef>
+              <a:spcAft>
+                <a:spcPts val="0"/>
+              </a:spcAft>
+              <a:buClrTx/>
+              <a:buSzTx/>
+              <a:buFontTx/>
+              <a:buNone/>
+            </a:pPr>
+            <a:endParaRPr kumimoji="0" lang="en-US" sz="1200" b="1" i="0" u="none" strike="noStrike" cap="none" spc="0" normalizeH="0" baseline="0">
+              <a:ln>
+                <a:noFill/>
+              </a:ln>
+              <a:solidFill>
+                <a:srgbClr val="4C4C4C"/>
+              </a:solidFill>
+              <a:effectLst/>
+              <a:uFillTx/>
+              <a:latin typeface="Source Sans Pro"/>
+              <a:ea typeface="Source Sans Pro"/>
+              <a:cs typeface="Source Sans Pro"/>
+              <a:sym typeface="Source Sans Pro"/>
+            </a:endParaRPr>
+          </a:p>
+        </p:txBody>
+      </p:sp>
+      <p:sp>
+        <p:nvSpPr>
+          <p:cNvPr id="11" name="Text Box 10"/>
+          <p:cNvSpPr txBox="1"/>
+          <p:nvPr/>
+        </p:nvSpPr>
+        <p:spPr>
+          <a:xfrm>
+            <a:off x="3564255" y="1831658"/>
+            <a:ext cx="2140585" cy="415290"/>
+          </a:xfrm>
+          <a:prstGeom prst="rect">
+            <a:avLst/>
+          </a:prstGeom>
+          <a:noFill/>
+          <a:ln w="12700" cap="flat">
+            <a:noFill/>
+            <a:miter lim="400000"/>
+          </a:ln>
+          <a:extLst>
+            <a:ext uri="{909E8E84-426E-40DD-AFC4-6F175D3DCCD1}">
+              <a14:hiddenFill xmlns:a14="http://schemas.microsoft.com/office/drawing/2010/main">
+                <a:solidFill>
+                  <a:srgbClr val="2E82FC"/>
+                </a:solidFill>
+              </a14:hiddenFill>
+            </a:ext>
+          </a:extLst>
+        </p:spPr>
+        <p:style>
+          <a:lnRef idx="0">
+            <a:srgbClr val="FFFFFF"/>
+          </a:lnRef>
+          <a:fillRef idx="0">
+            <a:srgbClr val="FFFFFF"/>
+          </a:fillRef>
+          <a:effectRef idx="0">
+            <a:srgbClr val="FFFFFF"/>
+          </a:effectRef>
+          <a:fontRef idx="none"/>
+        </p:style>
+        <p:txBody>
+          <a:bodyPr rot="0" vertOverflow="overflow" horzOverflow="overflow" vert="horz" wrap="square" lIns="54570" tIns="54570" rIns="54570" bIns="54570" numCol="1" spcCol="38100" rtlCol="0" anchor="ctr" forceAA="0" upright="0">
+            <a:spAutoFit/>
+          </a:bodyPr>
+          <a:p>
+            <a:pPr marL="0" marR="0" indent="0" algn="l" defTabSz="584200" rtl="0" fontAlgn="auto" latinLnBrk="0" hangingPunct="0">
+              <a:lnSpc>
+                <a:spcPct val="100000"/>
+              </a:lnSpc>
+              <a:spcBef>
+                <a:spcPts val="200"/>
+              </a:spcBef>
+              <a:spcAft>
+                <a:spcPts val="0"/>
+              </a:spcAft>
+              <a:buClrTx/>
+              <a:buSzTx/>
+              <a:buFontTx/>
+              <a:buNone/>
+            </a:pPr>
+            <a:r>
+              <a:rPr kumimoji="0" lang="en-US" altLang="en-US" sz="2000" b="0" i="0" u="none" strike="noStrike" cap="none" spc="0" normalizeH="0" baseline="0">
+                <a:ln>
+                  <a:noFill/>
+                </a:ln>
+                <a:solidFill>
+                  <a:schemeClr val="tx1">
+                    <a:lumMod val="50000"/>
+                  </a:schemeClr>
+                </a:solidFill>
+                <a:effectLst/>
+                <a:uFillTx/>
+                <a:latin typeface="Uroob" panose="00000800000000000000" charset="0"/>
+                <a:ea typeface="Source Sans Pro"/>
+                <a:cs typeface="Uroob" panose="00000800000000000000" charset="0"/>
+                <a:sym typeface="Source Sans Pro"/>
+              </a:rPr>
+              <a:t>F</a:t>
+            </a:r>
+            <a:r>
+              <a:rPr kumimoji="0" lang="" altLang="en-US" sz="2000" b="0" i="0" u="none" strike="noStrike" cap="none" spc="0" normalizeH="0" baseline="0">
+                <a:ln>
+                  <a:noFill/>
+                </a:ln>
+                <a:solidFill>
+                  <a:schemeClr val="tx1">
+                    <a:lumMod val="50000"/>
+                  </a:schemeClr>
+                </a:solidFill>
+                <a:effectLst/>
+                <a:uFillTx/>
+                <a:latin typeface="Uroob" panose="00000800000000000000" charset="0"/>
+                <a:ea typeface="Source Sans Pro"/>
+                <a:cs typeface="Uroob" panose="00000800000000000000" charset="0"/>
+                <a:sym typeface="Source Sans Pro"/>
+              </a:rPr>
+              <a:t>eacture simple</a:t>
+            </a:r>
+            <a:endParaRPr kumimoji="0" lang="" altLang="en-US" sz="2000" b="0" i="0" u="none" strike="noStrike" cap="none" spc="0" normalizeH="0" baseline="0">
+              <a:ln>
+                <a:noFill/>
+              </a:ln>
+              <a:solidFill>
+                <a:schemeClr val="tx1">
+                  <a:lumMod val="50000"/>
+                </a:schemeClr>
+              </a:solidFill>
+              <a:effectLst/>
+              <a:uFillTx/>
+              <a:latin typeface="Uroob" panose="00000800000000000000" charset="0"/>
+              <a:ea typeface="Source Sans Pro"/>
+              <a:cs typeface="Uroob" panose="00000800000000000000" charset="0"/>
+              <a:sym typeface="Source Sans Pro"/>
+            </a:endParaRPr>
+          </a:p>
+        </p:txBody>
+      </p:sp>
+      <p:sp>
+        <p:nvSpPr>
+          <p:cNvPr id="12" name="Pentagon 11"/>
+          <p:cNvSpPr/>
+          <p:nvPr/>
+        </p:nvSpPr>
+        <p:spPr>
+          <a:xfrm>
+            <a:off x="3635375" y="5396865"/>
+            <a:ext cx="2808605" cy="431800"/>
+          </a:xfrm>
+          <a:prstGeom prst="homePlate">
+            <a:avLst/>
+          </a:prstGeom>
+          <a:solidFill>
+            <a:schemeClr val="bg1">
+              <a:lumMod val="85000"/>
+            </a:schemeClr>
+          </a:solidFill>
+          <a:ln w="12700" cap="flat">
+            <a:noFill/>
+            <a:miter lim="400000"/>
+          </a:ln>
+          <a:effectLst/>
+        </p:spPr>
+        <p:style>
+          <a:lnRef idx="0">
+            <a:srgbClr val="FFFFFF"/>
+          </a:lnRef>
+          <a:fillRef idx="0">
+            <a:srgbClr val="FFFFFF"/>
+          </a:fillRef>
+          <a:effectRef idx="0">
+            <a:srgbClr val="FFFFFF"/>
+          </a:effectRef>
+          <a:fontRef idx="none"/>
+        </p:style>
+        <p:txBody>
+          <a:bodyPr rot="0" vertOverflow="overflow" horzOverflow="overflow" vert="horz" wrap="square" lIns="54570" tIns="54570" rIns="54570" bIns="54570" numCol="1" spcCol="38100" rtlCol="0" anchor="ctr" forceAA="0" upright="0">
+            <a:spAutoFit/>
+          </a:bodyPr>
+          <a:p>
+            <a:pPr marL="0" marR="0" indent="0" algn="l" defTabSz="584200" rtl="0" fontAlgn="auto" latinLnBrk="0" hangingPunct="0">
+              <a:lnSpc>
+                <a:spcPct val="80000"/>
+              </a:lnSpc>
+              <a:spcBef>
+                <a:spcPts val="0"/>
+              </a:spcBef>
+              <a:spcAft>
+                <a:spcPts val="0"/>
+              </a:spcAft>
+              <a:buClrTx/>
+              <a:buSzTx/>
+              <a:buFontTx/>
+              <a:buNone/>
+            </a:pPr>
+            <a:endParaRPr kumimoji="0" lang="en-US" sz="1200" b="0" i="0" u="none" strike="noStrike" cap="none" spc="0" normalizeH="0" baseline="0">
+              <a:ln>
+                <a:noFill/>
+              </a:ln>
+              <a:solidFill>
+                <a:srgbClr val="000000"/>
+              </a:solidFill>
+              <a:effectLst/>
+              <a:uFillTx/>
+              <a:latin typeface="Source Sans Pro"/>
+              <a:ea typeface="Source Sans Pro"/>
+              <a:cs typeface="Source Sans Pro"/>
+              <a:sym typeface="Source Sans Pro"/>
+            </a:endParaRPr>
+          </a:p>
+        </p:txBody>
+      </p:sp>
+      <p:sp>
+        <p:nvSpPr>
+          <p:cNvPr id="13" name="Text Box 12"/>
+          <p:cNvSpPr txBox="1"/>
+          <p:nvPr/>
+        </p:nvSpPr>
+        <p:spPr>
+          <a:xfrm>
+            <a:off x="3596005" y="5437188"/>
+            <a:ext cx="2140585" cy="415290"/>
+          </a:xfrm>
+          <a:prstGeom prst="rect">
+            <a:avLst/>
+          </a:prstGeom>
+          <a:noFill/>
+          <a:ln w="12700" cap="flat">
+            <a:noFill/>
+            <a:miter lim="400000"/>
+          </a:ln>
+          <a:extLst>
+            <a:ext uri="{909E8E84-426E-40DD-AFC4-6F175D3DCCD1}">
+              <a14:hiddenFill xmlns:a14="http://schemas.microsoft.com/office/drawing/2010/main">
+                <a:solidFill>
+                  <a:srgbClr val="2E82FC"/>
+                </a:solidFill>
+              </a14:hiddenFill>
+            </a:ext>
+          </a:extLst>
+        </p:spPr>
+        <p:style>
+          <a:lnRef idx="0">
+            <a:srgbClr val="FFFFFF"/>
+          </a:lnRef>
+          <a:fillRef idx="0">
+            <a:srgbClr val="FFFFFF"/>
+          </a:fillRef>
+          <a:effectRef idx="0">
+            <a:srgbClr val="FFFFFF"/>
+          </a:effectRef>
+          <a:fontRef idx="none"/>
+        </p:style>
+        <p:txBody>
+          <a:bodyPr rot="0" vertOverflow="overflow" horzOverflow="overflow" vert="horz" wrap="square" lIns="54570" tIns="54570" rIns="54570" bIns="54570" numCol="1" spcCol="38100" rtlCol="0" anchor="ctr" forceAA="0" upright="0">
+            <a:spAutoFit/>
+          </a:bodyPr>
+          <a:p>
+            <a:pPr marL="0" marR="0" indent="0" algn="l" defTabSz="584200" rtl="0" fontAlgn="auto" latinLnBrk="0" hangingPunct="0">
+              <a:lnSpc>
+                <a:spcPct val="100000"/>
+              </a:lnSpc>
+              <a:spcBef>
+                <a:spcPts val="200"/>
+              </a:spcBef>
+              <a:spcAft>
+                <a:spcPts val="0"/>
+              </a:spcAft>
+              <a:buClrTx/>
+              <a:buSzTx/>
+              <a:buFontTx/>
+              <a:buNone/>
+            </a:pPr>
+            <a:r>
+              <a:rPr kumimoji="0" lang="en-US" altLang="en-US" sz="2000" b="0" i="0" u="none" strike="noStrike" cap="none" spc="0" normalizeH="0" baseline="0">
+                <a:ln>
+                  <a:noFill/>
+                </a:ln>
+                <a:solidFill>
+                  <a:schemeClr val="tx1">
+                    <a:lumMod val="50000"/>
+                  </a:schemeClr>
+                </a:solidFill>
+                <a:effectLst/>
+                <a:uFillTx/>
+                <a:latin typeface="Uroob" panose="00000800000000000000" charset="0"/>
+                <a:ea typeface="Source Sans Pro"/>
+                <a:cs typeface="Uroob" panose="00000800000000000000" charset="0"/>
+                <a:sym typeface="Source Sans Pro"/>
+              </a:rPr>
+              <a:t>Feacture </a:t>
+            </a:r>
+            <a:r>
+              <a:rPr kumimoji="0" lang="" altLang="en-US" sz="2000" b="0" i="0" u="none" strike="noStrike" cap="none" spc="0" normalizeH="0" baseline="0">
+                <a:ln>
+                  <a:noFill/>
+                </a:ln>
+                <a:solidFill>
+                  <a:schemeClr val="tx1">
+                    <a:lumMod val="50000"/>
+                  </a:schemeClr>
+                </a:solidFill>
+                <a:effectLst/>
+                <a:uFillTx/>
+                <a:latin typeface="Uroob" panose="00000800000000000000" charset="0"/>
+                <a:ea typeface="Source Sans Pro"/>
+                <a:cs typeface="Uroob" panose="00000800000000000000" charset="0"/>
+                <a:sym typeface="Source Sans Pro"/>
+              </a:rPr>
+              <a:t>collection</a:t>
+            </a:r>
+            <a:endParaRPr kumimoji="0" lang="" altLang="en-US" sz="2000" b="0" i="0" u="none" strike="noStrike" cap="none" spc="0" normalizeH="0" baseline="0">
+              <a:ln>
+                <a:noFill/>
+              </a:ln>
+              <a:solidFill>
+                <a:schemeClr val="tx1">
+                  <a:lumMod val="50000"/>
+                </a:schemeClr>
+              </a:solidFill>
+              <a:effectLst/>
+              <a:uFillTx/>
+              <a:latin typeface="Uroob" panose="00000800000000000000" charset="0"/>
+              <a:ea typeface="Source Sans Pro"/>
+              <a:cs typeface="Uroob" panose="00000800000000000000" charset="0"/>
+              <a:sym typeface="Source Sans Pro"/>
+            </a:endParaRPr>
+          </a:p>
+        </p:txBody>
+      </p:sp>
+      <p:sp>
+        <p:nvSpPr>
+          <p:cNvPr id="15" name="Text Box 14"/>
+          <p:cNvSpPr txBox="1"/>
+          <p:nvPr/>
+        </p:nvSpPr>
+        <p:spPr>
+          <a:xfrm>
+            <a:off x="3698875" y="5951220"/>
+            <a:ext cx="2540000" cy="713105"/>
+          </a:xfrm>
+          <a:prstGeom prst="rect">
+            <a:avLst/>
+          </a:prstGeom>
+          <a:noFill/>
+          <a:ln w="12700" cap="flat">
+            <a:noFill/>
+            <a:miter lim="400000"/>
+          </a:ln>
+        </p:spPr>
+        <p:style>
+          <a:lnRef idx="0">
+            <a:srgbClr val="FFFFFF"/>
+          </a:lnRef>
+          <a:fillRef idx="0">
+            <a:srgbClr val="FFFFFF"/>
+          </a:fillRef>
+          <a:effectRef idx="0">
+            <a:srgbClr val="FFFFFF"/>
+          </a:effectRef>
+          <a:fontRef idx="none"/>
+        </p:style>
+        <p:txBody>
+          <a:bodyPr rot="0" vertOverflow="overflow" horzOverflow="overflow" vert="horz" wrap="square" lIns="54570" tIns="54570" rIns="54570" bIns="54570" numCol="1" spcCol="38100" rtlCol="0" anchor="t" forceAA="0" upright="0">
+            <a:spAutoFit/>
+          </a:bodyPr>
+          <a:p>
+            <a:pPr marL="0" marR="0" indent="0" algn="l" defTabSz="584200" rtl="0" fontAlgn="auto" latinLnBrk="0" hangingPunct="0">
+              <a:lnSpc>
+                <a:spcPct val="100000"/>
+              </a:lnSpc>
+              <a:spcBef>
+                <a:spcPts val="200"/>
+              </a:spcBef>
+              <a:spcAft>
+                <a:spcPts val="0"/>
+              </a:spcAft>
+              <a:buClrTx/>
+              <a:buSzTx/>
+              <a:buFontTx/>
+              <a:buNone/>
+            </a:pPr>
+            <a:r>
+              <a:rPr kumimoji="0" lang="en-US" sz="1200" b="1" i="0" u="none" strike="noStrike" cap="none" spc="0" normalizeH="0" baseline="0">
+                <a:ln>
+                  <a:noFill/>
+                </a:ln>
+                <a:solidFill>
+                  <a:srgbClr val="4C4C4C"/>
+                </a:solidFill>
+                <a:effectLst/>
+                <a:uFillTx/>
+                <a:latin typeface="Source Sans Pro"/>
+                <a:ea typeface="Source Sans Pro"/>
+                <a:cs typeface="Source Sans Pro"/>
+                <a:sym typeface="Source Sans Pro"/>
+              </a:rPr>
+              <a:t>ee$feature(</a:t>
+            </a:r>
+            <a:r>
+              <a:rPr kumimoji="0" lang="" altLang="en-US" sz="1200" b="1" i="0" u="none" strike="noStrike" cap="none" spc="0" normalizeH="0" baseline="0">
+                <a:ln>
+                  <a:noFill/>
+                </a:ln>
+                <a:solidFill>
+                  <a:srgbClr val="4C4C4C"/>
+                </a:solidFill>
+                <a:effectLst/>
+                <a:uFillTx/>
+                <a:latin typeface="Source Sans Pro"/>
+                <a:ea typeface="Source Sans Pro"/>
+                <a:cs typeface="Source Sans Pro"/>
+                <a:sym typeface="Source Sans Pro"/>
+              </a:rPr>
+              <a:t>collection(</a:t>
+            </a:r>
+            <a:r>
+              <a:rPr kumimoji="0" lang="en-US" sz="1200" b="1" i="0" u="none" strike="noStrike" cap="none" spc="0" normalizeH="0" baseline="0">
+                <a:ln>
+                  <a:noFill/>
+                </a:ln>
+                <a:solidFill>
+                  <a:srgbClr val="4C4C4C"/>
+                </a:solidFill>
+                <a:effectLst/>
+                <a:uFillTx/>
+                <a:latin typeface="Source Sans Pro"/>
+                <a:ea typeface="Source Sans Pro"/>
+                <a:cs typeface="Source Sans Pro"/>
+                <a:sym typeface="Source Sans Pro"/>
+              </a:rPr>
+              <a:t>)</a:t>
+            </a:r>
+            <a:endParaRPr kumimoji="0" lang="en-US" sz="1200" b="1" i="0" u="none" strike="noStrike" cap="none" spc="0" normalizeH="0" baseline="0">
+              <a:ln>
+                <a:noFill/>
+              </a:ln>
+              <a:solidFill>
+                <a:srgbClr val="4C4C4C"/>
+              </a:solidFill>
+              <a:effectLst/>
+              <a:uFillTx/>
+              <a:latin typeface="Source Sans Pro"/>
+              <a:ea typeface="Source Sans Pro"/>
+              <a:cs typeface="Source Sans Pro"/>
+              <a:sym typeface="Source Sans Pro"/>
+            </a:endParaRPr>
+          </a:p>
+          <a:p>
+            <a:pPr marL="0" marR="0" indent="0" algn="l" defTabSz="584200" rtl="0" fontAlgn="auto" latinLnBrk="0" hangingPunct="0">
+              <a:lnSpc>
+                <a:spcPct val="100000"/>
+              </a:lnSpc>
+              <a:spcBef>
+                <a:spcPts val="200"/>
+              </a:spcBef>
+              <a:spcAft>
+                <a:spcPts val="0"/>
+              </a:spcAft>
+              <a:buClrTx/>
+              <a:buSzTx/>
+              <a:buFontTx/>
+              <a:buNone/>
+            </a:pPr>
+            <a:r>
+              <a:rPr kumimoji="0" lang="en-US" sz="1200" b="1" i="0" u="none" strike="noStrike" cap="none" spc="0" normalizeH="0" baseline="0">
+                <a:ln>
+                  <a:noFill/>
+                </a:ln>
+                <a:solidFill>
+                  <a:srgbClr val="4C4C4C"/>
+                </a:solidFill>
+                <a:effectLst/>
+                <a:uFillTx/>
+                <a:latin typeface="Source Sans Pro"/>
+                <a:ea typeface="Source Sans Pro"/>
+                <a:cs typeface="Source Sans Pro"/>
+                <a:sym typeface="Source Sans Pro"/>
+              </a:rPr>
+              <a:t>ee$Feature</a:t>
+            </a:r>
+            <a:r>
+              <a:rPr kumimoji="0" lang="" altLang="en-US" sz="1200" b="1" i="0" u="none" strike="noStrike" cap="none" spc="0" normalizeH="0" baseline="0">
+                <a:ln>
+                  <a:noFill/>
+                </a:ln>
+                <a:solidFill>
+                  <a:srgbClr val="4C4C4C"/>
+                </a:solidFill>
+                <a:effectLst/>
+                <a:uFillTx/>
+                <a:latin typeface="Source Sans Pro"/>
+                <a:ea typeface="Source Sans Pro"/>
+                <a:cs typeface="Source Sans Pro"/>
+                <a:sym typeface="Source Sans Pro"/>
+              </a:rPr>
+              <a:t>Collection</a:t>
+            </a:r>
+            <a:r>
+              <a:rPr kumimoji="0" lang="en-US" sz="1200" b="1" i="0" u="none" strike="noStrike" cap="none" spc="0" normalizeH="0" baseline="0">
+                <a:ln>
+                  <a:noFill/>
+                </a:ln>
+                <a:solidFill>
+                  <a:srgbClr val="4C4C4C"/>
+                </a:solidFill>
+                <a:effectLst/>
+                <a:uFillTx/>
+                <a:latin typeface="Source Sans Pro"/>
+                <a:ea typeface="Source Sans Pro"/>
+                <a:cs typeface="Source Sans Pro"/>
+                <a:sym typeface="Source Sans Pro"/>
+              </a:rPr>
+              <a:t>()</a:t>
+            </a:r>
+            <a:endParaRPr kumimoji="0" lang="en-US" sz="1200" b="1" i="0" u="none" strike="noStrike" cap="none" spc="0" normalizeH="0" baseline="0">
+              <a:ln>
+                <a:noFill/>
+              </a:ln>
+              <a:solidFill>
+                <a:srgbClr val="4C4C4C"/>
+              </a:solidFill>
+              <a:effectLst/>
+              <a:uFillTx/>
+              <a:latin typeface="Source Sans Pro"/>
+              <a:ea typeface="Source Sans Pro"/>
+              <a:cs typeface="Source Sans Pro"/>
+              <a:sym typeface="Source Sans Pro"/>
+            </a:endParaRPr>
+          </a:p>
+          <a:p>
+            <a:pPr marL="0" marR="0" indent="0" algn="l" defTabSz="584200" rtl="0" fontAlgn="auto" latinLnBrk="0" hangingPunct="0">
+              <a:lnSpc>
+                <a:spcPct val="100000"/>
+              </a:lnSpc>
+              <a:spcBef>
+                <a:spcPts val="200"/>
+              </a:spcBef>
+              <a:spcAft>
+                <a:spcPts val="0"/>
+              </a:spcAft>
+              <a:buClrTx/>
+              <a:buSzTx/>
+              <a:buFontTx/>
+              <a:buNone/>
+            </a:pPr>
+            <a:endParaRPr kumimoji="0" lang="en-US" sz="1200" b="1" i="0" u="none" strike="noStrike" cap="none" spc="0" normalizeH="0" baseline="0">
+              <a:ln>
+                <a:noFill/>
+              </a:ln>
+              <a:solidFill>
+                <a:srgbClr val="4C4C4C"/>
+              </a:solidFill>
+              <a:effectLst/>
+              <a:uFillTx/>
+              <a:latin typeface="Source Sans Pro"/>
+              <a:ea typeface="Source Sans Pro"/>
+              <a:cs typeface="Source Sans Pro"/>
+              <a:sym typeface="Source Sans Pro"/>
+            </a:endParaRPr>
+          </a:p>
+        </p:txBody>
+      </p:sp>
+      <p:sp>
+        <p:nvSpPr>
+          <p:cNvPr id="18" name="Pentagon 17"/>
+          <p:cNvSpPr/>
+          <p:nvPr/>
+        </p:nvSpPr>
+        <p:spPr>
+          <a:xfrm>
+            <a:off x="7493635" y="5380355"/>
+            <a:ext cx="2808605" cy="431800"/>
+          </a:xfrm>
+          <a:prstGeom prst="homePlate">
+            <a:avLst/>
+          </a:prstGeom>
+          <a:solidFill>
+            <a:schemeClr val="bg1">
+              <a:lumMod val="85000"/>
+            </a:schemeClr>
+          </a:solidFill>
+          <a:ln w="12700" cap="flat">
+            <a:noFill/>
+            <a:miter lim="400000"/>
+          </a:ln>
+          <a:effectLst/>
+        </p:spPr>
+        <p:style>
+          <a:lnRef idx="0">
+            <a:srgbClr val="FFFFFF"/>
+          </a:lnRef>
+          <a:fillRef idx="0">
+            <a:srgbClr val="FFFFFF"/>
+          </a:fillRef>
+          <a:effectRef idx="0">
+            <a:srgbClr val="FFFFFF"/>
+          </a:effectRef>
+          <a:fontRef idx="none"/>
+        </p:style>
+        <p:txBody>
+          <a:bodyPr rot="0" vertOverflow="overflow" horzOverflow="overflow" vert="horz" wrap="square" lIns="54570" tIns="54570" rIns="54570" bIns="54570" numCol="1" spcCol="38100" rtlCol="0" anchor="ctr" forceAA="0" upright="0">
+            <a:spAutoFit/>
+          </a:bodyPr>
+          <a:p>
+            <a:pPr marL="0" marR="0" indent="0" algn="l" defTabSz="584200" rtl="0" fontAlgn="auto" latinLnBrk="0" hangingPunct="0">
+              <a:lnSpc>
+                <a:spcPct val="80000"/>
+              </a:lnSpc>
+              <a:spcBef>
+                <a:spcPts val="0"/>
+              </a:spcBef>
+              <a:spcAft>
+                <a:spcPts val="0"/>
+              </a:spcAft>
+              <a:buClrTx/>
+              <a:buSzTx/>
+              <a:buFontTx/>
+              <a:buNone/>
+            </a:pPr>
+            <a:endParaRPr kumimoji="0" lang="en-US" sz="1200" b="0" i="0" u="none" strike="noStrike" cap="none" spc="0" normalizeH="0" baseline="0">
+              <a:ln>
+                <a:noFill/>
+              </a:ln>
+              <a:solidFill>
+                <a:srgbClr val="000000"/>
+              </a:solidFill>
+              <a:effectLst/>
+              <a:uFillTx/>
+              <a:latin typeface="Source Sans Pro"/>
+              <a:ea typeface="Source Sans Pro"/>
+              <a:cs typeface="Source Sans Pro"/>
+              <a:sym typeface="Source Sans Pro"/>
+            </a:endParaRPr>
+          </a:p>
+        </p:txBody>
+      </p:sp>
+      <p:sp>
+        <p:nvSpPr>
+          <p:cNvPr id="19" name="Pentagon 18"/>
+          <p:cNvSpPr/>
+          <p:nvPr/>
+        </p:nvSpPr>
+        <p:spPr>
+          <a:xfrm>
+            <a:off x="7477125" y="1776095"/>
+            <a:ext cx="2808605" cy="431800"/>
+          </a:xfrm>
+          <a:prstGeom prst="homePlate">
+            <a:avLst/>
+          </a:prstGeom>
+          <a:solidFill>
+            <a:schemeClr val="bg1">
+              <a:lumMod val="85000"/>
+            </a:schemeClr>
+          </a:solidFill>
+          <a:ln w="12700" cap="flat">
+            <a:noFill/>
+            <a:miter lim="400000"/>
+          </a:ln>
+          <a:effectLst/>
+        </p:spPr>
+        <p:style>
+          <a:lnRef idx="0">
+            <a:srgbClr val="FFFFFF"/>
+          </a:lnRef>
+          <a:fillRef idx="0">
+            <a:srgbClr val="FFFFFF"/>
+          </a:fillRef>
+          <a:effectRef idx="0">
+            <a:srgbClr val="FFFFFF"/>
+          </a:effectRef>
+          <a:fontRef idx="none"/>
+        </p:style>
+        <p:txBody>
+          <a:bodyPr rot="0" vertOverflow="overflow" horzOverflow="overflow" vert="horz" wrap="square" lIns="54570" tIns="54570" rIns="54570" bIns="54570" numCol="1" spcCol="38100" rtlCol="0" anchor="ctr" forceAA="0" upright="0">
+            <a:spAutoFit/>
+          </a:bodyPr>
+          <a:p>
+            <a:pPr marL="0" marR="0" indent="0" algn="l" defTabSz="584200" rtl="0" fontAlgn="auto" latinLnBrk="0" hangingPunct="0">
+              <a:lnSpc>
+                <a:spcPct val="80000"/>
+              </a:lnSpc>
+              <a:spcBef>
+                <a:spcPts val="0"/>
+              </a:spcBef>
+              <a:spcAft>
+                <a:spcPts val="0"/>
+              </a:spcAft>
+              <a:buClrTx/>
+              <a:buSzTx/>
+              <a:buFontTx/>
+              <a:buNone/>
+            </a:pPr>
+            <a:endParaRPr kumimoji="0" lang="en-US" sz="1200" b="0" i="0" u="none" strike="noStrike" cap="none" spc="0" normalizeH="0" baseline="0">
+              <a:ln>
+                <a:noFill/>
+              </a:ln>
+              <a:solidFill>
+                <a:srgbClr val="000000"/>
+              </a:solidFill>
+              <a:effectLst/>
+              <a:uFillTx/>
+              <a:latin typeface="Source Sans Pro"/>
+              <a:ea typeface="Source Sans Pro"/>
+              <a:cs typeface="Source Sans Pro"/>
+              <a:sym typeface="Source Sans Pro"/>
+            </a:endParaRPr>
+          </a:p>
+        </p:txBody>
+      </p:sp>
+      <p:sp>
+        <p:nvSpPr>
+          <p:cNvPr id="20" name="Text Box 19"/>
+          <p:cNvSpPr txBox="1"/>
+          <p:nvPr/>
+        </p:nvSpPr>
+        <p:spPr>
+          <a:xfrm>
+            <a:off x="7494270" y="1815148"/>
+            <a:ext cx="2140585" cy="415290"/>
+          </a:xfrm>
+          <a:prstGeom prst="rect">
+            <a:avLst/>
+          </a:prstGeom>
+          <a:noFill/>
+          <a:ln w="12700" cap="flat">
+            <a:noFill/>
+            <a:miter lim="400000"/>
+          </a:ln>
+          <a:extLst>
+            <a:ext uri="{909E8E84-426E-40DD-AFC4-6F175D3DCCD1}">
+              <a14:hiddenFill xmlns:a14="http://schemas.microsoft.com/office/drawing/2010/main">
+                <a:solidFill>
+                  <a:srgbClr val="2E82FC"/>
+                </a:solidFill>
+              </a14:hiddenFill>
+            </a:ext>
+          </a:extLst>
+        </p:spPr>
+        <p:style>
+          <a:lnRef idx="0">
+            <a:srgbClr val="FFFFFF"/>
+          </a:lnRef>
+          <a:fillRef idx="0">
+            <a:srgbClr val="FFFFFF"/>
+          </a:fillRef>
+          <a:effectRef idx="0">
+            <a:srgbClr val="FFFFFF"/>
+          </a:effectRef>
+          <a:fontRef idx="none"/>
+        </p:style>
+        <p:txBody>
+          <a:bodyPr rot="0" vertOverflow="overflow" horzOverflow="overflow" vert="horz" wrap="square" lIns="54570" tIns="54570" rIns="54570" bIns="54570" numCol="1" spcCol="38100" rtlCol="0" anchor="ctr" forceAA="0" upright="0">
+            <a:spAutoFit/>
+          </a:bodyPr>
+          <a:p>
+            <a:pPr marL="0" marR="0" indent="0" algn="l" defTabSz="584200" rtl="0" fontAlgn="auto" latinLnBrk="0" hangingPunct="0">
+              <a:lnSpc>
+                <a:spcPct val="100000"/>
+              </a:lnSpc>
+              <a:spcBef>
+                <a:spcPts val="200"/>
+              </a:spcBef>
+              <a:spcAft>
+                <a:spcPts val="0"/>
+              </a:spcAft>
+              <a:buClrTx/>
+              <a:buSzTx/>
+              <a:buFontTx/>
+              <a:buNone/>
+            </a:pPr>
+            <a:r>
+              <a:rPr kumimoji="0" lang="" altLang="en-US" sz="2000" b="0" i="0" u="none" strike="noStrike" cap="none" spc="0" normalizeH="0" baseline="0">
+                <a:ln>
+                  <a:noFill/>
+                </a:ln>
+                <a:solidFill>
+                  <a:schemeClr val="tx1">
+                    <a:lumMod val="50000"/>
+                  </a:schemeClr>
+                </a:solidFill>
+                <a:effectLst/>
+                <a:uFillTx/>
+                <a:latin typeface="Uroob" panose="00000800000000000000" charset="0"/>
+                <a:ea typeface="Source Sans Pro"/>
+                <a:cs typeface="Uroob" panose="00000800000000000000" charset="0"/>
+                <a:sym typeface="Source Sans Pro"/>
+              </a:rPr>
+              <a:t>Image simple</a:t>
+            </a:r>
+            <a:endParaRPr kumimoji="0" lang="" altLang="en-US" sz="2000" b="0" i="0" u="none" strike="noStrike" cap="none" spc="0" normalizeH="0" baseline="0">
+              <a:ln>
+                <a:noFill/>
+              </a:ln>
+              <a:solidFill>
+                <a:schemeClr val="tx1">
+                  <a:lumMod val="50000"/>
+                </a:schemeClr>
+              </a:solidFill>
+              <a:effectLst/>
+              <a:uFillTx/>
+              <a:latin typeface="Uroob" panose="00000800000000000000" charset="0"/>
+              <a:ea typeface="Source Sans Pro"/>
+              <a:cs typeface="Uroob" panose="00000800000000000000" charset="0"/>
+              <a:sym typeface="Source Sans Pro"/>
+            </a:endParaRPr>
+          </a:p>
+        </p:txBody>
+      </p:sp>
+      <p:sp>
+        <p:nvSpPr>
+          <p:cNvPr id="21" name="Text Box 20"/>
+          <p:cNvSpPr txBox="1"/>
+          <p:nvPr/>
+        </p:nvSpPr>
+        <p:spPr>
+          <a:xfrm>
+            <a:off x="7477760" y="5397818"/>
+            <a:ext cx="2140585" cy="415290"/>
+          </a:xfrm>
+          <a:prstGeom prst="rect">
+            <a:avLst/>
+          </a:prstGeom>
+          <a:noFill/>
+          <a:ln w="12700" cap="flat">
+            <a:noFill/>
+            <a:miter lim="400000"/>
+          </a:ln>
+          <a:extLst>
+            <a:ext uri="{909E8E84-426E-40DD-AFC4-6F175D3DCCD1}">
+              <a14:hiddenFill xmlns:a14="http://schemas.microsoft.com/office/drawing/2010/main">
+                <a:solidFill>
+                  <a:srgbClr val="2E82FC"/>
+                </a:solidFill>
+              </a14:hiddenFill>
+            </a:ext>
+          </a:extLst>
+        </p:spPr>
+        <p:style>
+          <a:lnRef idx="0">
+            <a:srgbClr val="FFFFFF"/>
+          </a:lnRef>
+          <a:fillRef idx="0">
+            <a:srgbClr val="FFFFFF"/>
+          </a:fillRef>
+          <a:effectRef idx="0">
+            <a:srgbClr val="FFFFFF"/>
+          </a:effectRef>
+          <a:fontRef idx="none"/>
+        </p:style>
+        <p:txBody>
+          <a:bodyPr rot="0" vertOverflow="overflow" horzOverflow="overflow" vert="horz" wrap="square" lIns="54570" tIns="54570" rIns="54570" bIns="54570" numCol="1" spcCol="38100" rtlCol="0" anchor="ctr" forceAA="0" upright="0">
+            <a:spAutoFit/>
+          </a:bodyPr>
+          <a:p>
+            <a:pPr marL="0" marR="0" indent="0" algn="l" defTabSz="584200" rtl="0" fontAlgn="auto" latinLnBrk="0" hangingPunct="0">
+              <a:lnSpc>
+                <a:spcPct val="100000"/>
+              </a:lnSpc>
+              <a:spcBef>
+                <a:spcPts val="200"/>
+              </a:spcBef>
+              <a:spcAft>
+                <a:spcPts val="0"/>
+              </a:spcAft>
+              <a:buClrTx/>
+              <a:buSzTx/>
+              <a:buFontTx/>
+              <a:buNone/>
+            </a:pPr>
+            <a:r>
+              <a:rPr kumimoji="0" lang="en-US" altLang="en-US" sz="2000" b="0" i="0" u="none" strike="noStrike" cap="none" spc="0" normalizeH="0" baseline="0">
+                <a:ln>
+                  <a:noFill/>
+                </a:ln>
+                <a:solidFill>
+                  <a:schemeClr val="tx1">
+                    <a:lumMod val="50000"/>
+                  </a:schemeClr>
+                </a:solidFill>
+                <a:effectLst/>
+                <a:uFillTx/>
+                <a:latin typeface="Uroob" panose="00000800000000000000" charset="0"/>
+                <a:ea typeface="Source Sans Pro"/>
+                <a:cs typeface="Uroob" panose="00000800000000000000" charset="0"/>
+                <a:sym typeface="Source Sans Pro"/>
+              </a:rPr>
+              <a:t>Image </a:t>
+            </a:r>
+            <a:r>
+              <a:rPr kumimoji="0" lang="" altLang="en-US" sz="2000" b="0" i="0" u="none" strike="noStrike" cap="none" spc="0" normalizeH="0" baseline="0">
+                <a:ln>
+                  <a:noFill/>
+                </a:ln>
+                <a:solidFill>
+                  <a:schemeClr val="tx1">
+                    <a:lumMod val="50000"/>
+                  </a:schemeClr>
+                </a:solidFill>
+                <a:effectLst/>
+                <a:uFillTx/>
+                <a:latin typeface="Uroob" panose="00000800000000000000" charset="0"/>
+                <a:ea typeface="Source Sans Pro"/>
+                <a:cs typeface="Uroob" panose="00000800000000000000" charset="0"/>
+                <a:sym typeface="Source Sans Pro"/>
+              </a:rPr>
+              <a:t>collection</a:t>
+            </a:r>
+            <a:endParaRPr kumimoji="0" lang="" altLang="en-US" sz="2000" b="0" i="0" u="none" strike="noStrike" cap="none" spc="0" normalizeH="0" baseline="0">
+              <a:ln>
+                <a:noFill/>
+              </a:ln>
+              <a:solidFill>
+                <a:schemeClr val="tx1">
+                  <a:lumMod val="50000"/>
+                </a:schemeClr>
+              </a:solidFill>
+              <a:effectLst/>
+              <a:uFillTx/>
+              <a:latin typeface="Uroob" panose="00000800000000000000" charset="0"/>
+              <a:ea typeface="Source Sans Pro"/>
+              <a:cs typeface="Uroob" panose="00000800000000000000" charset="0"/>
+              <a:sym typeface="Source Sans Pro"/>
+            </a:endParaRPr>
+          </a:p>
+        </p:txBody>
+      </p:sp>
+      <p:sp>
+        <p:nvSpPr>
+          <p:cNvPr id="22" name="Pentagon 21"/>
+          <p:cNvSpPr/>
+          <p:nvPr/>
+        </p:nvSpPr>
+        <p:spPr>
+          <a:xfrm>
+            <a:off x="10904855" y="1759585"/>
+            <a:ext cx="2808605" cy="431800"/>
+          </a:xfrm>
+          <a:prstGeom prst="homePlate">
+            <a:avLst/>
+          </a:prstGeom>
+          <a:solidFill>
+            <a:schemeClr val="bg1">
+              <a:lumMod val="85000"/>
+            </a:schemeClr>
+          </a:solidFill>
+          <a:ln w="12700" cap="flat">
+            <a:noFill/>
+            <a:miter lim="400000"/>
+          </a:ln>
+          <a:effectLst/>
+        </p:spPr>
+        <p:style>
+          <a:lnRef idx="0">
+            <a:srgbClr val="FFFFFF"/>
+          </a:lnRef>
+          <a:fillRef idx="0">
+            <a:srgbClr val="FFFFFF"/>
+          </a:fillRef>
+          <a:effectRef idx="0">
+            <a:srgbClr val="FFFFFF"/>
+          </a:effectRef>
+          <a:fontRef idx="none"/>
+        </p:style>
+        <p:txBody>
+          <a:bodyPr rot="0" vertOverflow="overflow" horzOverflow="overflow" vert="horz" wrap="square" lIns="54570" tIns="54570" rIns="54570" bIns="54570" numCol="1" spcCol="38100" rtlCol="0" anchor="ctr" forceAA="0" upright="0">
+            <a:spAutoFit/>
+          </a:bodyPr>
+          <a:p>
+            <a:pPr marL="0" marR="0" indent="0" algn="l" defTabSz="584200" rtl="0" fontAlgn="auto" latinLnBrk="0" hangingPunct="0">
+              <a:lnSpc>
+                <a:spcPct val="80000"/>
+              </a:lnSpc>
+              <a:spcBef>
+                <a:spcPts val="0"/>
+              </a:spcBef>
+              <a:spcAft>
+                <a:spcPts val="0"/>
+              </a:spcAft>
+              <a:buClrTx/>
+              <a:buSzTx/>
+              <a:buFontTx/>
+              <a:buNone/>
+            </a:pPr>
+            <a:endParaRPr kumimoji="0" lang="en-US" sz="1200" b="0" i="0" u="none" strike="noStrike" cap="none" spc="0" normalizeH="0" baseline="0">
+              <a:ln>
+                <a:noFill/>
+              </a:ln>
+              <a:solidFill>
+                <a:srgbClr val="000000"/>
+              </a:solidFill>
+              <a:effectLst/>
+              <a:uFillTx/>
+              <a:latin typeface="Source Sans Pro"/>
+              <a:ea typeface="Source Sans Pro"/>
+              <a:cs typeface="Source Sans Pro"/>
+              <a:sym typeface="Source Sans Pro"/>
+            </a:endParaRPr>
+          </a:p>
+        </p:txBody>
+      </p:sp>
+      <p:sp>
+        <p:nvSpPr>
+          <p:cNvPr id="23" name="Pentagon 22"/>
+          <p:cNvSpPr/>
+          <p:nvPr/>
+        </p:nvSpPr>
+        <p:spPr>
+          <a:xfrm>
+            <a:off x="10888345" y="4398010"/>
+            <a:ext cx="2808605" cy="431800"/>
+          </a:xfrm>
+          <a:prstGeom prst="homePlate">
+            <a:avLst/>
+          </a:prstGeom>
+          <a:solidFill>
+            <a:schemeClr val="bg1">
+              <a:lumMod val="85000"/>
+            </a:schemeClr>
+          </a:solidFill>
+          <a:ln w="12700" cap="flat">
+            <a:noFill/>
+            <a:miter lim="400000"/>
+          </a:ln>
+          <a:effectLst/>
+        </p:spPr>
+        <p:style>
+          <a:lnRef idx="0">
+            <a:srgbClr val="FFFFFF"/>
+          </a:lnRef>
+          <a:fillRef idx="0">
+            <a:srgbClr val="FFFFFF"/>
+          </a:fillRef>
+          <a:effectRef idx="0">
+            <a:srgbClr val="FFFFFF"/>
+          </a:effectRef>
+          <a:fontRef idx="none"/>
+        </p:style>
+        <p:txBody>
+          <a:bodyPr rot="0" vertOverflow="overflow" horzOverflow="overflow" vert="horz" wrap="square" lIns="54570" tIns="54570" rIns="54570" bIns="54570" numCol="1" spcCol="38100" rtlCol="0" anchor="ctr" forceAA="0" upright="0">
+            <a:spAutoFit/>
+          </a:bodyPr>
+          <a:p>
+            <a:pPr marL="0" marR="0" indent="0" algn="l" defTabSz="584200" rtl="0" fontAlgn="auto" latinLnBrk="0" hangingPunct="0">
+              <a:lnSpc>
+                <a:spcPct val="80000"/>
+              </a:lnSpc>
+              <a:spcBef>
+                <a:spcPts val="0"/>
+              </a:spcBef>
+              <a:spcAft>
+                <a:spcPts val="0"/>
+              </a:spcAft>
+              <a:buClrTx/>
+              <a:buSzTx/>
+              <a:buFontTx/>
+              <a:buNone/>
+            </a:pPr>
+            <a:endParaRPr kumimoji="0" lang="en-US" sz="1200" b="0" i="0" u="none" strike="noStrike" cap="none" spc="0" normalizeH="0" baseline="0">
+              <a:ln>
+                <a:noFill/>
+              </a:ln>
+              <a:solidFill>
+                <a:srgbClr val="000000"/>
+              </a:solidFill>
+              <a:effectLst/>
+              <a:uFillTx/>
+              <a:latin typeface="Source Sans Pro"/>
+              <a:ea typeface="Source Sans Pro"/>
+              <a:cs typeface="Source Sans Pro"/>
+              <a:sym typeface="Source Sans Pro"/>
+            </a:endParaRPr>
+          </a:p>
+        </p:txBody>
+      </p:sp>
+      <p:sp>
+        <p:nvSpPr>
+          <p:cNvPr id="24" name="Pentagon 23"/>
+          <p:cNvSpPr/>
+          <p:nvPr/>
+        </p:nvSpPr>
+        <p:spPr>
+          <a:xfrm>
+            <a:off x="10943590" y="7395210"/>
+            <a:ext cx="2808605" cy="431800"/>
+          </a:xfrm>
+          <a:prstGeom prst="homePlate">
+            <a:avLst/>
+          </a:prstGeom>
+          <a:solidFill>
+            <a:schemeClr val="bg1">
+              <a:lumMod val="85000"/>
+            </a:schemeClr>
+          </a:solidFill>
+          <a:ln w="12700" cap="flat">
+            <a:noFill/>
+            <a:miter lim="400000"/>
+          </a:ln>
+          <a:effectLst/>
+        </p:spPr>
+        <p:style>
+          <a:lnRef idx="0">
+            <a:srgbClr val="FFFFFF"/>
+          </a:lnRef>
+          <a:fillRef idx="0">
+            <a:srgbClr val="FFFFFF"/>
+          </a:fillRef>
+          <a:effectRef idx="0">
+            <a:srgbClr val="FFFFFF"/>
+          </a:effectRef>
+          <a:fontRef idx="none"/>
+        </p:style>
+        <p:txBody>
+          <a:bodyPr rot="0" vertOverflow="overflow" horzOverflow="overflow" vert="horz" wrap="square" lIns="54570" tIns="54570" rIns="54570" bIns="54570" numCol="1" spcCol="38100" rtlCol="0" anchor="ctr" forceAA="0" upright="0">
+            <a:spAutoFit/>
+          </a:bodyPr>
+          <a:p>
+            <a:pPr marL="0" marR="0" indent="0" algn="l" defTabSz="584200" rtl="0" fontAlgn="auto" latinLnBrk="0" hangingPunct="0">
+              <a:lnSpc>
+                <a:spcPct val="80000"/>
+              </a:lnSpc>
+              <a:spcBef>
+                <a:spcPts val="0"/>
+              </a:spcBef>
+              <a:spcAft>
+                <a:spcPts val="0"/>
+              </a:spcAft>
+              <a:buClrTx/>
+              <a:buSzTx/>
+              <a:buFontTx/>
+              <a:buNone/>
+            </a:pPr>
+            <a:endParaRPr kumimoji="0" lang="en-US" sz="1200" b="0" i="0" u="none" strike="noStrike" cap="none" spc="0" normalizeH="0" baseline="0">
+              <a:ln>
+                <a:noFill/>
+              </a:ln>
+              <a:solidFill>
+                <a:srgbClr val="000000"/>
+              </a:solidFill>
+              <a:effectLst/>
+              <a:uFillTx/>
+              <a:latin typeface="Source Sans Pro"/>
+              <a:ea typeface="Source Sans Pro"/>
+              <a:cs typeface="Source Sans Pro"/>
+              <a:sym typeface="Source Sans Pro"/>
+            </a:endParaRPr>
+          </a:p>
+        </p:txBody>
+      </p:sp>
+      <p:sp>
+        <p:nvSpPr>
+          <p:cNvPr id="25" name="Text Box 24"/>
+          <p:cNvSpPr txBox="1"/>
+          <p:nvPr/>
+        </p:nvSpPr>
+        <p:spPr>
+          <a:xfrm>
+            <a:off x="10977245" y="1793558"/>
+            <a:ext cx="2447925" cy="415290"/>
+          </a:xfrm>
+          <a:prstGeom prst="rect">
+            <a:avLst/>
+          </a:prstGeom>
+          <a:noFill/>
+          <a:ln w="12700" cap="flat">
+            <a:noFill/>
+            <a:miter lim="400000"/>
+          </a:ln>
+          <a:extLst>
+            <a:ext uri="{909E8E84-426E-40DD-AFC4-6F175D3DCCD1}">
+              <a14:hiddenFill xmlns:a14="http://schemas.microsoft.com/office/drawing/2010/main">
+                <a:solidFill>
+                  <a:srgbClr val="2E82FC"/>
+                </a:solidFill>
+              </a14:hiddenFill>
+            </a:ext>
+          </a:extLst>
+        </p:spPr>
+        <p:style>
+          <a:lnRef idx="0">
+            <a:srgbClr val="FFFFFF"/>
+          </a:lnRef>
+          <a:fillRef idx="0">
+            <a:srgbClr val="FFFFFF"/>
+          </a:fillRef>
+          <a:effectRef idx="0">
+            <a:srgbClr val="FFFFFF"/>
+          </a:effectRef>
+          <a:fontRef idx="none"/>
+        </p:style>
+        <p:txBody>
+          <a:bodyPr rot="0" vertOverflow="overflow" horzOverflow="overflow" vert="horz" wrap="square" lIns="54570" tIns="54570" rIns="54570" bIns="54570" numCol="1" spcCol="38100" rtlCol="0" anchor="ctr" forceAA="0" upright="0">
+            <a:spAutoFit/>
+          </a:bodyPr>
+          <a:p>
+            <a:pPr marL="0" marR="0" indent="0" algn="l" defTabSz="584200" rtl="0" fontAlgn="auto" latinLnBrk="0" hangingPunct="0">
+              <a:lnSpc>
+                <a:spcPct val="100000"/>
+              </a:lnSpc>
+              <a:spcBef>
+                <a:spcPts val="200"/>
+              </a:spcBef>
+              <a:spcAft>
+                <a:spcPts val="0"/>
+              </a:spcAft>
+              <a:buClrTx/>
+              <a:buSzTx/>
+              <a:buFontTx/>
+              <a:buNone/>
+            </a:pPr>
+            <a:r>
+              <a:rPr kumimoji="0" lang="" altLang="en-US" sz="2000" b="0" i="0" u="none" strike="noStrike" cap="none" spc="0" normalizeH="0" baseline="0">
+                <a:ln>
+                  <a:noFill/>
+                </a:ln>
+                <a:solidFill>
+                  <a:schemeClr val="tx1">
+                    <a:lumMod val="50000"/>
+                  </a:schemeClr>
+                </a:solidFill>
+                <a:effectLst/>
+                <a:uFillTx/>
+                <a:latin typeface="Uroob" panose="00000800000000000000" charset="0"/>
+                <a:ea typeface="Source Sans Pro"/>
+                <a:cs typeface="Uroob" panose="00000800000000000000" charset="0"/>
+                <a:sym typeface="Source Sans Pro"/>
+              </a:rPr>
+              <a:t>Unsupersived classification</a:t>
+            </a:r>
+            <a:endParaRPr kumimoji="0" lang="" altLang="en-US" sz="2000" b="0" i="0" u="none" strike="noStrike" cap="none" spc="0" normalizeH="0" baseline="0">
+              <a:ln>
+                <a:noFill/>
+              </a:ln>
+              <a:solidFill>
+                <a:schemeClr val="tx1">
+                  <a:lumMod val="50000"/>
+                </a:schemeClr>
+              </a:solidFill>
+              <a:effectLst/>
+              <a:uFillTx/>
+              <a:latin typeface="Uroob" panose="00000800000000000000" charset="0"/>
+              <a:ea typeface="Source Sans Pro"/>
+              <a:cs typeface="Uroob" panose="00000800000000000000" charset="0"/>
+              <a:sym typeface="Source Sans Pro"/>
+            </a:endParaRPr>
+          </a:p>
+        </p:txBody>
+      </p:sp>
+      <p:sp>
+        <p:nvSpPr>
+          <p:cNvPr id="26" name="Text Box 25"/>
+          <p:cNvSpPr txBox="1"/>
+          <p:nvPr/>
+        </p:nvSpPr>
+        <p:spPr>
+          <a:xfrm>
+            <a:off x="10960735" y="4431983"/>
+            <a:ext cx="2447925" cy="415290"/>
+          </a:xfrm>
+          <a:prstGeom prst="rect">
+            <a:avLst/>
+          </a:prstGeom>
+          <a:noFill/>
+          <a:ln w="12700" cap="flat">
+            <a:noFill/>
+            <a:miter lim="400000"/>
+          </a:ln>
+          <a:extLst>
+            <a:ext uri="{909E8E84-426E-40DD-AFC4-6F175D3DCCD1}">
+              <a14:hiddenFill xmlns:a14="http://schemas.microsoft.com/office/drawing/2010/main">
+                <a:solidFill>
+                  <a:srgbClr val="2E82FC"/>
+                </a:solidFill>
+              </a14:hiddenFill>
+            </a:ext>
+          </a:extLst>
+        </p:spPr>
+        <p:style>
+          <a:lnRef idx="0">
+            <a:srgbClr val="FFFFFF"/>
+          </a:lnRef>
+          <a:fillRef idx="0">
+            <a:srgbClr val="FFFFFF"/>
+          </a:fillRef>
+          <a:effectRef idx="0">
+            <a:srgbClr val="FFFFFF"/>
+          </a:effectRef>
+          <a:fontRef idx="none"/>
+        </p:style>
+        <p:txBody>
+          <a:bodyPr rot="0" vertOverflow="overflow" horzOverflow="overflow" vert="horz" wrap="square" lIns="54570" tIns="54570" rIns="54570" bIns="54570" numCol="1" spcCol="38100" rtlCol="0" anchor="ctr" forceAA="0" upright="0">
+            <a:spAutoFit/>
+          </a:bodyPr>
+          <a:p>
+            <a:pPr marL="0" marR="0" indent="0" algn="l" defTabSz="584200" rtl="0" fontAlgn="auto" latinLnBrk="0" hangingPunct="0">
+              <a:lnSpc>
+                <a:spcPct val="100000"/>
+              </a:lnSpc>
+              <a:spcBef>
+                <a:spcPts val="200"/>
+              </a:spcBef>
+              <a:spcAft>
+                <a:spcPts val="0"/>
+              </a:spcAft>
+              <a:buClrTx/>
+              <a:buSzTx/>
+              <a:buFontTx/>
+              <a:buNone/>
+            </a:pPr>
+            <a:r>
+              <a:rPr kumimoji="0" lang="" altLang="en-US" sz="2000" b="0" i="0" u="none" strike="noStrike" cap="none" spc="0" normalizeH="0" baseline="0">
+                <a:ln>
+                  <a:noFill/>
+                </a:ln>
+                <a:solidFill>
+                  <a:schemeClr val="tx1">
+                    <a:lumMod val="50000"/>
+                  </a:schemeClr>
+                </a:solidFill>
+                <a:effectLst/>
+                <a:uFillTx/>
+                <a:latin typeface="Uroob" panose="00000800000000000000" charset="0"/>
+                <a:ea typeface="Source Sans Pro"/>
+                <a:cs typeface="Uroob" panose="00000800000000000000" charset="0"/>
+                <a:sym typeface="Source Sans Pro"/>
+              </a:rPr>
+              <a:t>Supervized</a:t>
+            </a:r>
+            <a:r>
+              <a:rPr kumimoji="0" lang="en-US" altLang="en-US" sz="2000" b="0" i="0" u="none" strike="noStrike" cap="none" spc="0" normalizeH="0" baseline="0">
+                <a:ln>
+                  <a:noFill/>
+                </a:ln>
+                <a:solidFill>
+                  <a:schemeClr val="tx1">
+                    <a:lumMod val="50000"/>
+                  </a:schemeClr>
+                </a:solidFill>
+                <a:effectLst/>
+                <a:uFillTx/>
+                <a:latin typeface="Uroob" panose="00000800000000000000" charset="0"/>
+                <a:ea typeface="Source Sans Pro"/>
+                <a:cs typeface="Uroob" panose="00000800000000000000" charset="0"/>
+                <a:sym typeface="Source Sans Pro"/>
+              </a:rPr>
+              <a:t> classification</a:t>
+            </a:r>
+            <a:endParaRPr kumimoji="0" lang="en-US" altLang="en-US" sz="2000" b="0" i="0" u="none" strike="noStrike" cap="none" spc="0" normalizeH="0" baseline="0">
+              <a:ln>
+                <a:noFill/>
+              </a:ln>
+              <a:solidFill>
+                <a:schemeClr val="tx1">
+                  <a:lumMod val="50000"/>
+                </a:schemeClr>
+              </a:solidFill>
+              <a:effectLst/>
+              <a:uFillTx/>
+              <a:latin typeface="Uroob" panose="00000800000000000000" charset="0"/>
+              <a:ea typeface="Source Sans Pro"/>
+              <a:cs typeface="Uroob" panose="00000800000000000000" charset="0"/>
+              <a:sym typeface="Source Sans Pro"/>
+            </a:endParaRPr>
+          </a:p>
+        </p:txBody>
+      </p:sp>
+      <p:sp>
+        <p:nvSpPr>
+          <p:cNvPr id="27" name="Text Box 26"/>
+          <p:cNvSpPr txBox="1"/>
+          <p:nvPr/>
+        </p:nvSpPr>
+        <p:spPr>
+          <a:xfrm>
+            <a:off x="11015980" y="7429183"/>
+            <a:ext cx="2736850" cy="415290"/>
+          </a:xfrm>
+          <a:prstGeom prst="rect">
+            <a:avLst/>
+          </a:prstGeom>
+          <a:noFill/>
+          <a:ln w="12700" cap="flat">
+            <a:noFill/>
+            <a:miter lim="400000"/>
+          </a:ln>
+          <a:extLst>
+            <a:ext uri="{909E8E84-426E-40DD-AFC4-6F175D3DCCD1}">
+              <a14:hiddenFill xmlns:a14="http://schemas.microsoft.com/office/drawing/2010/main">
+                <a:solidFill>
+                  <a:srgbClr val="2E82FC"/>
+                </a:solidFill>
+              </a14:hiddenFill>
+            </a:ext>
+          </a:extLst>
+        </p:spPr>
+        <p:style>
+          <a:lnRef idx="0">
+            <a:srgbClr val="FFFFFF"/>
+          </a:lnRef>
+          <a:fillRef idx="0">
+            <a:srgbClr val="FFFFFF"/>
+          </a:fillRef>
+          <a:effectRef idx="0">
+            <a:srgbClr val="FFFFFF"/>
+          </a:effectRef>
+          <a:fontRef idx="none"/>
+        </p:style>
+        <p:txBody>
+          <a:bodyPr rot="0" vertOverflow="overflow" horzOverflow="overflow" vert="horz" wrap="square" lIns="54570" tIns="54570" rIns="54570" bIns="54570" numCol="1" spcCol="38100" rtlCol="0" anchor="ctr" forceAA="0" upright="0">
+            <a:spAutoFit/>
+          </a:bodyPr>
+          <a:p>
+            <a:pPr marL="0" marR="0" indent="0" algn="l" defTabSz="584200" rtl="0" fontAlgn="auto" latinLnBrk="0" hangingPunct="0">
+              <a:lnSpc>
+                <a:spcPct val="100000"/>
+              </a:lnSpc>
+              <a:spcBef>
+                <a:spcPts val="200"/>
+              </a:spcBef>
+              <a:spcAft>
+                <a:spcPts val="0"/>
+              </a:spcAft>
+              <a:buClrTx/>
+              <a:buSzTx/>
+              <a:buFontTx/>
+              <a:buNone/>
+            </a:pPr>
+            <a:r>
+              <a:rPr kumimoji="0" lang="" altLang="en-US" sz="2000" b="0" i="0" u="none" strike="noStrike" cap="none" spc="0" normalizeH="0" baseline="0">
+                <a:ln>
+                  <a:noFill/>
+                </a:ln>
+                <a:solidFill>
+                  <a:schemeClr val="tx1">
+                    <a:lumMod val="50000"/>
+                  </a:schemeClr>
+                </a:solidFill>
+                <a:effectLst/>
+                <a:uFillTx/>
+                <a:latin typeface="Uroob" panose="00000800000000000000" charset="0"/>
+                <a:ea typeface="Source Sans Pro"/>
+                <a:cs typeface="Uroob" panose="00000800000000000000" charset="0"/>
+                <a:sym typeface="Source Sans Pro"/>
+              </a:rPr>
+              <a:t>Spatial Interpolation</a:t>
+            </a:r>
+            <a:endParaRPr kumimoji="0" lang="" altLang="en-US" sz="2000" b="0" i="0" u="none" strike="noStrike" cap="none" spc="0" normalizeH="0" baseline="0">
+              <a:ln>
+                <a:noFill/>
+              </a:ln>
+              <a:solidFill>
+                <a:schemeClr val="tx1">
+                  <a:lumMod val="50000"/>
+                </a:schemeClr>
+              </a:solidFill>
+              <a:effectLst/>
+              <a:uFillTx/>
+              <a:latin typeface="Uroob" panose="00000800000000000000" charset="0"/>
+              <a:ea typeface="Source Sans Pro"/>
+              <a:cs typeface="Uroob" panose="00000800000000000000" charset="0"/>
               <a:sym typeface="Source Sans Pro"/>
             </a:endParaRPr>
           </a:p>
